--- a/ppts/01_introduction.pptx
+++ b/ppts/01_introduction.pptx
@@ -8496,562 +8496,6 @@
         </p:nvSpPr>
         <p:spPr>
           <a:xfrm>
-            <a:off x="9409176" y="182880"/>
-            <a:ext cx="1978660" cy="969644"/>
-          </a:xfrm>
-          <a:custGeom>
-            <a:avLst/>
-            <a:gdLst/>
-            <a:ahLst/>
-            <a:cxnLst/>
-            <a:rect l="l" t="t" r="r" b="b"/>
-            <a:pathLst>
-              <a:path w="1978659" h="969644">
-                <a:moveTo>
-                  <a:pt x="1978152" y="969264"/>
-                </a:moveTo>
-                <a:lnTo>
-                  <a:pt x="0" y="969264"/>
-                </a:lnTo>
-                <a:lnTo>
-                  <a:pt x="0" y="0"/>
-                </a:lnTo>
-                <a:lnTo>
-                  <a:pt x="1978152" y="0"/>
-                </a:lnTo>
-                <a:lnTo>
-                  <a:pt x="1978152" y="103027"/>
-                </a:lnTo>
-                <a:lnTo>
-                  <a:pt x="273555" y="103027"/>
-                </a:lnTo>
-                <a:lnTo>
-                  <a:pt x="260411" y="103662"/>
-                </a:lnTo>
-                <a:lnTo>
-                  <a:pt x="222495" y="113183"/>
-                </a:lnTo>
-                <a:lnTo>
-                  <a:pt x="188951" y="133261"/>
-                </a:lnTo>
-                <a:lnTo>
-                  <a:pt x="162595" y="162310"/>
-                </a:lnTo>
-                <a:lnTo>
-                  <a:pt x="145843" y="197777"/>
-                </a:lnTo>
-                <a:lnTo>
-                  <a:pt x="140131" y="236451"/>
-                </a:lnTo>
-                <a:lnTo>
-                  <a:pt x="140131" y="655781"/>
-                </a:lnTo>
-                <a:lnTo>
-                  <a:pt x="145844" y="694454"/>
-                </a:lnTo>
-                <a:lnTo>
-                  <a:pt x="162595" y="729921"/>
-                </a:lnTo>
-                <a:lnTo>
-                  <a:pt x="188951" y="758971"/>
-                </a:lnTo>
-                <a:lnTo>
-                  <a:pt x="222495" y="779048"/>
-                </a:lnTo>
-                <a:lnTo>
-                  <a:pt x="260411" y="788570"/>
-                </a:lnTo>
-                <a:lnTo>
-                  <a:pt x="273555" y="789205"/>
-                </a:lnTo>
-                <a:lnTo>
-                  <a:pt x="1978152" y="789205"/>
-                </a:lnTo>
-                <a:lnTo>
-                  <a:pt x="1978152" y="969264"/>
-                </a:lnTo>
-                <a:close/>
-              </a:path>
-              <a:path w="1978659" h="969644">
-                <a:moveTo>
-                  <a:pt x="1978152" y="789205"/>
-                </a:moveTo>
-                <a:lnTo>
-                  <a:pt x="1703091" y="789205"/>
-                </a:lnTo>
-                <a:lnTo>
-                  <a:pt x="1716234" y="788570"/>
-                </a:lnTo>
-                <a:lnTo>
-                  <a:pt x="1729125" y="786666"/>
-                </a:lnTo>
-                <a:lnTo>
-                  <a:pt x="1766050" y="773432"/>
-                </a:lnTo>
-                <a:lnTo>
-                  <a:pt x="1797436" y="750126"/>
-                </a:lnTo>
-                <a:lnTo>
-                  <a:pt x="1820741" y="718740"/>
-                </a:lnTo>
-                <a:lnTo>
-                  <a:pt x="1833975" y="681816"/>
-                </a:lnTo>
-                <a:lnTo>
-                  <a:pt x="1836515" y="655781"/>
-                </a:lnTo>
-                <a:lnTo>
-                  <a:pt x="1836515" y="236451"/>
-                </a:lnTo>
-                <a:lnTo>
-                  <a:pt x="1830801" y="197777"/>
-                </a:lnTo>
-                <a:lnTo>
-                  <a:pt x="1814049" y="162310"/>
-                </a:lnTo>
-                <a:lnTo>
-                  <a:pt x="1787692" y="133261"/>
-                </a:lnTo>
-                <a:lnTo>
-                  <a:pt x="1754148" y="113183"/>
-                </a:lnTo>
-                <a:lnTo>
-                  <a:pt x="1716234" y="103662"/>
-                </a:lnTo>
-                <a:lnTo>
-                  <a:pt x="1703091" y="103027"/>
-                </a:lnTo>
-                <a:lnTo>
-                  <a:pt x="1978152" y="103027"/>
-                </a:lnTo>
-                <a:lnTo>
-                  <a:pt x="1978152" y="789205"/>
-                </a:lnTo>
-                <a:close/>
-              </a:path>
-            </a:pathLst>
-          </a:custGeom>
-          <a:solidFill>
-            <a:srgbClr val="323232">
-              <a:alpha val="39999"/>
-            </a:srgbClr>
-          </a:solidFill>
-        </p:spPr>
-        <p:txBody>
-          <a:bodyPr wrap="square" lIns="0" tIns="0" rIns="0" bIns="0" rtlCol="0"/>
-          <a:lstStyle/>
-          <a:p/>
-        </p:txBody>
-      </p:sp>
-      <p:sp>
-        <p:nvSpPr>
-          <p:cNvPr id="3" name="object 3"/>
-          <p:cNvSpPr/>
-          <p:nvPr/>
-        </p:nvSpPr>
-        <p:spPr>
-          <a:xfrm>
-            <a:off x="9554071" y="290672"/>
-            <a:ext cx="1687195" cy="676910"/>
-          </a:xfrm>
-          <a:custGeom>
-            <a:avLst/>
-            <a:gdLst/>
-            <a:ahLst/>
-            <a:cxnLst/>
-            <a:rect l="l" t="t" r="r" b="b"/>
-            <a:pathLst>
-              <a:path w="1687195" h="676910">
-                <a:moveTo>
-                  <a:pt x="1566643" y="676647"/>
-                </a:moveTo>
-                <a:lnTo>
-                  <a:pt x="120210" y="676647"/>
-                </a:lnTo>
-                <a:lnTo>
-                  <a:pt x="111843" y="675823"/>
-                </a:lnTo>
-                <a:lnTo>
-                  <a:pt x="71617" y="663620"/>
-                </a:lnTo>
-                <a:lnTo>
-                  <a:pt x="31709" y="632990"/>
-                </a:lnTo>
-                <a:lnTo>
-                  <a:pt x="6560" y="589419"/>
-                </a:lnTo>
-                <a:lnTo>
-                  <a:pt x="0" y="556437"/>
-                </a:lnTo>
-                <a:lnTo>
-                  <a:pt x="0" y="120210"/>
-                </a:lnTo>
-                <a:lnTo>
-                  <a:pt x="13026" y="71618"/>
-                </a:lnTo>
-                <a:lnTo>
-                  <a:pt x="43656" y="31709"/>
-                </a:lnTo>
-                <a:lnTo>
-                  <a:pt x="87227" y="6560"/>
-                </a:lnTo>
-                <a:lnTo>
-                  <a:pt x="120210" y="0"/>
-                </a:lnTo>
-                <a:lnTo>
-                  <a:pt x="1566643" y="0"/>
-                </a:lnTo>
-                <a:lnTo>
-                  <a:pt x="1615234" y="13026"/>
-                </a:lnTo>
-                <a:lnTo>
-                  <a:pt x="1655143" y="43656"/>
-                </a:lnTo>
-                <a:lnTo>
-                  <a:pt x="1680291" y="87227"/>
-                </a:lnTo>
-                <a:lnTo>
-                  <a:pt x="1686854" y="120210"/>
-                </a:lnTo>
-                <a:lnTo>
-                  <a:pt x="1686854" y="556437"/>
-                </a:lnTo>
-                <a:lnTo>
-                  <a:pt x="1673825" y="605029"/>
-                </a:lnTo>
-                <a:lnTo>
-                  <a:pt x="1643196" y="644937"/>
-                </a:lnTo>
-                <a:lnTo>
-                  <a:pt x="1599624" y="670086"/>
-                </a:lnTo>
-                <a:lnTo>
-                  <a:pt x="1566643" y="676647"/>
-                </a:lnTo>
-                <a:close/>
-              </a:path>
-            </a:pathLst>
-          </a:custGeom>
-          <a:solidFill>
-            <a:srgbClr val="FFFFFF"/>
-          </a:solidFill>
-        </p:spPr>
-        <p:txBody>
-          <a:bodyPr wrap="square" lIns="0" tIns="0" rIns="0" bIns="0" rtlCol="0"/>
-          <a:lstStyle/>
-          <a:p/>
-        </p:txBody>
-      </p:sp>
-      <p:sp>
-        <p:nvSpPr>
-          <p:cNvPr id="4" name="object 4"/>
-          <p:cNvSpPr/>
-          <p:nvPr/>
-        </p:nvSpPr>
-        <p:spPr>
-          <a:xfrm>
-            <a:off x="9554072" y="290672"/>
-            <a:ext cx="1687195" cy="676910"/>
-          </a:xfrm>
-          <a:custGeom>
-            <a:avLst/>
-            <a:gdLst/>
-            <a:ahLst/>
-            <a:cxnLst/>
-            <a:rect l="l" t="t" r="r" b="b"/>
-            <a:pathLst>
-              <a:path w="1687195" h="676910">
-                <a:moveTo>
-                  <a:pt x="0" y="547989"/>
-                </a:moveTo>
-                <a:lnTo>
-                  <a:pt x="0" y="128658"/>
-                </a:lnTo>
-                <a:lnTo>
-                  <a:pt x="0" y="120210"/>
-                </a:lnTo>
-                <a:lnTo>
-                  <a:pt x="824" y="111843"/>
-                </a:lnTo>
-                <a:lnTo>
-                  <a:pt x="2472" y="103558"/>
-                </a:lnTo>
-                <a:lnTo>
-                  <a:pt x="4120" y="95272"/>
-                </a:lnTo>
-                <a:lnTo>
-                  <a:pt x="6560" y="87227"/>
-                </a:lnTo>
-                <a:lnTo>
-                  <a:pt x="9793" y="79422"/>
-                </a:lnTo>
-                <a:lnTo>
-                  <a:pt x="13026" y="71618"/>
-                </a:lnTo>
-                <a:lnTo>
-                  <a:pt x="37682" y="37683"/>
-                </a:lnTo>
-                <a:lnTo>
-                  <a:pt x="43656" y="31709"/>
-                </a:lnTo>
-                <a:lnTo>
-                  <a:pt x="50154" y="26376"/>
-                </a:lnTo>
-                <a:lnTo>
-                  <a:pt x="57179" y="21682"/>
-                </a:lnTo>
-                <a:lnTo>
-                  <a:pt x="64202" y="16989"/>
-                </a:lnTo>
-                <a:lnTo>
-                  <a:pt x="71617" y="13026"/>
-                </a:lnTo>
-                <a:lnTo>
-                  <a:pt x="79422" y="9793"/>
-                </a:lnTo>
-                <a:lnTo>
-                  <a:pt x="87227" y="6560"/>
-                </a:lnTo>
-                <a:lnTo>
-                  <a:pt x="95272" y="4120"/>
-                </a:lnTo>
-                <a:lnTo>
-                  <a:pt x="103558" y="2472"/>
-                </a:lnTo>
-                <a:lnTo>
-                  <a:pt x="111843" y="824"/>
-                </a:lnTo>
-                <a:lnTo>
-                  <a:pt x="120210" y="0"/>
-                </a:lnTo>
-                <a:lnTo>
-                  <a:pt x="128658" y="0"/>
-                </a:lnTo>
-                <a:lnTo>
-                  <a:pt x="1558196" y="0"/>
-                </a:lnTo>
-                <a:lnTo>
-                  <a:pt x="1566643" y="0"/>
-                </a:lnTo>
-                <a:lnTo>
-                  <a:pt x="1575010" y="824"/>
-                </a:lnTo>
-                <a:lnTo>
-                  <a:pt x="1583294" y="2472"/>
-                </a:lnTo>
-                <a:lnTo>
-                  <a:pt x="1591579" y="4120"/>
-                </a:lnTo>
-                <a:lnTo>
-                  <a:pt x="1599624" y="6560"/>
-                </a:lnTo>
-                <a:lnTo>
-                  <a:pt x="1607429" y="9793"/>
-                </a:lnTo>
-                <a:lnTo>
-                  <a:pt x="1615234" y="13026"/>
-                </a:lnTo>
-                <a:lnTo>
-                  <a:pt x="1649170" y="37683"/>
-                </a:lnTo>
-                <a:lnTo>
-                  <a:pt x="1673825" y="71618"/>
-                </a:lnTo>
-                <a:lnTo>
-                  <a:pt x="1686029" y="111843"/>
-                </a:lnTo>
-                <a:lnTo>
-                  <a:pt x="1686854" y="120210"/>
-                </a:lnTo>
-                <a:lnTo>
-                  <a:pt x="1686854" y="128658"/>
-                </a:lnTo>
-                <a:lnTo>
-                  <a:pt x="1686854" y="547989"/>
-                </a:lnTo>
-                <a:lnTo>
-                  <a:pt x="1686854" y="556437"/>
-                </a:lnTo>
-                <a:lnTo>
-                  <a:pt x="1686029" y="564803"/>
-                </a:lnTo>
-                <a:lnTo>
-                  <a:pt x="1673825" y="605029"/>
-                </a:lnTo>
-                <a:lnTo>
-                  <a:pt x="1649170" y="638964"/>
-                </a:lnTo>
-                <a:lnTo>
-                  <a:pt x="1629672" y="654964"/>
-                </a:lnTo>
-                <a:lnTo>
-                  <a:pt x="1622648" y="659657"/>
-                </a:lnTo>
-                <a:lnTo>
-                  <a:pt x="1615234" y="663620"/>
-                </a:lnTo>
-                <a:lnTo>
-                  <a:pt x="1607429" y="666853"/>
-                </a:lnTo>
-                <a:lnTo>
-                  <a:pt x="1599624" y="670086"/>
-                </a:lnTo>
-                <a:lnTo>
-                  <a:pt x="1591579" y="672527"/>
-                </a:lnTo>
-                <a:lnTo>
-                  <a:pt x="1583294" y="674175"/>
-                </a:lnTo>
-                <a:lnTo>
-                  <a:pt x="1575010" y="675823"/>
-                </a:lnTo>
-                <a:lnTo>
-                  <a:pt x="1566643" y="676647"/>
-                </a:lnTo>
-                <a:lnTo>
-                  <a:pt x="1558196" y="676647"/>
-                </a:lnTo>
-                <a:lnTo>
-                  <a:pt x="128658" y="676647"/>
-                </a:lnTo>
-                <a:lnTo>
-                  <a:pt x="120210" y="676647"/>
-                </a:lnTo>
-                <a:lnTo>
-                  <a:pt x="111843" y="675823"/>
-                </a:lnTo>
-                <a:lnTo>
-                  <a:pt x="103558" y="674175"/>
-                </a:lnTo>
-                <a:lnTo>
-                  <a:pt x="95272" y="672527"/>
-                </a:lnTo>
-                <a:lnTo>
-                  <a:pt x="87227" y="670086"/>
-                </a:lnTo>
-                <a:lnTo>
-                  <a:pt x="79422" y="666853"/>
-                </a:lnTo>
-                <a:lnTo>
-                  <a:pt x="71617" y="663620"/>
-                </a:lnTo>
-                <a:lnTo>
-                  <a:pt x="64202" y="659657"/>
-                </a:lnTo>
-                <a:lnTo>
-                  <a:pt x="57179" y="654964"/>
-                </a:lnTo>
-                <a:lnTo>
-                  <a:pt x="50154" y="650271"/>
-                </a:lnTo>
-                <a:lnTo>
-                  <a:pt x="43656" y="644937"/>
-                </a:lnTo>
-                <a:lnTo>
-                  <a:pt x="37682" y="638964"/>
-                </a:lnTo>
-                <a:lnTo>
-                  <a:pt x="31709" y="632990"/>
-                </a:lnTo>
-                <a:lnTo>
-                  <a:pt x="26376" y="626491"/>
-                </a:lnTo>
-                <a:lnTo>
-                  <a:pt x="21682" y="619467"/>
-                </a:lnTo>
-                <a:lnTo>
-                  <a:pt x="16989" y="612443"/>
-                </a:lnTo>
-                <a:lnTo>
-                  <a:pt x="13026" y="605029"/>
-                </a:lnTo>
-                <a:lnTo>
-                  <a:pt x="9793" y="597224"/>
-                </a:lnTo>
-                <a:lnTo>
-                  <a:pt x="6560" y="589419"/>
-                </a:lnTo>
-                <a:lnTo>
-                  <a:pt x="4120" y="581374"/>
-                </a:lnTo>
-                <a:lnTo>
-                  <a:pt x="2472" y="573089"/>
-                </a:lnTo>
-                <a:lnTo>
-                  <a:pt x="824" y="564803"/>
-                </a:lnTo>
-                <a:lnTo>
-                  <a:pt x="0" y="556437"/>
-                </a:lnTo>
-                <a:lnTo>
-                  <a:pt x="0" y="547989"/>
-                </a:lnTo>
-                <a:close/>
-              </a:path>
-            </a:pathLst>
-          </a:custGeom>
-          <a:ln w="28590">
-            <a:solidFill>
-              <a:srgbClr val="DDDDDD"/>
-            </a:solidFill>
-          </a:ln>
-        </p:spPr>
-        <p:txBody>
-          <a:bodyPr wrap="square" lIns="0" tIns="0" rIns="0" bIns="0" rtlCol="0"/>
-          <a:lstStyle/>
-          <a:p/>
-        </p:txBody>
-      </p:sp>
-      <p:sp>
-        <p:nvSpPr>
-          <p:cNvPr id="5" name="object 5"/>
-          <p:cNvSpPr txBox="1">
-            <a:spLocks noGrp="1"/>
-          </p:cNvSpPr>
-          <p:nvPr>
-            <p:ph type="title"/>
-          </p:nvPr>
-        </p:nvSpPr>
-        <p:spPr>
-          <a:prstGeom prst="rect"/>
-        </p:spPr>
-        <p:txBody>
-          <a:bodyPr wrap="square" lIns="0" tIns="12700" rIns="0" bIns="0" rtlCol="0" vert="horz">
-            <a:spAutoFit/>
-          </a:bodyPr>
-          <a:lstStyle/>
-          <a:p>
-            <a:pPr marL="12700">
-              <a:lnSpc>
-                <a:spcPct val="100000"/>
-              </a:lnSpc>
-              <a:spcBef>
-                <a:spcPts val="100"/>
-              </a:spcBef>
-            </a:pPr>
-            <a:r>
-              <a:rPr dirty="0"/>
-              <a:t>0</a:t>
-            </a:r>
-            <a:r>
-              <a:rPr dirty="0" spc="-5"/>
-              <a:t>4:</a:t>
-            </a:r>
-            <a:r>
-              <a:rPr dirty="0"/>
-              <a:t>00</a:t>
-            </a:r>
-          </a:p>
-        </p:txBody>
-      </p:sp>
-      <p:sp>
-        <p:nvSpPr>
-          <p:cNvPr id="6" name="object 6"/>
-          <p:cNvSpPr/>
-          <p:nvPr/>
-        </p:nvSpPr>
-        <p:spPr>
-          <a:xfrm>
             <a:off x="914903" y="4240959"/>
             <a:ext cx="9702165" cy="0"/>
           </a:xfrm>
@@ -9086,7 +8530,7 @@
       </p:sp>
       <p:sp>
         <p:nvSpPr>
-          <p:cNvPr id="7" name="object 7"/>
+          <p:cNvPr id="3" name="object 3"/>
           <p:cNvSpPr txBox="1"/>
           <p:nvPr/>
         </p:nvSpPr>
@@ -9197,7 +8641,7 @@
       </p:sp>
       <p:sp>
         <p:nvSpPr>
-          <p:cNvPr id="8" name="object 8"/>
+          <p:cNvPr id="4" name="object 4"/>
           <p:cNvSpPr txBox="1"/>
           <p:nvPr/>
         </p:nvSpPr>
@@ -9263,7 +8707,7 @@
       </p:sp>
       <p:sp>
         <p:nvSpPr>
-          <p:cNvPr id="9" name="object 9"/>
+          <p:cNvPr id="5" name="object 5"/>
           <p:cNvSpPr/>
           <p:nvPr/>
         </p:nvSpPr>
@@ -9303,7 +8747,7 @@
       </p:sp>
       <p:sp>
         <p:nvSpPr>
-          <p:cNvPr id="10" name="object 10"/>
+          <p:cNvPr id="6" name="object 6"/>
           <p:cNvSpPr/>
           <p:nvPr/>
         </p:nvSpPr>
@@ -9343,7 +8787,7 @@
       </p:sp>
       <p:sp>
         <p:nvSpPr>
-          <p:cNvPr id="11" name="object 11"/>
+          <p:cNvPr id="7" name="object 7"/>
           <p:cNvSpPr txBox="1"/>
           <p:nvPr/>
         </p:nvSpPr>
@@ -10187,6 +9631,562 @@
               <a:latin typeface="Roboto"/>
               <a:cs typeface="Roboto"/>
             </a:endParaRPr>
+          </a:p>
+        </p:txBody>
+      </p:sp>
+      <p:sp>
+        <p:nvSpPr>
+          <p:cNvPr id="8" name="object 8"/>
+          <p:cNvSpPr/>
+          <p:nvPr/>
+        </p:nvSpPr>
+        <p:spPr>
+          <a:xfrm>
+            <a:off x="9409176" y="182880"/>
+            <a:ext cx="1978660" cy="969644"/>
+          </a:xfrm>
+          <a:custGeom>
+            <a:avLst/>
+            <a:gdLst/>
+            <a:ahLst/>
+            <a:cxnLst/>
+            <a:rect l="l" t="t" r="r" b="b"/>
+            <a:pathLst>
+              <a:path w="1978659" h="969644">
+                <a:moveTo>
+                  <a:pt x="1978152" y="969264"/>
+                </a:moveTo>
+                <a:lnTo>
+                  <a:pt x="0" y="969264"/>
+                </a:lnTo>
+                <a:lnTo>
+                  <a:pt x="0" y="0"/>
+                </a:lnTo>
+                <a:lnTo>
+                  <a:pt x="1978152" y="0"/>
+                </a:lnTo>
+                <a:lnTo>
+                  <a:pt x="1978152" y="103027"/>
+                </a:lnTo>
+                <a:lnTo>
+                  <a:pt x="273555" y="103027"/>
+                </a:lnTo>
+                <a:lnTo>
+                  <a:pt x="260411" y="103662"/>
+                </a:lnTo>
+                <a:lnTo>
+                  <a:pt x="222495" y="113183"/>
+                </a:lnTo>
+                <a:lnTo>
+                  <a:pt x="188951" y="133261"/>
+                </a:lnTo>
+                <a:lnTo>
+                  <a:pt x="162595" y="162310"/>
+                </a:lnTo>
+                <a:lnTo>
+                  <a:pt x="145843" y="197777"/>
+                </a:lnTo>
+                <a:lnTo>
+                  <a:pt x="140131" y="236451"/>
+                </a:lnTo>
+                <a:lnTo>
+                  <a:pt x="140131" y="655781"/>
+                </a:lnTo>
+                <a:lnTo>
+                  <a:pt x="145844" y="694454"/>
+                </a:lnTo>
+                <a:lnTo>
+                  <a:pt x="162595" y="729921"/>
+                </a:lnTo>
+                <a:lnTo>
+                  <a:pt x="188951" y="758971"/>
+                </a:lnTo>
+                <a:lnTo>
+                  <a:pt x="222495" y="779048"/>
+                </a:lnTo>
+                <a:lnTo>
+                  <a:pt x="260411" y="788570"/>
+                </a:lnTo>
+                <a:lnTo>
+                  <a:pt x="273555" y="789205"/>
+                </a:lnTo>
+                <a:lnTo>
+                  <a:pt x="1978152" y="789205"/>
+                </a:lnTo>
+                <a:lnTo>
+                  <a:pt x="1978152" y="969264"/>
+                </a:lnTo>
+                <a:close/>
+              </a:path>
+              <a:path w="1978659" h="969644">
+                <a:moveTo>
+                  <a:pt x="1978152" y="789205"/>
+                </a:moveTo>
+                <a:lnTo>
+                  <a:pt x="1703091" y="789205"/>
+                </a:lnTo>
+                <a:lnTo>
+                  <a:pt x="1716234" y="788570"/>
+                </a:lnTo>
+                <a:lnTo>
+                  <a:pt x="1729125" y="786666"/>
+                </a:lnTo>
+                <a:lnTo>
+                  <a:pt x="1766050" y="773432"/>
+                </a:lnTo>
+                <a:lnTo>
+                  <a:pt x="1797436" y="750126"/>
+                </a:lnTo>
+                <a:lnTo>
+                  <a:pt x="1820741" y="718740"/>
+                </a:lnTo>
+                <a:lnTo>
+                  <a:pt x="1833975" y="681816"/>
+                </a:lnTo>
+                <a:lnTo>
+                  <a:pt x="1836515" y="655781"/>
+                </a:lnTo>
+                <a:lnTo>
+                  <a:pt x="1836515" y="236451"/>
+                </a:lnTo>
+                <a:lnTo>
+                  <a:pt x="1830801" y="197777"/>
+                </a:lnTo>
+                <a:lnTo>
+                  <a:pt x="1814049" y="162310"/>
+                </a:lnTo>
+                <a:lnTo>
+                  <a:pt x="1787692" y="133261"/>
+                </a:lnTo>
+                <a:lnTo>
+                  <a:pt x="1754148" y="113183"/>
+                </a:lnTo>
+                <a:lnTo>
+                  <a:pt x="1716234" y="103662"/>
+                </a:lnTo>
+                <a:lnTo>
+                  <a:pt x="1703091" y="103027"/>
+                </a:lnTo>
+                <a:lnTo>
+                  <a:pt x="1978152" y="103027"/>
+                </a:lnTo>
+                <a:lnTo>
+                  <a:pt x="1978152" y="789205"/>
+                </a:lnTo>
+                <a:close/>
+              </a:path>
+            </a:pathLst>
+          </a:custGeom>
+          <a:solidFill>
+            <a:srgbClr val="323232">
+              <a:alpha val="39999"/>
+            </a:srgbClr>
+          </a:solidFill>
+        </p:spPr>
+        <p:txBody>
+          <a:bodyPr wrap="square" lIns="0" tIns="0" rIns="0" bIns="0" rtlCol="0"/>
+          <a:lstStyle/>
+          <a:p/>
+        </p:txBody>
+      </p:sp>
+      <p:sp>
+        <p:nvSpPr>
+          <p:cNvPr id="9" name="object 9"/>
+          <p:cNvSpPr/>
+          <p:nvPr/>
+        </p:nvSpPr>
+        <p:spPr>
+          <a:xfrm>
+            <a:off x="9554071" y="290672"/>
+            <a:ext cx="1687195" cy="676910"/>
+          </a:xfrm>
+          <a:custGeom>
+            <a:avLst/>
+            <a:gdLst/>
+            <a:ahLst/>
+            <a:cxnLst/>
+            <a:rect l="l" t="t" r="r" b="b"/>
+            <a:pathLst>
+              <a:path w="1687195" h="676910">
+                <a:moveTo>
+                  <a:pt x="1566643" y="676647"/>
+                </a:moveTo>
+                <a:lnTo>
+                  <a:pt x="120210" y="676647"/>
+                </a:lnTo>
+                <a:lnTo>
+                  <a:pt x="111843" y="675823"/>
+                </a:lnTo>
+                <a:lnTo>
+                  <a:pt x="71617" y="663620"/>
+                </a:lnTo>
+                <a:lnTo>
+                  <a:pt x="31709" y="632990"/>
+                </a:lnTo>
+                <a:lnTo>
+                  <a:pt x="6560" y="589419"/>
+                </a:lnTo>
+                <a:lnTo>
+                  <a:pt x="0" y="556437"/>
+                </a:lnTo>
+                <a:lnTo>
+                  <a:pt x="0" y="120210"/>
+                </a:lnTo>
+                <a:lnTo>
+                  <a:pt x="13026" y="71618"/>
+                </a:lnTo>
+                <a:lnTo>
+                  <a:pt x="43656" y="31709"/>
+                </a:lnTo>
+                <a:lnTo>
+                  <a:pt x="87227" y="6560"/>
+                </a:lnTo>
+                <a:lnTo>
+                  <a:pt x="120210" y="0"/>
+                </a:lnTo>
+                <a:lnTo>
+                  <a:pt x="1566643" y="0"/>
+                </a:lnTo>
+                <a:lnTo>
+                  <a:pt x="1615234" y="13026"/>
+                </a:lnTo>
+                <a:lnTo>
+                  <a:pt x="1655143" y="43656"/>
+                </a:lnTo>
+                <a:lnTo>
+                  <a:pt x="1680291" y="87227"/>
+                </a:lnTo>
+                <a:lnTo>
+                  <a:pt x="1686854" y="120210"/>
+                </a:lnTo>
+                <a:lnTo>
+                  <a:pt x="1686854" y="556437"/>
+                </a:lnTo>
+                <a:lnTo>
+                  <a:pt x="1673825" y="605029"/>
+                </a:lnTo>
+                <a:lnTo>
+                  <a:pt x="1643196" y="644937"/>
+                </a:lnTo>
+                <a:lnTo>
+                  <a:pt x="1599624" y="670086"/>
+                </a:lnTo>
+                <a:lnTo>
+                  <a:pt x="1566643" y="676647"/>
+                </a:lnTo>
+                <a:close/>
+              </a:path>
+            </a:pathLst>
+          </a:custGeom>
+          <a:solidFill>
+            <a:srgbClr val="FFFFFF"/>
+          </a:solidFill>
+        </p:spPr>
+        <p:txBody>
+          <a:bodyPr wrap="square" lIns="0" tIns="0" rIns="0" bIns="0" rtlCol="0"/>
+          <a:lstStyle/>
+          <a:p/>
+        </p:txBody>
+      </p:sp>
+      <p:sp>
+        <p:nvSpPr>
+          <p:cNvPr id="10" name="object 10"/>
+          <p:cNvSpPr/>
+          <p:nvPr/>
+        </p:nvSpPr>
+        <p:spPr>
+          <a:xfrm>
+            <a:off x="9554072" y="290672"/>
+            <a:ext cx="1687195" cy="676910"/>
+          </a:xfrm>
+          <a:custGeom>
+            <a:avLst/>
+            <a:gdLst/>
+            <a:ahLst/>
+            <a:cxnLst/>
+            <a:rect l="l" t="t" r="r" b="b"/>
+            <a:pathLst>
+              <a:path w="1687195" h="676910">
+                <a:moveTo>
+                  <a:pt x="0" y="547989"/>
+                </a:moveTo>
+                <a:lnTo>
+                  <a:pt x="0" y="128658"/>
+                </a:lnTo>
+                <a:lnTo>
+                  <a:pt x="0" y="120210"/>
+                </a:lnTo>
+                <a:lnTo>
+                  <a:pt x="824" y="111843"/>
+                </a:lnTo>
+                <a:lnTo>
+                  <a:pt x="2472" y="103558"/>
+                </a:lnTo>
+                <a:lnTo>
+                  <a:pt x="4120" y="95272"/>
+                </a:lnTo>
+                <a:lnTo>
+                  <a:pt x="6560" y="87227"/>
+                </a:lnTo>
+                <a:lnTo>
+                  <a:pt x="9793" y="79422"/>
+                </a:lnTo>
+                <a:lnTo>
+                  <a:pt x="13026" y="71618"/>
+                </a:lnTo>
+                <a:lnTo>
+                  <a:pt x="37682" y="37683"/>
+                </a:lnTo>
+                <a:lnTo>
+                  <a:pt x="43656" y="31709"/>
+                </a:lnTo>
+                <a:lnTo>
+                  <a:pt x="50154" y="26376"/>
+                </a:lnTo>
+                <a:lnTo>
+                  <a:pt x="57179" y="21682"/>
+                </a:lnTo>
+                <a:lnTo>
+                  <a:pt x="64202" y="16989"/>
+                </a:lnTo>
+                <a:lnTo>
+                  <a:pt x="71617" y="13026"/>
+                </a:lnTo>
+                <a:lnTo>
+                  <a:pt x="79422" y="9793"/>
+                </a:lnTo>
+                <a:lnTo>
+                  <a:pt x="87227" y="6560"/>
+                </a:lnTo>
+                <a:lnTo>
+                  <a:pt x="95272" y="4120"/>
+                </a:lnTo>
+                <a:lnTo>
+                  <a:pt x="103558" y="2472"/>
+                </a:lnTo>
+                <a:lnTo>
+                  <a:pt x="111843" y="824"/>
+                </a:lnTo>
+                <a:lnTo>
+                  <a:pt x="120210" y="0"/>
+                </a:lnTo>
+                <a:lnTo>
+                  <a:pt x="128658" y="0"/>
+                </a:lnTo>
+                <a:lnTo>
+                  <a:pt x="1558196" y="0"/>
+                </a:lnTo>
+                <a:lnTo>
+                  <a:pt x="1566643" y="0"/>
+                </a:lnTo>
+                <a:lnTo>
+                  <a:pt x="1575010" y="824"/>
+                </a:lnTo>
+                <a:lnTo>
+                  <a:pt x="1583294" y="2472"/>
+                </a:lnTo>
+                <a:lnTo>
+                  <a:pt x="1591579" y="4120"/>
+                </a:lnTo>
+                <a:lnTo>
+                  <a:pt x="1599624" y="6560"/>
+                </a:lnTo>
+                <a:lnTo>
+                  <a:pt x="1607429" y="9793"/>
+                </a:lnTo>
+                <a:lnTo>
+                  <a:pt x="1615234" y="13026"/>
+                </a:lnTo>
+                <a:lnTo>
+                  <a:pt x="1649170" y="37683"/>
+                </a:lnTo>
+                <a:lnTo>
+                  <a:pt x="1673825" y="71618"/>
+                </a:lnTo>
+                <a:lnTo>
+                  <a:pt x="1686029" y="111843"/>
+                </a:lnTo>
+                <a:lnTo>
+                  <a:pt x="1686854" y="120210"/>
+                </a:lnTo>
+                <a:lnTo>
+                  <a:pt x="1686854" y="128658"/>
+                </a:lnTo>
+                <a:lnTo>
+                  <a:pt x="1686854" y="547989"/>
+                </a:lnTo>
+                <a:lnTo>
+                  <a:pt x="1686854" y="556437"/>
+                </a:lnTo>
+                <a:lnTo>
+                  <a:pt x="1686029" y="564803"/>
+                </a:lnTo>
+                <a:lnTo>
+                  <a:pt x="1673825" y="605029"/>
+                </a:lnTo>
+                <a:lnTo>
+                  <a:pt x="1649170" y="638964"/>
+                </a:lnTo>
+                <a:lnTo>
+                  <a:pt x="1629672" y="654964"/>
+                </a:lnTo>
+                <a:lnTo>
+                  <a:pt x="1622648" y="659657"/>
+                </a:lnTo>
+                <a:lnTo>
+                  <a:pt x="1615234" y="663620"/>
+                </a:lnTo>
+                <a:lnTo>
+                  <a:pt x="1607429" y="666853"/>
+                </a:lnTo>
+                <a:lnTo>
+                  <a:pt x="1599624" y="670086"/>
+                </a:lnTo>
+                <a:lnTo>
+                  <a:pt x="1591579" y="672527"/>
+                </a:lnTo>
+                <a:lnTo>
+                  <a:pt x="1583294" y="674175"/>
+                </a:lnTo>
+                <a:lnTo>
+                  <a:pt x="1575010" y="675823"/>
+                </a:lnTo>
+                <a:lnTo>
+                  <a:pt x="1566643" y="676647"/>
+                </a:lnTo>
+                <a:lnTo>
+                  <a:pt x="1558196" y="676647"/>
+                </a:lnTo>
+                <a:lnTo>
+                  <a:pt x="128658" y="676647"/>
+                </a:lnTo>
+                <a:lnTo>
+                  <a:pt x="120210" y="676647"/>
+                </a:lnTo>
+                <a:lnTo>
+                  <a:pt x="111843" y="675823"/>
+                </a:lnTo>
+                <a:lnTo>
+                  <a:pt x="103558" y="674175"/>
+                </a:lnTo>
+                <a:lnTo>
+                  <a:pt x="95272" y="672527"/>
+                </a:lnTo>
+                <a:lnTo>
+                  <a:pt x="87227" y="670086"/>
+                </a:lnTo>
+                <a:lnTo>
+                  <a:pt x="79422" y="666853"/>
+                </a:lnTo>
+                <a:lnTo>
+                  <a:pt x="71617" y="663620"/>
+                </a:lnTo>
+                <a:lnTo>
+                  <a:pt x="64202" y="659657"/>
+                </a:lnTo>
+                <a:lnTo>
+                  <a:pt x="57179" y="654964"/>
+                </a:lnTo>
+                <a:lnTo>
+                  <a:pt x="50154" y="650271"/>
+                </a:lnTo>
+                <a:lnTo>
+                  <a:pt x="43656" y="644937"/>
+                </a:lnTo>
+                <a:lnTo>
+                  <a:pt x="37682" y="638964"/>
+                </a:lnTo>
+                <a:lnTo>
+                  <a:pt x="31709" y="632990"/>
+                </a:lnTo>
+                <a:lnTo>
+                  <a:pt x="26376" y="626491"/>
+                </a:lnTo>
+                <a:lnTo>
+                  <a:pt x="21682" y="619467"/>
+                </a:lnTo>
+                <a:lnTo>
+                  <a:pt x="16989" y="612443"/>
+                </a:lnTo>
+                <a:lnTo>
+                  <a:pt x="13026" y="605029"/>
+                </a:lnTo>
+                <a:lnTo>
+                  <a:pt x="9793" y="597224"/>
+                </a:lnTo>
+                <a:lnTo>
+                  <a:pt x="6560" y="589419"/>
+                </a:lnTo>
+                <a:lnTo>
+                  <a:pt x="4120" y="581374"/>
+                </a:lnTo>
+                <a:lnTo>
+                  <a:pt x="2472" y="573089"/>
+                </a:lnTo>
+                <a:lnTo>
+                  <a:pt x="824" y="564803"/>
+                </a:lnTo>
+                <a:lnTo>
+                  <a:pt x="0" y="556437"/>
+                </a:lnTo>
+                <a:lnTo>
+                  <a:pt x="0" y="547989"/>
+                </a:lnTo>
+                <a:close/>
+              </a:path>
+            </a:pathLst>
+          </a:custGeom>
+          <a:ln w="28590">
+            <a:solidFill>
+              <a:srgbClr val="DDDDDD"/>
+            </a:solidFill>
+          </a:ln>
+        </p:spPr>
+        <p:txBody>
+          <a:bodyPr wrap="square" lIns="0" tIns="0" rIns="0" bIns="0" rtlCol="0"/>
+          <a:lstStyle/>
+          <a:p/>
+        </p:txBody>
+      </p:sp>
+      <p:sp>
+        <p:nvSpPr>
+          <p:cNvPr id="11" name="object 11"/>
+          <p:cNvSpPr txBox="1">
+            <a:spLocks noGrp="1"/>
+          </p:cNvSpPr>
+          <p:nvPr>
+            <p:ph type="title"/>
+          </p:nvPr>
+        </p:nvSpPr>
+        <p:spPr>
+          <a:prstGeom prst="rect"/>
+        </p:spPr>
+        <p:txBody>
+          <a:bodyPr wrap="square" lIns="0" tIns="12700" rIns="0" bIns="0" rtlCol="0" vert="horz">
+            <a:spAutoFit/>
+          </a:bodyPr>
+          <a:lstStyle/>
+          <a:p>
+            <a:pPr marL="12700">
+              <a:lnSpc>
+                <a:spcPct val="100000"/>
+              </a:lnSpc>
+              <a:spcBef>
+                <a:spcPts val="100"/>
+              </a:spcBef>
+            </a:pPr>
+            <a:r>
+              <a:rPr dirty="0"/>
+              <a:t>0</a:t>
+            </a:r>
+            <a:r>
+              <a:rPr dirty="0" spc="-5"/>
+              <a:t>4:</a:t>
+            </a:r>
+            <a:r>
+              <a:rPr dirty="0"/>
+              <a:t>00</a:t>
+            </a:r>
           </a:p>
         </p:txBody>
       </p:sp>
@@ -10223,562 +10223,6 @@
         </p:nvSpPr>
         <p:spPr>
           <a:xfrm>
-            <a:off x="9409176" y="182880"/>
-            <a:ext cx="1978660" cy="969644"/>
-          </a:xfrm>
-          <a:custGeom>
-            <a:avLst/>
-            <a:gdLst/>
-            <a:ahLst/>
-            <a:cxnLst/>
-            <a:rect l="l" t="t" r="r" b="b"/>
-            <a:pathLst>
-              <a:path w="1978659" h="969644">
-                <a:moveTo>
-                  <a:pt x="1978152" y="969264"/>
-                </a:moveTo>
-                <a:lnTo>
-                  <a:pt x="0" y="969264"/>
-                </a:lnTo>
-                <a:lnTo>
-                  <a:pt x="0" y="0"/>
-                </a:lnTo>
-                <a:lnTo>
-                  <a:pt x="1978152" y="0"/>
-                </a:lnTo>
-                <a:lnTo>
-                  <a:pt x="1978152" y="103027"/>
-                </a:lnTo>
-                <a:lnTo>
-                  <a:pt x="273555" y="103027"/>
-                </a:lnTo>
-                <a:lnTo>
-                  <a:pt x="260411" y="103662"/>
-                </a:lnTo>
-                <a:lnTo>
-                  <a:pt x="222495" y="113183"/>
-                </a:lnTo>
-                <a:lnTo>
-                  <a:pt x="188951" y="133261"/>
-                </a:lnTo>
-                <a:lnTo>
-                  <a:pt x="162595" y="162310"/>
-                </a:lnTo>
-                <a:lnTo>
-                  <a:pt x="145843" y="197777"/>
-                </a:lnTo>
-                <a:lnTo>
-                  <a:pt x="140131" y="236451"/>
-                </a:lnTo>
-                <a:lnTo>
-                  <a:pt x="140131" y="655781"/>
-                </a:lnTo>
-                <a:lnTo>
-                  <a:pt x="145844" y="694454"/>
-                </a:lnTo>
-                <a:lnTo>
-                  <a:pt x="162595" y="729921"/>
-                </a:lnTo>
-                <a:lnTo>
-                  <a:pt x="188951" y="758971"/>
-                </a:lnTo>
-                <a:lnTo>
-                  <a:pt x="222495" y="779048"/>
-                </a:lnTo>
-                <a:lnTo>
-                  <a:pt x="260411" y="788570"/>
-                </a:lnTo>
-                <a:lnTo>
-                  <a:pt x="273555" y="789205"/>
-                </a:lnTo>
-                <a:lnTo>
-                  <a:pt x="1978152" y="789205"/>
-                </a:lnTo>
-                <a:lnTo>
-                  <a:pt x="1978152" y="969264"/>
-                </a:lnTo>
-                <a:close/>
-              </a:path>
-              <a:path w="1978659" h="969644">
-                <a:moveTo>
-                  <a:pt x="1978152" y="789205"/>
-                </a:moveTo>
-                <a:lnTo>
-                  <a:pt x="1703091" y="789205"/>
-                </a:lnTo>
-                <a:lnTo>
-                  <a:pt x="1716234" y="788570"/>
-                </a:lnTo>
-                <a:lnTo>
-                  <a:pt x="1729125" y="786666"/>
-                </a:lnTo>
-                <a:lnTo>
-                  <a:pt x="1766050" y="773432"/>
-                </a:lnTo>
-                <a:lnTo>
-                  <a:pt x="1797436" y="750126"/>
-                </a:lnTo>
-                <a:lnTo>
-                  <a:pt x="1820741" y="718740"/>
-                </a:lnTo>
-                <a:lnTo>
-                  <a:pt x="1833975" y="681816"/>
-                </a:lnTo>
-                <a:lnTo>
-                  <a:pt x="1836515" y="655781"/>
-                </a:lnTo>
-                <a:lnTo>
-                  <a:pt x="1836515" y="236451"/>
-                </a:lnTo>
-                <a:lnTo>
-                  <a:pt x="1830801" y="197777"/>
-                </a:lnTo>
-                <a:lnTo>
-                  <a:pt x="1814049" y="162310"/>
-                </a:lnTo>
-                <a:lnTo>
-                  <a:pt x="1787692" y="133261"/>
-                </a:lnTo>
-                <a:lnTo>
-                  <a:pt x="1754148" y="113183"/>
-                </a:lnTo>
-                <a:lnTo>
-                  <a:pt x="1716234" y="103662"/>
-                </a:lnTo>
-                <a:lnTo>
-                  <a:pt x="1703091" y="103027"/>
-                </a:lnTo>
-                <a:lnTo>
-                  <a:pt x="1978152" y="103027"/>
-                </a:lnTo>
-                <a:lnTo>
-                  <a:pt x="1978152" y="789205"/>
-                </a:lnTo>
-                <a:close/>
-              </a:path>
-            </a:pathLst>
-          </a:custGeom>
-          <a:solidFill>
-            <a:srgbClr val="323232">
-              <a:alpha val="39999"/>
-            </a:srgbClr>
-          </a:solidFill>
-        </p:spPr>
-        <p:txBody>
-          <a:bodyPr wrap="square" lIns="0" tIns="0" rIns="0" bIns="0" rtlCol="0"/>
-          <a:lstStyle/>
-          <a:p/>
-        </p:txBody>
-      </p:sp>
-      <p:sp>
-        <p:nvSpPr>
-          <p:cNvPr id="3" name="object 3"/>
-          <p:cNvSpPr/>
-          <p:nvPr/>
-        </p:nvSpPr>
-        <p:spPr>
-          <a:xfrm>
-            <a:off x="9554071" y="290672"/>
-            <a:ext cx="1687195" cy="676910"/>
-          </a:xfrm>
-          <a:custGeom>
-            <a:avLst/>
-            <a:gdLst/>
-            <a:ahLst/>
-            <a:cxnLst/>
-            <a:rect l="l" t="t" r="r" b="b"/>
-            <a:pathLst>
-              <a:path w="1687195" h="676910">
-                <a:moveTo>
-                  <a:pt x="1566643" y="676647"/>
-                </a:moveTo>
-                <a:lnTo>
-                  <a:pt x="120210" y="676647"/>
-                </a:lnTo>
-                <a:lnTo>
-                  <a:pt x="111843" y="675823"/>
-                </a:lnTo>
-                <a:lnTo>
-                  <a:pt x="71617" y="663620"/>
-                </a:lnTo>
-                <a:lnTo>
-                  <a:pt x="31709" y="632990"/>
-                </a:lnTo>
-                <a:lnTo>
-                  <a:pt x="6560" y="589419"/>
-                </a:lnTo>
-                <a:lnTo>
-                  <a:pt x="0" y="556437"/>
-                </a:lnTo>
-                <a:lnTo>
-                  <a:pt x="0" y="120210"/>
-                </a:lnTo>
-                <a:lnTo>
-                  <a:pt x="13026" y="71618"/>
-                </a:lnTo>
-                <a:lnTo>
-                  <a:pt x="43656" y="31709"/>
-                </a:lnTo>
-                <a:lnTo>
-                  <a:pt x="87227" y="6560"/>
-                </a:lnTo>
-                <a:lnTo>
-                  <a:pt x="120210" y="0"/>
-                </a:lnTo>
-                <a:lnTo>
-                  <a:pt x="1566643" y="0"/>
-                </a:lnTo>
-                <a:lnTo>
-                  <a:pt x="1615234" y="13026"/>
-                </a:lnTo>
-                <a:lnTo>
-                  <a:pt x="1655143" y="43656"/>
-                </a:lnTo>
-                <a:lnTo>
-                  <a:pt x="1680291" y="87227"/>
-                </a:lnTo>
-                <a:lnTo>
-                  <a:pt x="1686854" y="120210"/>
-                </a:lnTo>
-                <a:lnTo>
-                  <a:pt x="1686854" y="556437"/>
-                </a:lnTo>
-                <a:lnTo>
-                  <a:pt x="1673825" y="605029"/>
-                </a:lnTo>
-                <a:lnTo>
-                  <a:pt x="1643196" y="644937"/>
-                </a:lnTo>
-                <a:lnTo>
-                  <a:pt x="1599624" y="670086"/>
-                </a:lnTo>
-                <a:lnTo>
-                  <a:pt x="1566643" y="676647"/>
-                </a:lnTo>
-                <a:close/>
-              </a:path>
-            </a:pathLst>
-          </a:custGeom>
-          <a:solidFill>
-            <a:srgbClr val="FFFFFF"/>
-          </a:solidFill>
-        </p:spPr>
-        <p:txBody>
-          <a:bodyPr wrap="square" lIns="0" tIns="0" rIns="0" bIns="0" rtlCol="0"/>
-          <a:lstStyle/>
-          <a:p/>
-        </p:txBody>
-      </p:sp>
-      <p:sp>
-        <p:nvSpPr>
-          <p:cNvPr id="4" name="object 4"/>
-          <p:cNvSpPr/>
-          <p:nvPr/>
-        </p:nvSpPr>
-        <p:spPr>
-          <a:xfrm>
-            <a:off x="9554072" y="290672"/>
-            <a:ext cx="1687195" cy="676910"/>
-          </a:xfrm>
-          <a:custGeom>
-            <a:avLst/>
-            <a:gdLst/>
-            <a:ahLst/>
-            <a:cxnLst/>
-            <a:rect l="l" t="t" r="r" b="b"/>
-            <a:pathLst>
-              <a:path w="1687195" h="676910">
-                <a:moveTo>
-                  <a:pt x="0" y="547989"/>
-                </a:moveTo>
-                <a:lnTo>
-                  <a:pt x="0" y="128658"/>
-                </a:lnTo>
-                <a:lnTo>
-                  <a:pt x="0" y="120210"/>
-                </a:lnTo>
-                <a:lnTo>
-                  <a:pt x="824" y="111843"/>
-                </a:lnTo>
-                <a:lnTo>
-                  <a:pt x="2472" y="103558"/>
-                </a:lnTo>
-                <a:lnTo>
-                  <a:pt x="4120" y="95272"/>
-                </a:lnTo>
-                <a:lnTo>
-                  <a:pt x="6560" y="87227"/>
-                </a:lnTo>
-                <a:lnTo>
-                  <a:pt x="9793" y="79422"/>
-                </a:lnTo>
-                <a:lnTo>
-                  <a:pt x="13026" y="71618"/>
-                </a:lnTo>
-                <a:lnTo>
-                  <a:pt x="37682" y="37683"/>
-                </a:lnTo>
-                <a:lnTo>
-                  <a:pt x="43656" y="31709"/>
-                </a:lnTo>
-                <a:lnTo>
-                  <a:pt x="50154" y="26376"/>
-                </a:lnTo>
-                <a:lnTo>
-                  <a:pt x="57179" y="21682"/>
-                </a:lnTo>
-                <a:lnTo>
-                  <a:pt x="64202" y="16989"/>
-                </a:lnTo>
-                <a:lnTo>
-                  <a:pt x="71617" y="13026"/>
-                </a:lnTo>
-                <a:lnTo>
-                  <a:pt x="79422" y="9793"/>
-                </a:lnTo>
-                <a:lnTo>
-                  <a:pt x="87227" y="6560"/>
-                </a:lnTo>
-                <a:lnTo>
-                  <a:pt x="95272" y="4120"/>
-                </a:lnTo>
-                <a:lnTo>
-                  <a:pt x="103558" y="2472"/>
-                </a:lnTo>
-                <a:lnTo>
-                  <a:pt x="111843" y="824"/>
-                </a:lnTo>
-                <a:lnTo>
-                  <a:pt x="120210" y="0"/>
-                </a:lnTo>
-                <a:lnTo>
-                  <a:pt x="128658" y="0"/>
-                </a:lnTo>
-                <a:lnTo>
-                  <a:pt x="1558196" y="0"/>
-                </a:lnTo>
-                <a:lnTo>
-                  <a:pt x="1566643" y="0"/>
-                </a:lnTo>
-                <a:lnTo>
-                  <a:pt x="1575010" y="824"/>
-                </a:lnTo>
-                <a:lnTo>
-                  <a:pt x="1583294" y="2472"/>
-                </a:lnTo>
-                <a:lnTo>
-                  <a:pt x="1591579" y="4120"/>
-                </a:lnTo>
-                <a:lnTo>
-                  <a:pt x="1599624" y="6560"/>
-                </a:lnTo>
-                <a:lnTo>
-                  <a:pt x="1607429" y="9793"/>
-                </a:lnTo>
-                <a:lnTo>
-                  <a:pt x="1615234" y="13026"/>
-                </a:lnTo>
-                <a:lnTo>
-                  <a:pt x="1649170" y="37683"/>
-                </a:lnTo>
-                <a:lnTo>
-                  <a:pt x="1673825" y="71618"/>
-                </a:lnTo>
-                <a:lnTo>
-                  <a:pt x="1686029" y="111843"/>
-                </a:lnTo>
-                <a:lnTo>
-                  <a:pt x="1686854" y="120210"/>
-                </a:lnTo>
-                <a:lnTo>
-                  <a:pt x="1686854" y="128658"/>
-                </a:lnTo>
-                <a:lnTo>
-                  <a:pt x="1686854" y="547989"/>
-                </a:lnTo>
-                <a:lnTo>
-                  <a:pt x="1686854" y="556437"/>
-                </a:lnTo>
-                <a:lnTo>
-                  <a:pt x="1686029" y="564803"/>
-                </a:lnTo>
-                <a:lnTo>
-                  <a:pt x="1673825" y="605029"/>
-                </a:lnTo>
-                <a:lnTo>
-                  <a:pt x="1649170" y="638964"/>
-                </a:lnTo>
-                <a:lnTo>
-                  <a:pt x="1629672" y="654964"/>
-                </a:lnTo>
-                <a:lnTo>
-                  <a:pt x="1622648" y="659657"/>
-                </a:lnTo>
-                <a:lnTo>
-                  <a:pt x="1615234" y="663620"/>
-                </a:lnTo>
-                <a:lnTo>
-                  <a:pt x="1607429" y="666853"/>
-                </a:lnTo>
-                <a:lnTo>
-                  <a:pt x="1599624" y="670086"/>
-                </a:lnTo>
-                <a:lnTo>
-                  <a:pt x="1591579" y="672527"/>
-                </a:lnTo>
-                <a:lnTo>
-                  <a:pt x="1583294" y="674175"/>
-                </a:lnTo>
-                <a:lnTo>
-                  <a:pt x="1575010" y="675823"/>
-                </a:lnTo>
-                <a:lnTo>
-                  <a:pt x="1566643" y="676647"/>
-                </a:lnTo>
-                <a:lnTo>
-                  <a:pt x="1558196" y="676647"/>
-                </a:lnTo>
-                <a:lnTo>
-                  <a:pt x="128658" y="676647"/>
-                </a:lnTo>
-                <a:lnTo>
-                  <a:pt x="120210" y="676647"/>
-                </a:lnTo>
-                <a:lnTo>
-                  <a:pt x="111843" y="675823"/>
-                </a:lnTo>
-                <a:lnTo>
-                  <a:pt x="103558" y="674175"/>
-                </a:lnTo>
-                <a:lnTo>
-                  <a:pt x="95272" y="672527"/>
-                </a:lnTo>
-                <a:lnTo>
-                  <a:pt x="87227" y="670086"/>
-                </a:lnTo>
-                <a:lnTo>
-                  <a:pt x="79422" y="666853"/>
-                </a:lnTo>
-                <a:lnTo>
-                  <a:pt x="71617" y="663620"/>
-                </a:lnTo>
-                <a:lnTo>
-                  <a:pt x="64202" y="659657"/>
-                </a:lnTo>
-                <a:lnTo>
-                  <a:pt x="57179" y="654964"/>
-                </a:lnTo>
-                <a:lnTo>
-                  <a:pt x="50154" y="650271"/>
-                </a:lnTo>
-                <a:lnTo>
-                  <a:pt x="43656" y="644937"/>
-                </a:lnTo>
-                <a:lnTo>
-                  <a:pt x="37682" y="638964"/>
-                </a:lnTo>
-                <a:lnTo>
-                  <a:pt x="31709" y="632990"/>
-                </a:lnTo>
-                <a:lnTo>
-                  <a:pt x="26376" y="626491"/>
-                </a:lnTo>
-                <a:lnTo>
-                  <a:pt x="21682" y="619467"/>
-                </a:lnTo>
-                <a:lnTo>
-                  <a:pt x="16989" y="612443"/>
-                </a:lnTo>
-                <a:lnTo>
-                  <a:pt x="13026" y="605029"/>
-                </a:lnTo>
-                <a:lnTo>
-                  <a:pt x="9793" y="597224"/>
-                </a:lnTo>
-                <a:lnTo>
-                  <a:pt x="6560" y="589419"/>
-                </a:lnTo>
-                <a:lnTo>
-                  <a:pt x="4120" y="581374"/>
-                </a:lnTo>
-                <a:lnTo>
-                  <a:pt x="2472" y="573089"/>
-                </a:lnTo>
-                <a:lnTo>
-                  <a:pt x="824" y="564803"/>
-                </a:lnTo>
-                <a:lnTo>
-                  <a:pt x="0" y="556437"/>
-                </a:lnTo>
-                <a:lnTo>
-                  <a:pt x="0" y="547989"/>
-                </a:lnTo>
-                <a:close/>
-              </a:path>
-            </a:pathLst>
-          </a:custGeom>
-          <a:ln w="28590">
-            <a:solidFill>
-              <a:srgbClr val="DDDDDD"/>
-            </a:solidFill>
-          </a:ln>
-        </p:spPr>
-        <p:txBody>
-          <a:bodyPr wrap="square" lIns="0" tIns="0" rIns="0" bIns="0" rtlCol="0"/>
-          <a:lstStyle/>
-          <a:p/>
-        </p:txBody>
-      </p:sp>
-      <p:sp>
-        <p:nvSpPr>
-          <p:cNvPr id="5" name="object 5"/>
-          <p:cNvSpPr txBox="1">
-            <a:spLocks noGrp="1"/>
-          </p:cNvSpPr>
-          <p:nvPr>
-            <p:ph type="title"/>
-          </p:nvPr>
-        </p:nvSpPr>
-        <p:spPr>
-          <a:prstGeom prst="rect"/>
-        </p:spPr>
-        <p:txBody>
-          <a:bodyPr wrap="square" lIns="0" tIns="12700" rIns="0" bIns="0" rtlCol="0" vert="horz">
-            <a:spAutoFit/>
-          </a:bodyPr>
-          <a:lstStyle/>
-          <a:p>
-            <a:pPr marL="12700">
-              <a:lnSpc>
-                <a:spcPct val="100000"/>
-              </a:lnSpc>
-              <a:spcBef>
-                <a:spcPts val="100"/>
-              </a:spcBef>
-            </a:pPr>
-            <a:r>
-              <a:rPr dirty="0"/>
-              <a:t>0</a:t>
-            </a:r>
-            <a:r>
-              <a:rPr dirty="0" spc="-5"/>
-              <a:t>4:</a:t>
-            </a:r>
-            <a:r>
-              <a:rPr dirty="0"/>
-              <a:t>00</a:t>
-            </a:r>
-          </a:p>
-        </p:txBody>
-      </p:sp>
-      <p:sp>
-        <p:nvSpPr>
-          <p:cNvPr id="6" name="object 6"/>
-          <p:cNvSpPr/>
-          <p:nvPr/>
-        </p:nvSpPr>
-        <p:spPr>
-          <a:xfrm>
             <a:off x="914903" y="4240959"/>
             <a:ext cx="9702165" cy="0"/>
           </a:xfrm>
@@ -10813,7 +10257,7 @@
       </p:sp>
       <p:sp>
         <p:nvSpPr>
-          <p:cNvPr id="7" name="object 7"/>
+          <p:cNvPr id="3" name="object 3"/>
           <p:cNvSpPr/>
           <p:nvPr/>
         </p:nvSpPr>
@@ -10853,7 +10297,7 @@
       </p:sp>
       <p:sp>
         <p:nvSpPr>
-          <p:cNvPr id="8" name="object 8"/>
+          <p:cNvPr id="4" name="object 4"/>
           <p:cNvSpPr/>
           <p:nvPr/>
         </p:nvSpPr>
@@ -10893,7 +10337,7 @@
       </p:sp>
       <p:sp>
         <p:nvSpPr>
-          <p:cNvPr id="9" name="object 9"/>
+          <p:cNvPr id="5" name="object 5"/>
           <p:cNvSpPr txBox="1"/>
           <p:nvPr/>
         </p:nvSpPr>
@@ -11473,6 +10917,562 @@
               <a:latin typeface="Roboto"/>
               <a:cs typeface="Roboto"/>
             </a:endParaRPr>
+          </a:p>
+        </p:txBody>
+      </p:sp>
+      <p:sp>
+        <p:nvSpPr>
+          <p:cNvPr id="6" name="object 6"/>
+          <p:cNvSpPr/>
+          <p:nvPr/>
+        </p:nvSpPr>
+        <p:spPr>
+          <a:xfrm>
+            <a:off x="9409176" y="182880"/>
+            <a:ext cx="1978660" cy="969644"/>
+          </a:xfrm>
+          <a:custGeom>
+            <a:avLst/>
+            <a:gdLst/>
+            <a:ahLst/>
+            <a:cxnLst/>
+            <a:rect l="l" t="t" r="r" b="b"/>
+            <a:pathLst>
+              <a:path w="1978659" h="969644">
+                <a:moveTo>
+                  <a:pt x="1978152" y="969264"/>
+                </a:moveTo>
+                <a:lnTo>
+                  <a:pt x="0" y="969264"/>
+                </a:lnTo>
+                <a:lnTo>
+                  <a:pt x="0" y="0"/>
+                </a:lnTo>
+                <a:lnTo>
+                  <a:pt x="1978152" y="0"/>
+                </a:lnTo>
+                <a:lnTo>
+                  <a:pt x="1978152" y="103027"/>
+                </a:lnTo>
+                <a:lnTo>
+                  <a:pt x="273555" y="103027"/>
+                </a:lnTo>
+                <a:lnTo>
+                  <a:pt x="260411" y="103662"/>
+                </a:lnTo>
+                <a:lnTo>
+                  <a:pt x="222495" y="113183"/>
+                </a:lnTo>
+                <a:lnTo>
+                  <a:pt x="188951" y="133261"/>
+                </a:lnTo>
+                <a:lnTo>
+                  <a:pt x="162595" y="162310"/>
+                </a:lnTo>
+                <a:lnTo>
+                  <a:pt x="145843" y="197777"/>
+                </a:lnTo>
+                <a:lnTo>
+                  <a:pt x="140131" y="236451"/>
+                </a:lnTo>
+                <a:lnTo>
+                  <a:pt x="140131" y="655781"/>
+                </a:lnTo>
+                <a:lnTo>
+                  <a:pt x="145844" y="694454"/>
+                </a:lnTo>
+                <a:lnTo>
+                  <a:pt x="162595" y="729921"/>
+                </a:lnTo>
+                <a:lnTo>
+                  <a:pt x="188951" y="758971"/>
+                </a:lnTo>
+                <a:lnTo>
+                  <a:pt x="222495" y="779048"/>
+                </a:lnTo>
+                <a:lnTo>
+                  <a:pt x="260411" y="788570"/>
+                </a:lnTo>
+                <a:lnTo>
+                  <a:pt x="273555" y="789205"/>
+                </a:lnTo>
+                <a:lnTo>
+                  <a:pt x="1978152" y="789205"/>
+                </a:lnTo>
+                <a:lnTo>
+                  <a:pt x="1978152" y="969264"/>
+                </a:lnTo>
+                <a:close/>
+              </a:path>
+              <a:path w="1978659" h="969644">
+                <a:moveTo>
+                  <a:pt x="1978152" y="789205"/>
+                </a:moveTo>
+                <a:lnTo>
+                  <a:pt x="1703091" y="789205"/>
+                </a:lnTo>
+                <a:lnTo>
+                  <a:pt x="1716234" y="788570"/>
+                </a:lnTo>
+                <a:lnTo>
+                  <a:pt x="1729125" y="786666"/>
+                </a:lnTo>
+                <a:lnTo>
+                  <a:pt x="1766050" y="773432"/>
+                </a:lnTo>
+                <a:lnTo>
+                  <a:pt x="1797436" y="750126"/>
+                </a:lnTo>
+                <a:lnTo>
+                  <a:pt x="1820741" y="718740"/>
+                </a:lnTo>
+                <a:lnTo>
+                  <a:pt x="1833975" y="681816"/>
+                </a:lnTo>
+                <a:lnTo>
+                  <a:pt x="1836515" y="655781"/>
+                </a:lnTo>
+                <a:lnTo>
+                  <a:pt x="1836515" y="236451"/>
+                </a:lnTo>
+                <a:lnTo>
+                  <a:pt x="1830801" y="197777"/>
+                </a:lnTo>
+                <a:lnTo>
+                  <a:pt x="1814049" y="162310"/>
+                </a:lnTo>
+                <a:lnTo>
+                  <a:pt x="1787692" y="133261"/>
+                </a:lnTo>
+                <a:lnTo>
+                  <a:pt x="1754148" y="113183"/>
+                </a:lnTo>
+                <a:lnTo>
+                  <a:pt x="1716234" y="103662"/>
+                </a:lnTo>
+                <a:lnTo>
+                  <a:pt x="1703091" y="103027"/>
+                </a:lnTo>
+                <a:lnTo>
+                  <a:pt x="1978152" y="103027"/>
+                </a:lnTo>
+                <a:lnTo>
+                  <a:pt x="1978152" y="789205"/>
+                </a:lnTo>
+                <a:close/>
+              </a:path>
+            </a:pathLst>
+          </a:custGeom>
+          <a:solidFill>
+            <a:srgbClr val="323232">
+              <a:alpha val="39999"/>
+            </a:srgbClr>
+          </a:solidFill>
+        </p:spPr>
+        <p:txBody>
+          <a:bodyPr wrap="square" lIns="0" tIns="0" rIns="0" bIns="0" rtlCol="0"/>
+          <a:lstStyle/>
+          <a:p/>
+        </p:txBody>
+      </p:sp>
+      <p:sp>
+        <p:nvSpPr>
+          <p:cNvPr id="7" name="object 7"/>
+          <p:cNvSpPr/>
+          <p:nvPr/>
+        </p:nvSpPr>
+        <p:spPr>
+          <a:xfrm>
+            <a:off x="9554071" y="290672"/>
+            <a:ext cx="1687195" cy="676910"/>
+          </a:xfrm>
+          <a:custGeom>
+            <a:avLst/>
+            <a:gdLst/>
+            <a:ahLst/>
+            <a:cxnLst/>
+            <a:rect l="l" t="t" r="r" b="b"/>
+            <a:pathLst>
+              <a:path w="1687195" h="676910">
+                <a:moveTo>
+                  <a:pt x="1566643" y="676647"/>
+                </a:moveTo>
+                <a:lnTo>
+                  <a:pt x="120210" y="676647"/>
+                </a:lnTo>
+                <a:lnTo>
+                  <a:pt x="111843" y="675823"/>
+                </a:lnTo>
+                <a:lnTo>
+                  <a:pt x="71617" y="663620"/>
+                </a:lnTo>
+                <a:lnTo>
+                  <a:pt x="31709" y="632990"/>
+                </a:lnTo>
+                <a:lnTo>
+                  <a:pt x="6560" y="589419"/>
+                </a:lnTo>
+                <a:lnTo>
+                  <a:pt x="0" y="556437"/>
+                </a:lnTo>
+                <a:lnTo>
+                  <a:pt x="0" y="120210"/>
+                </a:lnTo>
+                <a:lnTo>
+                  <a:pt x="13026" y="71618"/>
+                </a:lnTo>
+                <a:lnTo>
+                  <a:pt x="43656" y="31709"/>
+                </a:lnTo>
+                <a:lnTo>
+                  <a:pt x="87227" y="6560"/>
+                </a:lnTo>
+                <a:lnTo>
+                  <a:pt x="120210" y="0"/>
+                </a:lnTo>
+                <a:lnTo>
+                  <a:pt x="1566643" y="0"/>
+                </a:lnTo>
+                <a:lnTo>
+                  <a:pt x="1615234" y="13026"/>
+                </a:lnTo>
+                <a:lnTo>
+                  <a:pt x="1655143" y="43656"/>
+                </a:lnTo>
+                <a:lnTo>
+                  <a:pt x="1680291" y="87227"/>
+                </a:lnTo>
+                <a:lnTo>
+                  <a:pt x="1686854" y="120210"/>
+                </a:lnTo>
+                <a:lnTo>
+                  <a:pt x="1686854" y="556437"/>
+                </a:lnTo>
+                <a:lnTo>
+                  <a:pt x="1673825" y="605029"/>
+                </a:lnTo>
+                <a:lnTo>
+                  <a:pt x="1643196" y="644937"/>
+                </a:lnTo>
+                <a:lnTo>
+                  <a:pt x="1599624" y="670086"/>
+                </a:lnTo>
+                <a:lnTo>
+                  <a:pt x="1566643" y="676647"/>
+                </a:lnTo>
+                <a:close/>
+              </a:path>
+            </a:pathLst>
+          </a:custGeom>
+          <a:solidFill>
+            <a:srgbClr val="FFFFFF"/>
+          </a:solidFill>
+        </p:spPr>
+        <p:txBody>
+          <a:bodyPr wrap="square" lIns="0" tIns="0" rIns="0" bIns="0" rtlCol="0"/>
+          <a:lstStyle/>
+          <a:p/>
+        </p:txBody>
+      </p:sp>
+      <p:sp>
+        <p:nvSpPr>
+          <p:cNvPr id="8" name="object 8"/>
+          <p:cNvSpPr/>
+          <p:nvPr/>
+        </p:nvSpPr>
+        <p:spPr>
+          <a:xfrm>
+            <a:off x="9554072" y="290672"/>
+            <a:ext cx="1687195" cy="676910"/>
+          </a:xfrm>
+          <a:custGeom>
+            <a:avLst/>
+            <a:gdLst/>
+            <a:ahLst/>
+            <a:cxnLst/>
+            <a:rect l="l" t="t" r="r" b="b"/>
+            <a:pathLst>
+              <a:path w="1687195" h="676910">
+                <a:moveTo>
+                  <a:pt x="0" y="547989"/>
+                </a:moveTo>
+                <a:lnTo>
+                  <a:pt x="0" y="128658"/>
+                </a:lnTo>
+                <a:lnTo>
+                  <a:pt x="0" y="120210"/>
+                </a:lnTo>
+                <a:lnTo>
+                  <a:pt x="824" y="111843"/>
+                </a:lnTo>
+                <a:lnTo>
+                  <a:pt x="2472" y="103558"/>
+                </a:lnTo>
+                <a:lnTo>
+                  <a:pt x="4120" y="95272"/>
+                </a:lnTo>
+                <a:lnTo>
+                  <a:pt x="6560" y="87227"/>
+                </a:lnTo>
+                <a:lnTo>
+                  <a:pt x="9793" y="79422"/>
+                </a:lnTo>
+                <a:lnTo>
+                  <a:pt x="13026" y="71618"/>
+                </a:lnTo>
+                <a:lnTo>
+                  <a:pt x="37682" y="37683"/>
+                </a:lnTo>
+                <a:lnTo>
+                  <a:pt x="43656" y="31709"/>
+                </a:lnTo>
+                <a:lnTo>
+                  <a:pt x="50154" y="26376"/>
+                </a:lnTo>
+                <a:lnTo>
+                  <a:pt x="57179" y="21682"/>
+                </a:lnTo>
+                <a:lnTo>
+                  <a:pt x="64202" y="16989"/>
+                </a:lnTo>
+                <a:lnTo>
+                  <a:pt x="71617" y="13026"/>
+                </a:lnTo>
+                <a:lnTo>
+                  <a:pt x="79422" y="9793"/>
+                </a:lnTo>
+                <a:lnTo>
+                  <a:pt x="87227" y="6560"/>
+                </a:lnTo>
+                <a:lnTo>
+                  <a:pt x="95272" y="4120"/>
+                </a:lnTo>
+                <a:lnTo>
+                  <a:pt x="103558" y="2472"/>
+                </a:lnTo>
+                <a:lnTo>
+                  <a:pt x="111843" y="824"/>
+                </a:lnTo>
+                <a:lnTo>
+                  <a:pt x="120210" y="0"/>
+                </a:lnTo>
+                <a:lnTo>
+                  <a:pt x="128658" y="0"/>
+                </a:lnTo>
+                <a:lnTo>
+                  <a:pt x="1558196" y="0"/>
+                </a:lnTo>
+                <a:lnTo>
+                  <a:pt x="1566643" y="0"/>
+                </a:lnTo>
+                <a:lnTo>
+                  <a:pt x="1575010" y="824"/>
+                </a:lnTo>
+                <a:lnTo>
+                  <a:pt x="1583294" y="2472"/>
+                </a:lnTo>
+                <a:lnTo>
+                  <a:pt x="1591579" y="4120"/>
+                </a:lnTo>
+                <a:lnTo>
+                  <a:pt x="1599624" y="6560"/>
+                </a:lnTo>
+                <a:lnTo>
+                  <a:pt x="1607429" y="9793"/>
+                </a:lnTo>
+                <a:lnTo>
+                  <a:pt x="1615234" y="13026"/>
+                </a:lnTo>
+                <a:lnTo>
+                  <a:pt x="1649170" y="37683"/>
+                </a:lnTo>
+                <a:lnTo>
+                  <a:pt x="1673825" y="71618"/>
+                </a:lnTo>
+                <a:lnTo>
+                  <a:pt x="1686029" y="111843"/>
+                </a:lnTo>
+                <a:lnTo>
+                  <a:pt x="1686854" y="120210"/>
+                </a:lnTo>
+                <a:lnTo>
+                  <a:pt x="1686854" y="128658"/>
+                </a:lnTo>
+                <a:lnTo>
+                  <a:pt x="1686854" y="547989"/>
+                </a:lnTo>
+                <a:lnTo>
+                  <a:pt x="1686854" y="556437"/>
+                </a:lnTo>
+                <a:lnTo>
+                  <a:pt x="1686029" y="564803"/>
+                </a:lnTo>
+                <a:lnTo>
+                  <a:pt x="1673825" y="605029"/>
+                </a:lnTo>
+                <a:lnTo>
+                  <a:pt x="1649170" y="638964"/>
+                </a:lnTo>
+                <a:lnTo>
+                  <a:pt x="1629672" y="654964"/>
+                </a:lnTo>
+                <a:lnTo>
+                  <a:pt x="1622648" y="659657"/>
+                </a:lnTo>
+                <a:lnTo>
+                  <a:pt x="1615234" y="663620"/>
+                </a:lnTo>
+                <a:lnTo>
+                  <a:pt x="1607429" y="666853"/>
+                </a:lnTo>
+                <a:lnTo>
+                  <a:pt x="1599624" y="670086"/>
+                </a:lnTo>
+                <a:lnTo>
+                  <a:pt x="1591579" y="672527"/>
+                </a:lnTo>
+                <a:lnTo>
+                  <a:pt x="1583294" y="674175"/>
+                </a:lnTo>
+                <a:lnTo>
+                  <a:pt x="1575010" y="675823"/>
+                </a:lnTo>
+                <a:lnTo>
+                  <a:pt x="1566643" y="676647"/>
+                </a:lnTo>
+                <a:lnTo>
+                  <a:pt x="1558196" y="676647"/>
+                </a:lnTo>
+                <a:lnTo>
+                  <a:pt x="128658" y="676647"/>
+                </a:lnTo>
+                <a:lnTo>
+                  <a:pt x="120210" y="676647"/>
+                </a:lnTo>
+                <a:lnTo>
+                  <a:pt x="111843" y="675823"/>
+                </a:lnTo>
+                <a:lnTo>
+                  <a:pt x="103558" y="674175"/>
+                </a:lnTo>
+                <a:lnTo>
+                  <a:pt x="95272" y="672527"/>
+                </a:lnTo>
+                <a:lnTo>
+                  <a:pt x="87227" y="670086"/>
+                </a:lnTo>
+                <a:lnTo>
+                  <a:pt x="79422" y="666853"/>
+                </a:lnTo>
+                <a:lnTo>
+                  <a:pt x="71617" y="663620"/>
+                </a:lnTo>
+                <a:lnTo>
+                  <a:pt x="64202" y="659657"/>
+                </a:lnTo>
+                <a:lnTo>
+                  <a:pt x="57179" y="654964"/>
+                </a:lnTo>
+                <a:lnTo>
+                  <a:pt x="50154" y="650271"/>
+                </a:lnTo>
+                <a:lnTo>
+                  <a:pt x="43656" y="644937"/>
+                </a:lnTo>
+                <a:lnTo>
+                  <a:pt x="37682" y="638964"/>
+                </a:lnTo>
+                <a:lnTo>
+                  <a:pt x="31709" y="632990"/>
+                </a:lnTo>
+                <a:lnTo>
+                  <a:pt x="26376" y="626491"/>
+                </a:lnTo>
+                <a:lnTo>
+                  <a:pt x="21682" y="619467"/>
+                </a:lnTo>
+                <a:lnTo>
+                  <a:pt x="16989" y="612443"/>
+                </a:lnTo>
+                <a:lnTo>
+                  <a:pt x="13026" y="605029"/>
+                </a:lnTo>
+                <a:lnTo>
+                  <a:pt x="9793" y="597224"/>
+                </a:lnTo>
+                <a:lnTo>
+                  <a:pt x="6560" y="589419"/>
+                </a:lnTo>
+                <a:lnTo>
+                  <a:pt x="4120" y="581374"/>
+                </a:lnTo>
+                <a:lnTo>
+                  <a:pt x="2472" y="573089"/>
+                </a:lnTo>
+                <a:lnTo>
+                  <a:pt x="824" y="564803"/>
+                </a:lnTo>
+                <a:lnTo>
+                  <a:pt x="0" y="556437"/>
+                </a:lnTo>
+                <a:lnTo>
+                  <a:pt x="0" y="547989"/>
+                </a:lnTo>
+                <a:close/>
+              </a:path>
+            </a:pathLst>
+          </a:custGeom>
+          <a:ln w="28590">
+            <a:solidFill>
+              <a:srgbClr val="DDDDDD"/>
+            </a:solidFill>
+          </a:ln>
+        </p:spPr>
+        <p:txBody>
+          <a:bodyPr wrap="square" lIns="0" tIns="0" rIns="0" bIns="0" rtlCol="0"/>
+          <a:lstStyle/>
+          <a:p/>
+        </p:txBody>
+      </p:sp>
+      <p:sp>
+        <p:nvSpPr>
+          <p:cNvPr id="9" name="object 9"/>
+          <p:cNvSpPr txBox="1">
+            <a:spLocks noGrp="1"/>
+          </p:cNvSpPr>
+          <p:nvPr>
+            <p:ph type="title"/>
+          </p:nvPr>
+        </p:nvSpPr>
+        <p:spPr>
+          <a:prstGeom prst="rect"/>
+        </p:spPr>
+        <p:txBody>
+          <a:bodyPr wrap="square" lIns="0" tIns="12700" rIns="0" bIns="0" rtlCol="0" vert="horz">
+            <a:spAutoFit/>
+          </a:bodyPr>
+          <a:lstStyle/>
+          <a:p>
+            <a:pPr marL="12700">
+              <a:lnSpc>
+                <a:spcPct val="100000"/>
+              </a:lnSpc>
+              <a:spcBef>
+                <a:spcPts val="100"/>
+              </a:spcBef>
+            </a:pPr>
+            <a:r>
+              <a:rPr dirty="0"/>
+              <a:t>0</a:t>
+            </a:r>
+            <a:r>
+              <a:rPr dirty="0" spc="-5"/>
+              <a:t>4:</a:t>
+            </a:r>
+            <a:r>
+              <a:rPr dirty="0"/>
+              <a:t>00</a:t>
+            </a:r>
           </a:p>
         </p:txBody>
       </p:sp>
@@ -13041,6 +13041,68 @@
       </p:grpSpPr>
       <p:sp>
         <p:nvSpPr>
+          <p:cNvPr id="4" name="object 4"/>
+          <p:cNvSpPr txBox="1">
+            <a:spLocks noGrp="1"/>
+          </p:cNvSpPr>
+          <p:nvPr>
+            <p:ph type="sldNum" idx="7" sz="quarter"/>
+          </p:nvPr>
+        </p:nvSpPr>
+        <p:spPr>
+          <a:prstGeom prst="rect"/>
+        </p:spPr>
+        <p:txBody>
+          <a:bodyPr wrap="square" lIns="0" tIns="1270" rIns="0" bIns="0" rtlCol="0" vert="horz">
+            <a:spAutoFit/>
+          </a:bodyPr>
+          <a:lstStyle/>
+          <a:p>
+            <a:pPr marL="38100">
+              <a:lnSpc>
+                <a:spcPct val="100000"/>
+              </a:lnSpc>
+              <a:spcBef>
+                <a:spcPts val="10"/>
+              </a:spcBef>
+            </a:pPr>
+            <a:r>
+              <a:rPr dirty="0">
+                <a:solidFill>
+                  <a:srgbClr val="585D60"/>
+                </a:solidFill>
+              </a:rPr>
+              <a:t>21</a:t>
+            </a:r>
+            <a:r>
+              <a:rPr dirty="0">
+                <a:solidFill>
+                  <a:srgbClr val="585D60"/>
+                </a:solidFill>
+              </a:rPr>
+              <a:t> /</a:t>
+            </a:r>
+            <a:r>
+              <a:rPr dirty="0" spc="-85">
+                <a:solidFill>
+                  <a:srgbClr val="585D60"/>
+                </a:solidFill>
+              </a:rPr>
+              <a:t> </a:t>
+            </a:r>
+            <a:r>
+              <a:rPr dirty="0">
+                <a:solidFill>
+                  <a:srgbClr val="585D60"/>
+                </a:solidFill>
+              </a:rPr>
+              <a:t>38</a:t>
+            </a:r>
+          </a:p>
+        </p:txBody>
+      </p:sp>
+      <p:sp>
+        <p:nvSpPr>
           <p:cNvPr id="2" name="object 2"/>
           <p:cNvSpPr txBox="1">
             <a:spLocks noGrp="1"/>
@@ -13414,201 +13476,6 @@
               <a:latin typeface="Roboto"/>
               <a:cs typeface="Roboto"/>
             </a:endParaRPr>
-          </a:p>
-        </p:txBody>
-      </p:sp>
-      <p:sp>
-        <p:nvSpPr>
-          <p:cNvPr id="4" name="object 4"/>
-          <p:cNvSpPr/>
-          <p:nvPr/>
-        </p:nvSpPr>
-        <p:spPr>
-          <a:xfrm>
-            <a:off x="914903" y="2954376"/>
-            <a:ext cx="9701790" cy="2782832"/>
-          </a:xfrm>
-          <a:prstGeom prst="rect">
-            <a:avLst/>
-          </a:prstGeom>
-          <a:blipFill>
-            <a:blip r:embed="rId2" cstate="print"/>
-            <a:stretch>
-              <a:fillRect/>
-            </a:stretch>
-          </a:blipFill>
-        </p:spPr>
-        <p:txBody>
-          <a:bodyPr wrap="square" lIns="0" tIns="0" rIns="0" bIns="0" rtlCol="0"/>
-          <a:lstStyle/>
-          <a:p/>
-        </p:txBody>
-      </p:sp>
-      <p:sp>
-        <p:nvSpPr>
-          <p:cNvPr id="5" name="object 5"/>
-          <p:cNvSpPr txBox="1"/>
-          <p:nvPr/>
-        </p:nvSpPr>
-        <p:spPr>
-          <a:xfrm>
-            <a:off x="3471796" y="5896053"/>
-            <a:ext cx="4588510" cy="300355"/>
-          </a:xfrm>
-          <a:prstGeom prst="rect">
-            <a:avLst/>
-          </a:prstGeom>
-        </p:spPr>
-        <p:txBody>
-          <a:bodyPr wrap="square" lIns="0" tIns="12700" rIns="0" bIns="0" rtlCol="0" vert="horz">
-            <a:spAutoFit/>
-          </a:bodyPr>
-          <a:lstStyle/>
-          <a:p>
-            <a:pPr marL="12700">
-              <a:lnSpc>
-                <a:spcPct val="100000"/>
-              </a:lnSpc>
-              <a:spcBef>
-                <a:spcPts val="100"/>
-              </a:spcBef>
-            </a:pPr>
-            <a:r>
-              <a:rPr dirty="0" sz="1800">
-                <a:solidFill>
-                  <a:srgbClr val="585D60"/>
-                </a:solidFill>
-                <a:latin typeface="Roboto"/>
-                <a:cs typeface="Roboto"/>
-              </a:rPr>
-              <a:t>My </a:t>
-            </a:r>
-            <a:r>
-              <a:rPr dirty="0" sz="1800" spc="-5">
-                <a:solidFill>
-                  <a:srgbClr val="585D60"/>
-                </a:solidFill>
-                <a:latin typeface="Roboto"/>
-                <a:cs typeface="Roboto"/>
-              </a:rPr>
-              <a:t>journey </a:t>
-            </a:r>
-            <a:r>
-              <a:rPr dirty="0" sz="1800">
-                <a:solidFill>
-                  <a:srgbClr val="585D60"/>
-                </a:solidFill>
-                <a:latin typeface="Roboto"/>
-                <a:cs typeface="Roboto"/>
-              </a:rPr>
-              <a:t>with </a:t>
-            </a:r>
-            <a:r>
-              <a:rPr dirty="0" sz="1800" spc="-5">
-                <a:solidFill>
-                  <a:srgbClr val="585D60"/>
-                </a:solidFill>
-                <a:latin typeface="Roboto"/>
-                <a:cs typeface="Roboto"/>
-              </a:rPr>
-              <a:t>data-driven </a:t>
-            </a:r>
-            <a:r>
-              <a:rPr dirty="0" sz="1800">
-                <a:solidFill>
-                  <a:srgbClr val="585D60"/>
-                </a:solidFill>
-                <a:latin typeface="Roboto"/>
-                <a:cs typeface="Roboto"/>
-              </a:rPr>
-              <a:t>decision</a:t>
-            </a:r>
-            <a:r>
-              <a:rPr dirty="0" sz="1800" spc="-30">
-                <a:solidFill>
-                  <a:srgbClr val="585D60"/>
-                </a:solidFill>
-                <a:latin typeface="Roboto"/>
-                <a:cs typeface="Roboto"/>
-              </a:rPr>
-              <a:t> </a:t>
-            </a:r>
-            <a:r>
-              <a:rPr dirty="0" sz="1800">
-                <a:solidFill>
-                  <a:srgbClr val="585D60"/>
-                </a:solidFill>
-                <a:latin typeface="Roboto"/>
-                <a:cs typeface="Roboto"/>
-              </a:rPr>
-              <a:t>making.</a:t>
-            </a:r>
-            <a:endParaRPr sz="1800">
-              <a:latin typeface="Roboto"/>
-              <a:cs typeface="Roboto"/>
-            </a:endParaRPr>
-          </a:p>
-        </p:txBody>
-      </p:sp>
-      <p:sp>
-        <p:nvSpPr>
-          <p:cNvPr id="6" name="object 6"/>
-          <p:cNvSpPr txBox="1">
-            <a:spLocks noGrp="1"/>
-          </p:cNvSpPr>
-          <p:nvPr>
-            <p:ph type="sldNum" idx="7" sz="quarter"/>
-          </p:nvPr>
-        </p:nvSpPr>
-        <p:spPr>
-          <a:prstGeom prst="rect"/>
-        </p:spPr>
-        <p:txBody>
-          <a:bodyPr wrap="square" lIns="0" tIns="1270" rIns="0" bIns="0" rtlCol="0" vert="horz">
-            <a:spAutoFit/>
-          </a:bodyPr>
-          <a:lstStyle/>
-          <a:p>
-            <a:pPr marL="38100">
-              <a:lnSpc>
-                <a:spcPct val="100000"/>
-              </a:lnSpc>
-              <a:spcBef>
-                <a:spcPts val="10"/>
-              </a:spcBef>
-            </a:pPr>
-            <a:r>
-              <a:rPr dirty="0">
-                <a:solidFill>
-                  <a:srgbClr val="585D60"/>
-                </a:solidFill>
-              </a:rPr>
-              <a:t>21</a:t>
-            </a:r>
-            <a:r>
-              <a:rPr dirty="0">
-                <a:solidFill>
-                  <a:srgbClr val="585D60"/>
-                </a:solidFill>
-              </a:rPr>
-              <a:t> /</a:t>
-            </a:r>
-            <a:r>
-              <a:rPr dirty="0" spc="-85">
-                <a:solidFill>
-                  <a:srgbClr val="585D60"/>
-                </a:solidFill>
-              </a:rPr>
-              <a:t> </a:t>
-            </a:r>
-            <a:r>
-              <a:rPr dirty="0">
-                <a:solidFill>
-                  <a:srgbClr val="585D60"/>
-                </a:solidFill>
-              </a:rPr>
-              <a:t>38</a:t>
-            </a:r>
           </a:p>
         </p:txBody>
       </p:sp>
@@ -14042,15 +13909,15 @@
         </p:nvSpPr>
         <p:spPr>
           <a:xfrm>
-            <a:off x="3203547" y="1608236"/>
-            <a:ext cx="3046730" cy="180340"/>
+            <a:off x="3596856" y="1596799"/>
+            <a:ext cx="2260600" cy="193675"/>
           </a:xfrm>
           <a:prstGeom prst="rect">
             <a:avLst/>
           </a:prstGeom>
         </p:spPr>
         <p:txBody>
-          <a:bodyPr wrap="square" lIns="0" tIns="13970" rIns="0" bIns="0" rtlCol="0" vert="horz">
+          <a:bodyPr wrap="square" lIns="0" tIns="12700" rIns="0" bIns="0" rtlCol="0" vert="horz">
             <a:spAutoFit/>
           </a:bodyPr>
           <a:lstStyle/>
@@ -14060,204 +13927,119 @@
                 <a:spcPct val="100000"/>
               </a:lnSpc>
               <a:spcBef>
-                <a:spcPts val="110"/>
+                <a:spcPts val="100"/>
               </a:spcBef>
             </a:pPr>
             <a:r>
-              <a:rPr dirty="0" sz="1000" spc="85">
-                <a:solidFill>
-                  <a:srgbClr val="252A36"/>
-                </a:solidFill>
-                <a:latin typeface="Lucida Sans Unicode"/>
-                <a:cs typeface="Lucida Sans Unicode"/>
-              </a:rPr>
-              <a:t>Go</a:t>
-            </a:r>
-            <a:r>
-              <a:rPr dirty="0" sz="1000" spc="-100">
-                <a:solidFill>
-                  <a:srgbClr val="252A36"/>
-                </a:solidFill>
-                <a:latin typeface="Lucida Sans Unicode"/>
-                <a:cs typeface="Lucida Sans Unicode"/>
-              </a:rPr>
-              <a:t> </a:t>
-            </a:r>
-            <a:r>
-              <a:rPr dirty="0" sz="1000" spc="15">
-                <a:solidFill>
-                  <a:srgbClr val="252A36"/>
-                </a:solidFill>
-                <a:latin typeface="Lucida Sans Unicode"/>
-                <a:cs typeface="Lucida Sans Unicode"/>
-              </a:rPr>
-              <a:t>to</a:t>
-            </a:r>
-            <a:r>
-              <a:rPr dirty="0" sz="1000" spc="-100">
-                <a:solidFill>
-                  <a:srgbClr val="252A36"/>
-                </a:solidFill>
-                <a:latin typeface="Lucida Sans Unicode"/>
-                <a:cs typeface="Lucida Sans Unicode"/>
-              </a:rPr>
-              <a:t> </a:t>
-            </a:r>
-            <a:r>
-              <a:rPr dirty="0" sz="1000" spc="85">
+              <a:rPr dirty="0" sz="1000" spc="105">
                 <a:solidFill>
                   <a:srgbClr val="252A36"/>
                 </a:solidFill>
                 <a:latin typeface="Gill Sans MT"/>
                 <a:cs typeface="Gill Sans MT"/>
-                <a:hlinkClick r:id="rId4"/>
-              </a:rPr>
-              <a:t>www.menti.com</a:t>
-            </a:r>
-            <a:r>
-              <a:rPr dirty="0" sz="1000" spc="-60">
+              </a:rPr>
+              <a:t>Go</a:t>
+            </a:r>
+            <a:r>
+              <a:rPr dirty="0" sz="1000" spc="-180">
                 <a:solidFill>
                   <a:srgbClr val="252A36"/>
                 </a:solidFill>
                 <a:latin typeface="Gill Sans MT"/>
                 <a:cs typeface="Gill Sans MT"/>
-                <a:hlinkClick r:id="rId4"/>
               </a:rPr>
               <a:t> </a:t>
             </a:r>
             <a:r>
-              <a:rPr dirty="0" sz="1000" spc="40">
-                <a:solidFill>
-                  <a:srgbClr val="252A36"/>
-                </a:solidFill>
-                <a:latin typeface="Lucida Sans Unicode"/>
-                <a:cs typeface="Lucida Sans Unicode"/>
-              </a:rPr>
-              <a:t>and</a:t>
-            </a:r>
-            <a:r>
-              <a:rPr dirty="0" sz="1000" spc="-100">
-                <a:solidFill>
-                  <a:srgbClr val="252A36"/>
-                </a:solidFill>
-                <a:latin typeface="Lucida Sans Unicode"/>
-                <a:cs typeface="Lucida Sans Unicode"/>
-              </a:rPr>
-              <a:t> </a:t>
-            </a:r>
-            <a:r>
-              <a:rPr dirty="0" sz="1000" spc="10">
-                <a:solidFill>
-                  <a:srgbClr val="252A36"/>
-                </a:solidFill>
-                <a:latin typeface="Lucida Sans Unicode"/>
-                <a:cs typeface="Lucida Sans Unicode"/>
-              </a:rPr>
-              <a:t>use</a:t>
-            </a:r>
-            <a:r>
-              <a:rPr dirty="0" sz="1000" spc="-95">
-                <a:solidFill>
-                  <a:srgbClr val="252A36"/>
-                </a:solidFill>
-                <a:latin typeface="Lucida Sans Unicode"/>
-                <a:cs typeface="Lucida Sans Unicode"/>
-              </a:rPr>
-              <a:t> </a:t>
-            </a:r>
-            <a:r>
-              <a:rPr dirty="0" sz="1000" spc="30">
-                <a:solidFill>
-                  <a:srgbClr val="252A36"/>
-                </a:solidFill>
-                <a:latin typeface="Lucida Sans Unicode"/>
-                <a:cs typeface="Lucida Sans Unicode"/>
-              </a:rPr>
-              <a:t>the</a:t>
-            </a:r>
-            <a:r>
-              <a:rPr dirty="0" sz="1000" spc="-100">
-                <a:solidFill>
-                  <a:srgbClr val="252A36"/>
-                </a:solidFill>
-                <a:latin typeface="Lucida Sans Unicode"/>
-                <a:cs typeface="Lucida Sans Unicode"/>
-              </a:rPr>
-              <a:t> </a:t>
-            </a:r>
-            <a:r>
-              <a:rPr dirty="0" sz="1000" spc="55">
-                <a:solidFill>
-                  <a:srgbClr val="252A36"/>
-                </a:solidFill>
-                <a:latin typeface="Lucida Sans Unicode"/>
-                <a:cs typeface="Lucida Sans Unicode"/>
-              </a:rPr>
-              <a:t>code</a:t>
-            </a:r>
-            <a:r>
-              <a:rPr dirty="0" sz="1000" spc="-95">
-                <a:solidFill>
-                  <a:srgbClr val="252A36"/>
-                </a:solidFill>
-                <a:latin typeface="Lucida Sans Unicode"/>
-                <a:cs typeface="Lucida Sans Unicode"/>
-              </a:rPr>
-              <a:t> </a:t>
-            </a:r>
-            <a:r>
-              <a:rPr dirty="0" sz="1000" spc="35">
+              <a:rPr dirty="0" sz="1000" spc="65">
                 <a:solidFill>
                   <a:srgbClr val="252A36"/>
                 </a:solidFill>
                 <a:latin typeface="Gill Sans MT"/>
                 <a:cs typeface="Gill Sans MT"/>
               </a:rPr>
-              <a:t>12</a:t>
-            </a:r>
-            <a:r>
-              <a:rPr dirty="0" sz="1000" spc="-70">
+              <a:t>to </a:t>
+            </a:r>
+            <a:r>
+              <a:rPr dirty="0" sz="1100">
                 <a:solidFill>
                   <a:srgbClr val="252A36"/>
                 </a:solidFill>
-                <a:latin typeface="Gill Sans MT"/>
-                <a:cs typeface="Gill Sans MT"/>
-              </a:rPr>
-              <a:t> </a:t>
-            </a:r>
-            <a:r>
-              <a:rPr dirty="0" sz="1000" spc="120">
+                <a:latin typeface="Trebuchet MS"/>
+                <a:cs typeface="Trebuchet MS"/>
+                <a:hlinkClick r:id="rId4"/>
+              </a:rPr>
+              <a:t>www</a:t>
+            </a:r>
+            <a:r>
+              <a:rPr dirty="0" sz="1000">
                 <a:solidFill>
                   <a:srgbClr val="252A36"/>
                 </a:solidFill>
-                <a:latin typeface="Gill Sans MT"/>
-                <a:cs typeface="Gill Sans MT"/>
-              </a:rPr>
-              <a:t>34</a:t>
-            </a:r>
-            <a:r>
-              <a:rPr dirty="0" sz="1000" spc="-70">
+                <a:latin typeface="Calibri"/>
+                <a:cs typeface="Calibri"/>
+                <a:hlinkClick r:id="rId4"/>
+              </a:rPr>
+              <a:t>.</a:t>
+            </a:r>
+            <a:r>
+              <a:rPr dirty="0" sz="1100">
                 <a:solidFill>
                   <a:srgbClr val="252A36"/>
                 </a:solidFill>
-                <a:latin typeface="Gill Sans MT"/>
-                <a:cs typeface="Gill Sans MT"/>
-              </a:rPr>
-              <a:t> </a:t>
-            </a:r>
-            <a:r>
-              <a:rPr dirty="0" sz="1000" spc="140">
+                <a:latin typeface="Trebuchet MS"/>
+                <a:cs typeface="Trebuchet MS"/>
+                <a:hlinkClick r:id="rId4"/>
+              </a:rPr>
+              <a:t>menti</a:t>
+            </a:r>
+            <a:r>
+              <a:rPr dirty="0" sz="1000">
                 <a:solidFill>
                   <a:srgbClr val="252A36"/>
                 </a:solidFill>
-                <a:latin typeface="Gill Sans MT"/>
-                <a:cs typeface="Gill Sans MT"/>
-              </a:rPr>
-              <a:t>56</a:t>
-            </a:r>
-            <a:endParaRPr sz="1000">
-              <a:latin typeface="Gill Sans MT"/>
-              <a:cs typeface="Gill Sans MT"/>
+                <a:latin typeface="Calibri"/>
+                <a:cs typeface="Calibri"/>
+                <a:hlinkClick r:id="rId4"/>
+              </a:rPr>
+              <a:t>.</a:t>
+            </a:r>
+            <a:r>
+              <a:rPr dirty="0" sz="1100">
+                <a:solidFill>
+                  <a:srgbClr val="252A36"/>
+                </a:solidFill>
+                <a:latin typeface="Trebuchet MS"/>
+                <a:cs typeface="Trebuchet MS"/>
+                <a:hlinkClick r:id="rId4"/>
+              </a:rPr>
+              <a:t>com</a:t>
+            </a:r>
+            <a:r>
+              <a:rPr dirty="0" sz="1000">
+                <a:solidFill>
+                  <a:srgbClr val="252A36"/>
+                </a:solidFill>
+                <a:latin typeface="Calibri"/>
+                <a:cs typeface="Calibri"/>
+                <a:hlinkClick r:id="rId4"/>
+              </a:rPr>
+              <a:t>/</a:t>
+            </a:r>
+            <a:r>
+              <a:rPr dirty="0" sz="1100">
+                <a:solidFill>
+                  <a:srgbClr val="252A36"/>
+                </a:solidFill>
+                <a:latin typeface="Trebuchet MS"/>
+                <a:cs typeface="Trebuchet MS"/>
+                <a:hlinkClick r:id="rId4"/>
+              </a:rPr>
+              <a:t>epeqmvc7rw</a:t>
+            </a:r>
+            <a:endParaRPr sz="1100">
+              <a:latin typeface="Trebuchet MS"/>
+              <a:cs typeface="Trebuchet MS"/>
             </a:endParaRPr>
           </a:p>
         </p:txBody>
@@ -18824,562 +18606,6 @@
         </p:nvSpPr>
         <p:spPr>
           <a:xfrm>
-            <a:off x="9409176" y="182880"/>
-            <a:ext cx="1978660" cy="969644"/>
-          </a:xfrm>
-          <a:custGeom>
-            <a:avLst/>
-            <a:gdLst/>
-            <a:ahLst/>
-            <a:cxnLst/>
-            <a:rect l="l" t="t" r="r" b="b"/>
-            <a:pathLst>
-              <a:path w="1978659" h="969644">
-                <a:moveTo>
-                  <a:pt x="1978152" y="969264"/>
-                </a:moveTo>
-                <a:lnTo>
-                  <a:pt x="0" y="969264"/>
-                </a:lnTo>
-                <a:lnTo>
-                  <a:pt x="0" y="0"/>
-                </a:lnTo>
-                <a:lnTo>
-                  <a:pt x="1978152" y="0"/>
-                </a:lnTo>
-                <a:lnTo>
-                  <a:pt x="1978152" y="103027"/>
-                </a:lnTo>
-                <a:lnTo>
-                  <a:pt x="273555" y="103027"/>
-                </a:lnTo>
-                <a:lnTo>
-                  <a:pt x="260411" y="103662"/>
-                </a:lnTo>
-                <a:lnTo>
-                  <a:pt x="222495" y="113183"/>
-                </a:lnTo>
-                <a:lnTo>
-                  <a:pt x="188951" y="133261"/>
-                </a:lnTo>
-                <a:lnTo>
-                  <a:pt x="162595" y="162310"/>
-                </a:lnTo>
-                <a:lnTo>
-                  <a:pt x="145843" y="197777"/>
-                </a:lnTo>
-                <a:lnTo>
-                  <a:pt x="140131" y="236451"/>
-                </a:lnTo>
-                <a:lnTo>
-                  <a:pt x="140131" y="655781"/>
-                </a:lnTo>
-                <a:lnTo>
-                  <a:pt x="145844" y="694454"/>
-                </a:lnTo>
-                <a:lnTo>
-                  <a:pt x="162595" y="729921"/>
-                </a:lnTo>
-                <a:lnTo>
-                  <a:pt x="188951" y="758971"/>
-                </a:lnTo>
-                <a:lnTo>
-                  <a:pt x="222495" y="779048"/>
-                </a:lnTo>
-                <a:lnTo>
-                  <a:pt x="260411" y="788570"/>
-                </a:lnTo>
-                <a:lnTo>
-                  <a:pt x="273555" y="789205"/>
-                </a:lnTo>
-                <a:lnTo>
-                  <a:pt x="1978152" y="789205"/>
-                </a:lnTo>
-                <a:lnTo>
-                  <a:pt x="1978152" y="969264"/>
-                </a:lnTo>
-                <a:close/>
-              </a:path>
-              <a:path w="1978659" h="969644">
-                <a:moveTo>
-                  <a:pt x="1978152" y="789205"/>
-                </a:moveTo>
-                <a:lnTo>
-                  <a:pt x="1703091" y="789205"/>
-                </a:lnTo>
-                <a:lnTo>
-                  <a:pt x="1716234" y="788570"/>
-                </a:lnTo>
-                <a:lnTo>
-                  <a:pt x="1729125" y="786666"/>
-                </a:lnTo>
-                <a:lnTo>
-                  <a:pt x="1766050" y="773432"/>
-                </a:lnTo>
-                <a:lnTo>
-                  <a:pt x="1797436" y="750126"/>
-                </a:lnTo>
-                <a:lnTo>
-                  <a:pt x="1820741" y="718740"/>
-                </a:lnTo>
-                <a:lnTo>
-                  <a:pt x="1833975" y="681816"/>
-                </a:lnTo>
-                <a:lnTo>
-                  <a:pt x="1836515" y="655781"/>
-                </a:lnTo>
-                <a:lnTo>
-                  <a:pt x="1836515" y="236451"/>
-                </a:lnTo>
-                <a:lnTo>
-                  <a:pt x="1830801" y="197777"/>
-                </a:lnTo>
-                <a:lnTo>
-                  <a:pt x="1814049" y="162310"/>
-                </a:lnTo>
-                <a:lnTo>
-                  <a:pt x="1787692" y="133261"/>
-                </a:lnTo>
-                <a:lnTo>
-                  <a:pt x="1754148" y="113183"/>
-                </a:lnTo>
-                <a:lnTo>
-                  <a:pt x="1716234" y="103662"/>
-                </a:lnTo>
-                <a:lnTo>
-                  <a:pt x="1703091" y="103027"/>
-                </a:lnTo>
-                <a:lnTo>
-                  <a:pt x="1978152" y="103027"/>
-                </a:lnTo>
-                <a:lnTo>
-                  <a:pt x="1978152" y="789205"/>
-                </a:lnTo>
-                <a:close/>
-              </a:path>
-            </a:pathLst>
-          </a:custGeom>
-          <a:solidFill>
-            <a:srgbClr val="323232">
-              <a:alpha val="39999"/>
-            </a:srgbClr>
-          </a:solidFill>
-        </p:spPr>
-        <p:txBody>
-          <a:bodyPr wrap="square" lIns="0" tIns="0" rIns="0" bIns="0" rtlCol="0"/>
-          <a:lstStyle/>
-          <a:p/>
-        </p:txBody>
-      </p:sp>
-      <p:sp>
-        <p:nvSpPr>
-          <p:cNvPr id="4" name="object 4"/>
-          <p:cNvSpPr/>
-          <p:nvPr/>
-        </p:nvSpPr>
-        <p:spPr>
-          <a:xfrm>
-            <a:off x="9554071" y="290672"/>
-            <a:ext cx="1687195" cy="676910"/>
-          </a:xfrm>
-          <a:custGeom>
-            <a:avLst/>
-            <a:gdLst/>
-            <a:ahLst/>
-            <a:cxnLst/>
-            <a:rect l="l" t="t" r="r" b="b"/>
-            <a:pathLst>
-              <a:path w="1687195" h="676910">
-                <a:moveTo>
-                  <a:pt x="1566643" y="676647"/>
-                </a:moveTo>
-                <a:lnTo>
-                  <a:pt x="120210" y="676647"/>
-                </a:lnTo>
-                <a:lnTo>
-                  <a:pt x="111843" y="675823"/>
-                </a:lnTo>
-                <a:lnTo>
-                  <a:pt x="71617" y="663620"/>
-                </a:lnTo>
-                <a:lnTo>
-                  <a:pt x="31709" y="632990"/>
-                </a:lnTo>
-                <a:lnTo>
-                  <a:pt x="6560" y="589419"/>
-                </a:lnTo>
-                <a:lnTo>
-                  <a:pt x="0" y="556437"/>
-                </a:lnTo>
-                <a:lnTo>
-                  <a:pt x="0" y="120210"/>
-                </a:lnTo>
-                <a:lnTo>
-                  <a:pt x="13026" y="71618"/>
-                </a:lnTo>
-                <a:lnTo>
-                  <a:pt x="43656" y="31709"/>
-                </a:lnTo>
-                <a:lnTo>
-                  <a:pt x="87227" y="6560"/>
-                </a:lnTo>
-                <a:lnTo>
-                  <a:pt x="120210" y="0"/>
-                </a:lnTo>
-                <a:lnTo>
-                  <a:pt x="1566643" y="0"/>
-                </a:lnTo>
-                <a:lnTo>
-                  <a:pt x="1615234" y="13026"/>
-                </a:lnTo>
-                <a:lnTo>
-                  <a:pt x="1655143" y="43656"/>
-                </a:lnTo>
-                <a:lnTo>
-                  <a:pt x="1680291" y="87227"/>
-                </a:lnTo>
-                <a:lnTo>
-                  <a:pt x="1686854" y="120210"/>
-                </a:lnTo>
-                <a:lnTo>
-                  <a:pt x="1686854" y="556437"/>
-                </a:lnTo>
-                <a:lnTo>
-                  <a:pt x="1673825" y="605029"/>
-                </a:lnTo>
-                <a:lnTo>
-                  <a:pt x="1643196" y="644937"/>
-                </a:lnTo>
-                <a:lnTo>
-                  <a:pt x="1599624" y="670086"/>
-                </a:lnTo>
-                <a:lnTo>
-                  <a:pt x="1566643" y="676647"/>
-                </a:lnTo>
-                <a:close/>
-              </a:path>
-            </a:pathLst>
-          </a:custGeom>
-          <a:solidFill>
-            <a:srgbClr val="FFFFFF"/>
-          </a:solidFill>
-        </p:spPr>
-        <p:txBody>
-          <a:bodyPr wrap="square" lIns="0" tIns="0" rIns="0" bIns="0" rtlCol="0"/>
-          <a:lstStyle/>
-          <a:p/>
-        </p:txBody>
-      </p:sp>
-      <p:sp>
-        <p:nvSpPr>
-          <p:cNvPr id="5" name="object 5"/>
-          <p:cNvSpPr/>
-          <p:nvPr/>
-        </p:nvSpPr>
-        <p:spPr>
-          <a:xfrm>
-            <a:off x="9554072" y="290672"/>
-            <a:ext cx="1687195" cy="676910"/>
-          </a:xfrm>
-          <a:custGeom>
-            <a:avLst/>
-            <a:gdLst/>
-            <a:ahLst/>
-            <a:cxnLst/>
-            <a:rect l="l" t="t" r="r" b="b"/>
-            <a:pathLst>
-              <a:path w="1687195" h="676910">
-                <a:moveTo>
-                  <a:pt x="0" y="547989"/>
-                </a:moveTo>
-                <a:lnTo>
-                  <a:pt x="0" y="128658"/>
-                </a:lnTo>
-                <a:lnTo>
-                  <a:pt x="0" y="120210"/>
-                </a:lnTo>
-                <a:lnTo>
-                  <a:pt x="824" y="111843"/>
-                </a:lnTo>
-                <a:lnTo>
-                  <a:pt x="2472" y="103558"/>
-                </a:lnTo>
-                <a:lnTo>
-                  <a:pt x="4120" y="95272"/>
-                </a:lnTo>
-                <a:lnTo>
-                  <a:pt x="6560" y="87227"/>
-                </a:lnTo>
-                <a:lnTo>
-                  <a:pt x="9793" y="79422"/>
-                </a:lnTo>
-                <a:lnTo>
-                  <a:pt x="13026" y="71618"/>
-                </a:lnTo>
-                <a:lnTo>
-                  <a:pt x="37682" y="37683"/>
-                </a:lnTo>
-                <a:lnTo>
-                  <a:pt x="43656" y="31709"/>
-                </a:lnTo>
-                <a:lnTo>
-                  <a:pt x="50154" y="26376"/>
-                </a:lnTo>
-                <a:lnTo>
-                  <a:pt x="57179" y="21682"/>
-                </a:lnTo>
-                <a:lnTo>
-                  <a:pt x="64202" y="16989"/>
-                </a:lnTo>
-                <a:lnTo>
-                  <a:pt x="71617" y="13026"/>
-                </a:lnTo>
-                <a:lnTo>
-                  <a:pt x="79422" y="9793"/>
-                </a:lnTo>
-                <a:lnTo>
-                  <a:pt x="87227" y="6560"/>
-                </a:lnTo>
-                <a:lnTo>
-                  <a:pt x="95272" y="4120"/>
-                </a:lnTo>
-                <a:lnTo>
-                  <a:pt x="103558" y="2472"/>
-                </a:lnTo>
-                <a:lnTo>
-                  <a:pt x="111843" y="824"/>
-                </a:lnTo>
-                <a:lnTo>
-                  <a:pt x="120210" y="0"/>
-                </a:lnTo>
-                <a:lnTo>
-                  <a:pt x="128658" y="0"/>
-                </a:lnTo>
-                <a:lnTo>
-                  <a:pt x="1558196" y="0"/>
-                </a:lnTo>
-                <a:lnTo>
-                  <a:pt x="1566643" y="0"/>
-                </a:lnTo>
-                <a:lnTo>
-                  <a:pt x="1575010" y="824"/>
-                </a:lnTo>
-                <a:lnTo>
-                  <a:pt x="1583294" y="2472"/>
-                </a:lnTo>
-                <a:lnTo>
-                  <a:pt x="1591579" y="4120"/>
-                </a:lnTo>
-                <a:lnTo>
-                  <a:pt x="1599624" y="6560"/>
-                </a:lnTo>
-                <a:lnTo>
-                  <a:pt x="1607429" y="9793"/>
-                </a:lnTo>
-                <a:lnTo>
-                  <a:pt x="1615234" y="13026"/>
-                </a:lnTo>
-                <a:lnTo>
-                  <a:pt x="1649170" y="37683"/>
-                </a:lnTo>
-                <a:lnTo>
-                  <a:pt x="1673825" y="71618"/>
-                </a:lnTo>
-                <a:lnTo>
-                  <a:pt x="1686029" y="111843"/>
-                </a:lnTo>
-                <a:lnTo>
-                  <a:pt x="1686854" y="120210"/>
-                </a:lnTo>
-                <a:lnTo>
-                  <a:pt x="1686854" y="128658"/>
-                </a:lnTo>
-                <a:lnTo>
-                  <a:pt x="1686854" y="547989"/>
-                </a:lnTo>
-                <a:lnTo>
-                  <a:pt x="1686854" y="556437"/>
-                </a:lnTo>
-                <a:lnTo>
-                  <a:pt x="1686029" y="564803"/>
-                </a:lnTo>
-                <a:lnTo>
-                  <a:pt x="1673825" y="605029"/>
-                </a:lnTo>
-                <a:lnTo>
-                  <a:pt x="1649170" y="638964"/>
-                </a:lnTo>
-                <a:lnTo>
-                  <a:pt x="1629672" y="654964"/>
-                </a:lnTo>
-                <a:lnTo>
-                  <a:pt x="1622648" y="659657"/>
-                </a:lnTo>
-                <a:lnTo>
-                  <a:pt x="1615234" y="663620"/>
-                </a:lnTo>
-                <a:lnTo>
-                  <a:pt x="1607429" y="666853"/>
-                </a:lnTo>
-                <a:lnTo>
-                  <a:pt x="1599624" y="670086"/>
-                </a:lnTo>
-                <a:lnTo>
-                  <a:pt x="1591579" y="672527"/>
-                </a:lnTo>
-                <a:lnTo>
-                  <a:pt x="1583294" y="674175"/>
-                </a:lnTo>
-                <a:lnTo>
-                  <a:pt x="1575010" y="675823"/>
-                </a:lnTo>
-                <a:lnTo>
-                  <a:pt x="1566643" y="676647"/>
-                </a:lnTo>
-                <a:lnTo>
-                  <a:pt x="1558196" y="676647"/>
-                </a:lnTo>
-                <a:lnTo>
-                  <a:pt x="128658" y="676647"/>
-                </a:lnTo>
-                <a:lnTo>
-                  <a:pt x="120210" y="676647"/>
-                </a:lnTo>
-                <a:lnTo>
-                  <a:pt x="111843" y="675823"/>
-                </a:lnTo>
-                <a:lnTo>
-                  <a:pt x="103558" y="674175"/>
-                </a:lnTo>
-                <a:lnTo>
-                  <a:pt x="95272" y="672527"/>
-                </a:lnTo>
-                <a:lnTo>
-                  <a:pt x="87227" y="670086"/>
-                </a:lnTo>
-                <a:lnTo>
-                  <a:pt x="79422" y="666853"/>
-                </a:lnTo>
-                <a:lnTo>
-                  <a:pt x="71617" y="663620"/>
-                </a:lnTo>
-                <a:lnTo>
-                  <a:pt x="64202" y="659657"/>
-                </a:lnTo>
-                <a:lnTo>
-                  <a:pt x="57179" y="654964"/>
-                </a:lnTo>
-                <a:lnTo>
-                  <a:pt x="50154" y="650271"/>
-                </a:lnTo>
-                <a:lnTo>
-                  <a:pt x="43656" y="644937"/>
-                </a:lnTo>
-                <a:lnTo>
-                  <a:pt x="37682" y="638964"/>
-                </a:lnTo>
-                <a:lnTo>
-                  <a:pt x="31709" y="632990"/>
-                </a:lnTo>
-                <a:lnTo>
-                  <a:pt x="26376" y="626491"/>
-                </a:lnTo>
-                <a:lnTo>
-                  <a:pt x="21682" y="619467"/>
-                </a:lnTo>
-                <a:lnTo>
-                  <a:pt x="16989" y="612443"/>
-                </a:lnTo>
-                <a:lnTo>
-                  <a:pt x="13026" y="605029"/>
-                </a:lnTo>
-                <a:lnTo>
-                  <a:pt x="9793" y="597224"/>
-                </a:lnTo>
-                <a:lnTo>
-                  <a:pt x="6560" y="589419"/>
-                </a:lnTo>
-                <a:lnTo>
-                  <a:pt x="4120" y="581374"/>
-                </a:lnTo>
-                <a:lnTo>
-                  <a:pt x="2472" y="573089"/>
-                </a:lnTo>
-                <a:lnTo>
-                  <a:pt x="824" y="564803"/>
-                </a:lnTo>
-                <a:lnTo>
-                  <a:pt x="0" y="556437"/>
-                </a:lnTo>
-                <a:lnTo>
-                  <a:pt x="0" y="547989"/>
-                </a:lnTo>
-                <a:close/>
-              </a:path>
-            </a:pathLst>
-          </a:custGeom>
-          <a:ln w="28590">
-            <a:solidFill>
-              <a:srgbClr val="DDDDDD"/>
-            </a:solidFill>
-          </a:ln>
-        </p:spPr>
-        <p:txBody>
-          <a:bodyPr wrap="square" lIns="0" tIns="0" rIns="0" bIns="0" rtlCol="0"/>
-          <a:lstStyle/>
-          <a:p/>
-        </p:txBody>
-      </p:sp>
-      <p:sp>
-        <p:nvSpPr>
-          <p:cNvPr id="6" name="object 6"/>
-          <p:cNvSpPr txBox="1">
-            <a:spLocks noGrp="1"/>
-          </p:cNvSpPr>
-          <p:nvPr>
-            <p:ph type="title"/>
-          </p:nvPr>
-        </p:nvSpPr>
-        <p:spPr>
-          <a:prstGeom prst="rect"/>
-        </p:spPr>
-        <p:txBody>
-          <a:bodyPr wrap="square" lIns="0" tIns="12700" rIns="0" bIns="0" rtlCol="0" vert="horz">
-            <a:spAutoFit/>
-          </a:bodyPr>
-          <a:lstStyle/>
-          <a:p>
-            <a:pPr marL="12700">
-              <a:lnSpc>
-                <a:spcPct val="100000"/>
-              </a:lnSpc>
-              <a:spcBef>
-                <a:spcPts val="100"/>
-              </a:spcBef>
-            </a:pPr>
-            <a:r>
-              <a:rPr dirty="0"/>
-              <a:t>0</a:t>
-            </a:r>
-            <a:r>
-              <a:rPr dirty="0" spc="-5"/>
-              <a:t>5:</a:t>
-            </a:r>
-            <a:r>
-              <a:rPr dirty="0"/>
-              <a:t>00</a:t>
-            </a:r>
-          </a:p>
-        </p:txBody>
-      </p:sp>
-      <p:sp>
-        <p:nvSpPr>
-          <p:cNvPr id="7" name="object 7"/>
-          <p:cNvSpPr/>
-          <p:nvPr/>
-        </p:nvSpPr>
-        <p:spPr>
-          <a:xfrm>
             <a:off x="914903" y="2230077"/>
             <a:ext cx="9702165" cy="0"/>
           </a:xfrm>
@@ -19414,7 +18640,7 @@
       </p:sp>
       <p:sp>
         <p:nvSpPr>
-          <p:cNvPr id="8" name="object 8"/>
+          <p:cNvPr id="4" name="object 4"/>
           <p:cNvSpPr txBox="1"/>
           <p:nvPr/>
         </p:nvSpPr>
@@ -19500,7 +18726,7 @@
       </p:sp>
       <p:sp>
         <p:nvSpPr>
-          <p:cNvPr id="9" name="object 9"/>
+          <p:cNvPr id="5" name="object 5"/>
           <p:cNvSpPr txBox="1"/>
           <p:nvPr/>
         </p:nvSpPr>
@@ -19947,7 +19173,7 @@
       </p:sp>
       <p:sp>
         <p:nvSpPr>
-          <p:cNvPr id="10" name="object 10"/>
+          <p:cNvPr id="6" name="object 6"/>
           <p:cNvSpPr/>
           <p:nvPr/>
         </p:nvSpPr>
@@ -19974,7 +19200,7 @@
       </p:sp>
       <p:sp>
         <p:nvSpPr>
-          <p:cNvPr id="11" name="object 11"/>
+          <p:cNvPr id="7" name="object 7"/>
           <p:cNvSpPr/>
           <p:nvPr/>
         </p:nvSpPr>
@@ -20014,7 +19240,7 @@
       </p:sp>
       <p:sp>
         <p:nvSpPr>
-          <p:cNvPr id="12" name="object 12"/>
+          <p:cNvPr id="8" name="object 8"/>
           <p:cNvSpPr/>
           <p:nvPr/>
         </p:nvSpPr>
@@ -20054,7 +19280,7 @@
       </p:sp>
       <p:sp>
         <p:nvSpPr>
-          <p:cNvPr id="13" name="object 13"/>
+          <p:cNvPr id="9" name="object 9"/>
           <p:cNvSpPr txBox="1"/>
           <p:nvPr/>
         </p:nvSpPr>
@@ -20095,6 +19321,628 @@
               <a:latin typeface="Roboto"/>
               <a:cs typeface="Roboto"/>
             </a:endParaRPr>
+          </a:p>
+        </p:txBody>
+      </p:sp>
+      <p:sp>
+        <p:nvSpPr>
+          <p:cNvPr id="10" name="object 10"/>
+          <p:cNvSpPr txBox="1"/>
+          <p:nvPr/>
+        </p:nvSpPr>
+        <p:spPr>
+          <a:xfrm>
+            <a:off x="2336803" y="1778986"/>
+            <a:ext cx="1381125" cy="300355"/>
+          </a:xfrm>
+          <a:prstGeom prst="rect">
+            <a:avLst/>
+          </a:prstGeom>
+        </p:spPr>
+        <p:txBody>
+          <a:bodyPr wrap="square" lIns="0" tIns="12700" rIns="0" bIns="0" rtlCol="0" vert="horz">
+            <a:spAutoFit/>
+          </a:bodyPr>
+          <a:lstStyle/>
+          <a:p>
+            <a:pPr marL="12700">
+              <a:lnSpc>
+                <a:spcPct val="100000"/>
+              </a:lnSpc>
+              <a:spcBef>
+                <a:spcPts val="100"/>
+              </a:spcBef>
+            </a:pPr>
+            <a:r>
+              <a:rPr dirty="0" sz="1800" spc="-15">
+                <a:solidFill>
+                  <a:srgbClr val="585D60"/>
+                </a:solidFill>
+                <a:latin typeface="Roboto"/>
+                <a:cs typeface="Roboto"/>
+              </a:rPr>
+              <a:t>Your</a:t>
+            </a:r>
+            <a:r>
+              <a:rPr dirty="0" sz="1800" spc="-80">
+                <a:solidFill>
+                  <a:srgbClr val="585D60"/>
+                </a:solidFill>
+                <a:latin typeface="Roboto"/>
+                <a:cs typeface="Roboto"/>
+              </a:rPr>
+              <a:t> </a:t>
+            </a:r>
+            <a:r>
+              <a:rPr dirty="0" sz="1800">
+                <a:solidFill>
+                  <a:srgbClr val="585D60"/>
+                </a:solidFill>
+                <a:latin typeface="Roboto"/>
+                <a:cs typeface="Roboto"/>
+              </a:rPr>
+              <a:t>Solution</a:t>
+            </a:r>
+            <a:endParaRPr sz="1800">
+              <a:latin typeface="Roboto"/>
+              <a:cs typeface="Roboto"/>
+            </a:endParaRPr>
+          </a:p>
+        </p:txBody>
+      </p:sp>
+      <p:sp>
+        <p:nvSpPr>
+          <p:cNvPr id="11" name="object 11"/>
+          <p:cNvSpPr/>
+          <p:nvPr/>
+        </p:nvSpPr>
+        <p:spPr>
+          <a:xfrm>
+            <a:off x="9409176" y="182880"/>
+            <a:ext cx="1978660" cy="969644"/>
+          </a:xfrm>
+          <a:custGeom>
+            <a:avLst/>
+            <a:gdLst/>
+            <a:ahLst/>
+            <a:cxnLst/>
+            <a:rect l="l" t="t" r="r" b="b"/>
+            <a:pathLst>
+              <a:path w="1978659" h="969644">
+                <a:moveTo>
+                  <a:pt x="1978152" y="969264"/>
+                </a:moveTo>
+                <a:lnTo>
+                  <a:pt x="0" y="969264"/>
+                </a:lnTo>
+                <a:lnTo>
+                  <a:pt x="0" y="0"/>
+                </a:lnTo>
+                <a:lnTo>
+                  <a:pt x="1978152" y="0"/>
+                </a:lnTo>
+                <a:lnTo>
+                  <a:pt x="1978152" y="103027"/>
+                </a:lnTo>
+                <a:lnTo>
+                  <a:pt x="273555" y="103027"/>
+                </a:lnTo>
+                <a:lnTo>
+                  <a:pt x="260411" y="103662"/>
+                </a:lnTo>
+                <a:lnTo>
+                  <a:pt x="222495" y="113183"/>
+                </a:lnTo>
+                <a:lnTo>
+                  <a:pt x="188951" y="133261"/>
+                </a:lnTo>
+                <a:lnTo>
+                  <a:pt x="162595" y="162310"/>
+                </a:lnTo>
+                <a:lnTo>
+                  <a:pt x="145843" y="197777"/>
+                </a:lnTo>
+                <a:lnTo>
+                  <a:pt x="140131" y="236451"/>
+                </a:lnTo>
+                <a:lnTo>
+                  <a:pt x="140131" y="655781"/>
+                </a:lnTo>
+                <a:lnTo>
+                  <a:pt x="145844" y="694454"/>
+                </a:lnTo>
+                <a:lnTo>
+                  <a:pt x="162595" y="729921"/>
+                </a:lnTo>
+                <a:lnTo>
+                  <a:pt x="188951" y="758971"/>
+                </a:lnTo>
+                <a:lnTo>
+                  <a:pt x="222495" y="779048"/>
+                </a:lnTo>
+                <a:lnTo>
+                  <a:pt x="260411" y="788570"/>
+                </a:lnTo>
+                <a:lnTo>
+                  <a:pt x="273555" y="789205"/>
+                </a:lnTo>
+                <a:lnTo>
+                  <a:pt x="1978152" y="789205"/>
+                </a:lnTo>
+                <a:lnTo>
+                  <a:pt x="1978152" y="969264"/>
+                </a:lnTo>
+                <a:close/>
+              </a:path>
+              <a:path w="1978659" h="969644">
+                <a:moveTo>
+                  <a:pt x="1978152" y="789205"/>
+                </a:moveTo>
+                <a:lnTo>
+                  <a:pt x="1703091" y="789205"/>
+                </a:lnTo>
+                <a:lnTo>
+                  <a:pt x="1716234" y="788570"/>
+                </a:lnTo>
+                <a:lnTo>
+                  <a:pt x="1729125" y="786666"/>
+                </a:lnTo>
+                <a:lnTo>
+                  <a:pt x="1766050" y="773432"/>
+                </a:lnTo>
+                <a:lnTo>
+                  <a:pt x="1797436" y="750126"/>
+                </a:lnTo>
+                <a:lnTo>
+                  <a:pt x="1820741" y="718740"/>
+                </a:lnTo>
+                <a:lnTo>
+                  <a:pt x="1833975" y="681816"/>
+                </a:lnTo>
+                <a:lnTo>
+                  <a:pt x="1836515" y="655781"/>
+                </a:lnTo>
+                <a:lnTo>
+                  <a:pt x="1836515" y="236451"/>
+                </a:lnTo>
+                <a:lnTo>
+                  <a:pt x="1830801" y="197777"/>
+                </a:lnTo>
+                <a:lnTo>
+                  <a:pt x="1814049" y="162310"/>
+                </a:lnTo>
+                <a:lnTo>
+                  <a:pt x="1787692" y="133261"/>
+                </a:lnTo>
+                <a:lnTo>
+                  <a:pt x="1754148" y="113183"/>
+                </a:lnTo>
+                <a:lnTo>
+                  <a:pt x="1716234" y="103662"/>
+                </a:lnTo>
+                <a:lnTo>
+                  <a:pt x="1703091" y="103027"/>
+                </a:lnTo>
+                <a:lnTo>
+                  <a:pt x="1978152" y="103027"/>
+                </a:lnTo>
+                <a:lnTo>
+                  <a:pt x="1978152" y="789205"/>
+                </a:lnTo>
+                <a:close/>
+              </a:path>
+            </a:pathLst>
+          </a:custGeom>
+          <a:solidFill>
+            <a:srgbClr val="323232">
+              <a:alpha val="39999"/>
+            </a:srgbClr>
+          </a:solidFill>
+        </p:spPr>
+        <p:txBody>
+          <a:bodyPr wrap="square" lIns="0" tIns="0" rIns="0" bIns="0" rtlCol="0"/>
+          <a:lstStyle/>
+          <a:p/>
+        </p:txBody>
+      </p:sp>
+      <p:sp>
+        <p:nvSpPr>
+          <p:cNvPr id="12" name="object 12"/>
+          <p:cNvSpPr/>
+          <p:nvPr/>
+        </p:nvSpPr>
+        <p:spPr>
+          <a:xfrm>
+            <a:off x="9554071" y="290672"/>
+            <a:ext cx="1687195" cy="676910"/>
+          </a:xfrm>
+          <a:custGeom>
+            <a:avLst/>
+            <a:gdLst/>
+            <a:ahLst/>
+            <a:cxnLst/>
+            <a:rect l="l" t="t" r="r" b="b"/>
+            <a:pathLst>
+              <a:path w="1687195" h="676910">
+                <a:moveTo>
+                  <a:pt x="1566643" y="676647"/>
+                </a:moveTo>
+                <a:lnTo>
+                  <a:pt x="120210" y="676647"/>
+                </a:lnTo>
+                <a:lnTo>
+                  <a:pt x="111843" y="675823"/>
+                </a:lnTo>
+                <a:lnTo>
+                  <a:pt x="71617" y="663620"/>
+                </a:lnTo>
+                <a:lnTo>
+                  <a:pt x="31709" y="632990"/>
+                </a:lnTo>
+                <a:lnTo>
+                  <a:pt x="6560" y="589419"/>
+                </a:lnTo>
+                <a:lnTo>
+                  <a:pt x="0" y="556437"/>
+                </a:lnTo>
+                <a:lnTo>
+                  <a:pt x="0" y="120210"/>
+                </a:lnTo>
+                <a:lnTo>
+                  <a:pt x="13026" y="71618"/>
+                </a:lnTo>
+                <a:lnTo>
+                  <a:pt x="43656" y="31709"/>
+                </a:lnTo>
+                <a:lnTo>
+                  <a:pt x="87227" y="6560"/>
+                </a:lnTo>
+                <a:lnTo>
+                  <a:pt x="120210" y="0"/>
+                </a:lnTo>
+                <a:lnTo>
+                  <a:pt x="1566643" y="0"/>
+                </a:lnTo>
+                <a:lnTo>
+                  <a:pt x="1615234" y="13026"/>
+                </a:lnTo>
+                <a:lnTo>
+                  <a:pt x="1655143" y="43656"/>
+                </a:lnTo>
+                <a:lnTo>
+                  <a:pt x="1680291" y="87227"/>
+                </a:lnTo>
+                <a:lnTo>
+                  <a:pt x="1686854" y="120210"/>
+                </a:lnTo>
+                <a:lnTo>
+                  <a:pt x="1686854" y="556437"/>
+                </a:lnTo>
+                <a:lnTo>
+                  <a:pt x="1673825" y="605029"/>
+                </a:lnTo>
+                <a:lnTo>
+                  <a:pt x="1643196" y="644937"/>
+                </a:lnTo>
+                <a:lnTo>
+                  <a:pt x="1599624" y="670086"/>
+                </a:lnTo>
+                <a:lnTo>
+                  <a:pt x="1566643" y="676647"/>
+                </a:lnTo>
+                <a:close/>
+              </a:path>
+            </a:pathLst>
+          </a:custGeom>
+          <a:solidFill>
+            <a:srgbClr val="FFFFFF"/>
+          </a:solidFill>
+        </p:spPr>
+        <p:txBody>
+          <a:bodyPr wrap="square" lIns="0" tIns="0" rIns="0" bIns="0" rtlCol="0"/>
+          <a:lstStyle/>
+          <a:p/>
+        </p:txBody>
+      </p:sp>
+      <p:sp>
+        <p:nvSpPr>
+          <p:cNvPr id="13" name="object 13"/>
+          <p:cNvSpPr/>
+          <p:nvPr/>
+        </p:nvSpPr>
+        <p:spPr>
+          <a:xfrm>
+            <a:off x="9554072" y="290672"/>
+            <a:ext cx="1687195" cy="676910"/>
+          </a:xfrm>
+          <a:custGeom>
+            <a:avLst/>
+            <a:gdLst/>
+            <a:ahLst/>
+            <a:cxnLst/>
+            <a:rect l="l" t="t" r="r" b="b"/>
+            <a:pathLst>
+              <a:path w="1687195" h="676910">
+                <a:moveTo>
+                  <a:pt x="0" y="547989"/>
+                </a:moveTo>
+                <a:lnTo>
+                  <a:pt x="0" y="128658"/>
+                </a:lnTo>
+                <a:lnTo>
+                  <a:pt x="0" y="120210"/>
+                </a:lnTo>
+                <a:lnTo>
+                  <a:pt x="824" y="111843"/>
+                </a:lnTo>
+                <a:lnTo>
+                  <a:pt x="2472" y="103558"/>
+                </a:lnTo>
+                <a:lnTo>
+                  <a:pt x="4120" y="95272"/>
+                </a:lnTo>
+                <a:lnTo>
+                  <a:pt x="6560" y="87227"/>
+                </a:lnTo>
+                <a:lnTo>
+                  <a:pt x="9793" y="79422"/>
+                </a:lnTo>
+                <a:lnTo>
+                  <a:pt x="13026" y="71618"/>
+                </a:lnTo>
+                <a:lnTo>
+                  <a:pt x="37682" y="37683"/>
+                </a:lnTo>
+                <a:lnTo>
+                  <a:pt x="43656" y="31709"/>
+                </a:lnTo>
+                <a:lnTo>
+                  <a:pt x="50154" y="26376"/>
+                </a:lnTo>
+                <a:lnTo>
+                  <a:pt x="57179" y="21682"/>
+                </a:lnTo>
+                <a:lnTo>
+                  <a:pt x="64202" y="16989"/>
+                </a:lnTo>
+                <a:lnTo>
+                  <a:pt x="71617" y="13026"/>
+                </a:lnTo>
+                <a:lnTo>
+                  <a:pt x="79422" y="9793"/>
+                </a:lnTo>
+                <a:lnTo>
+                  <a:pt x="87227" y="6560"/>
+                </a:lnTo>
+                <a:lnTo>
+                  <a:pt x="95272" y="4120"/>
+                </a:lnTo>
+                <a:lnTo>
+                  <a:pt x="103558" y="2472"/>
+                </a:lnTo>
+                <a:lnTo>
+                  <a:pt x="111843" y="824"/>
+                </a:lnTo>
+                <a:lnTo>
+                  <a:pt x="120210" y="0"/>
+                </a:lnTo>
+                <a:lnTo>
+                  <a:pt x="128658" y="0"/>
+                </a:lnTo>
+                <a:lnTo>
+                  <a:pt x="1558196" y="0"/>
+                </a:lnTo>
+                <a:lnTo>
+                  <a:pt x="1566643" y="0"/>
+                </a:lnTo>
+                <a:lnTo>
+                  <a:pt x="1575010" y="824"/>
+                </a:lnTo>
+                <a:lnTo>
+                  <a:pt x="1583294" y="2472"/>
+                </a:lnTo>
+                <a:lnTo>
+                  <a:pt x="1591579" y="4120"/>
+                </a:lnTo>
+                <a:lnTo>
+                  <a:pt x="1599624" y="6560"/>
+                </a:lnTo>
+                <a:lnTo>
+                  <a:pt x="1607429" y="9793"/>
+                </a:lnTo>
+                <a:lnTo>
+                  <a:pt x="1615234" y="13026"/>
+                </a:lnTo>
+                <a:lnTo>
+                  <a:pt x="1649170" y="37683"/>
+                </a:lnTo>
+                <a:lnTo>
+                  <a:pt x="1673825" y="71618"/>
+                </a:lnTo>
+                <a:lnTo>
+                  <a:pt x="1686029" y="111843"/>
+                </a:lnTo>
+                <a:lnTo>
+                  <a:pt x="1686854" y="120210"/>
+                </a:lnTo>
+                <a:lnTo>
+                  <a:pt x="1686854" y="128658"/>
+                </a:lnTo>
+                <a:lnTo>
+                  <a:pt x="1686854" y="547989"/>
+                </a:lnTo>
+                <a:lnTo>
+                  <a:pt x="1686854" y="556437"/>
+                </a:lnTo>
+                <a:lnTo>
+                  <a:pt x="1686029" y="564803"/>
+                </a:lnTo>
+                <a:lnTo>
+                  <a:pt x="1673825" y="605029"/>
+                </a:lnTo>
+                <a:lnTo>
+                  <a:pt x="1649170" y="638964"/>
+                </a:lnTo>
+                <a:lnTo>
+                  <a:pt x="1629672" y="654964"/>
+                </a:lnTo>
+                <a:lnTo>
+                  <a:pt x="1622648" y="659657"/>
+                </a:lnTo>
+                <a:lnTo>
+                  <a:pt x="1615234" y="663620"/>
+                </a:lnTo>
+                <a:lnTo>
+                  <a:pt x="1607429" y="666853"/>
+                </a:lnTo>
+                <a:lnTo>
+                  <a:pt x="1599624" y="670086"/>
+                </a:lnTo>
+                <a:lnTo>
+                  <a:pt x="1591579" y="672527"/>
+                </a:lnTo>
+                <a:lnTo>
+                  <a:pt x="1583294" y="674175"/>
+                </a:lnTo>
+                <a:lnTo>
+                  <a:pt x="1575010" y="675823"/>
+                </a:lnTo>
+                <a:lnTo>
+                  <a:pt x="1566643" y="676647"/>
+                </a:lnTo>
+                <a:lnTo>
+                  <a:pt x="1558196" y="676647"/>
+                </a:lnTo>
+                <a:lnTo>
+                  <a:pt x="128658" y="676647"/>
+                </a:lnTo>
+                <a:lnTo>
+                  <a:pt x="120210" y="676647"/>
+                </a:lnTo>
+                <a:lnTo>
+                  <a:pt x="111843" y="675823"/>
+                </a:lnTo>
+                <a:lnTo>
+                  <a:pt x="103558" y="674175"/>
+                </a:lnTo>
+                <a:lnTo>
+                  <a:pt x="95272" y="672527"/>
+                </a:lnTo>
+                <a:lnTo>
+                  <a:pt x="87227" y="670086"/>
+                </a:lnTo>
+                <a:lnTo>
+                  <a:pt x="79422" y="666853"/>
+                </a:lnTo>
+                <a:lnTo>
+                  <a:pt x="71617" y="663620"/>
+                </a:lnTo>
+                <a:lnTo>
+                  <a:pt x="64202" y="659657"/>
+                </a:lnTo>
+                <a:lnTo>
+                  <a:pt x="57179" y="654964"/>
+                </a:lnTo>
+                <a:lnTo>
+                  <a:pt x="50154" y="650271"/>
+                </a:lnTo>
+                <a:lnTo>
+                  <a:pt x="43656" y="644937"/>
+                </a:lnTo>
+                <a:lnTo>
+                  <a:pt x="37682" y="638964"/>
+                </a:lnTo>
+                <a:lnTo>
+                  <a:pt x="31709" y="632990"/>
+                </a:lnTo>
+                <a:lnTo>
+                  <a:pt x="26376" y="626491"/>
+                </a:lnTo>
+                <a:lnTo>
+                  <a:pt x="21682" y="619467"/>
+                </a:lnTo>
+                <a:lnTo>
+                  <a:pt x="16989" y="612443"/>
+                </a:lnTo>
+                <a:lnTo>
+                  <a:pt x="13026" y="605029"/>
+                </a:lnTo>
+                <a:lnTo>
+                  <a:pt x="9793" y="597224"/>
+                </a:lnTo>
+                <a:lnTo>
+                  <a:pt x="6560" y="589419"/>
+                </a:lnTo>
+                <a:lnTo>
+                  <a:pt x="4120" y="581374"/>
+                </a:lnTo>
+                <a:lnTo>
+                  <a:pt x="2472" y="573089"/>
+                </a:lnTo>
+                <a:lnTo>
+                  <a:pt x="824" y="564803"/>
+                </a:lnTo>
+                <a:lnTo>
+                  <a:pt x="0" y="556437"/>
+                </a:lnTo>
+                <a:lnTo>
+                  <a:pt x="0" y="547989"/>
+                </a:lnTo>
+                <a:close/>
+              </a:path>
+            </a:pathLst>
+          </a:custGeom>
+          <a:ln w="28590">
+            <a:solidFill>
+              <a:srgbClr val="DDDDDD"/>
+            </a:solidFill>
+          </a:ln>
+        </p:spPr>
+        <p:txBody>
+          <a:bodyPr wrap="square" lIns="0" tIns="0" rIns="0" bIns="0" rtlCol="0"/>
+          <a:lstStyle/>
+          <a:p/>
+        </p:txBody>
+      </p:sp>
+      <p:sp>
+        <p:nvSpPr>
+          <p:cNvPr id="14" name="object 14"/>
+          <p:cNvSpPr txBox="1">
+            <a:spLocks noGrp="1"/>
+          </p:cNvSpPr>
+          <p:nvPr>
+            <p:ph type="title"/>
+          </p:nvPr>
+        </p:nvSpPr>
+        <p:spPr>
+          <a:prstGeom prst="rect"/>
+        </p:spPr>
+        <p:txBody>
+          <a:bodyPr wrap="square" lIns="0" tIns="12700" rIns="0" bIns="0" rtlCol="0" vert="horz">
+            <a:spAutoFit/>
+          </a:bodyPr>
+          <a:lstStyle/>
+          <a:p>
+            <a:pPr marL="12700">
+              <a:lnSpc>
+                <a:spcPct val="100000"/>
+              </a:lnSpc>
+              <a:spcBef>
+                <a:spcPts val="100"/>
+              </a:spcBef>
+            </a:pPr>
+            <a:r>
+              <a:rPr dirty="0"/>
+              <a:t>0</a:t>
+            </a:r>
+            <a:r>
+              <a:rPr dirty="0" spc="-5"/>
+              <a:t>5:</a:t>
+            </a:r>
+            <a:r>
+              <a:rPr dirty="0"/>
+              <a:t>00</a:t>
+            </a:r>
           </a:p>
         </p:txBody>
       </p:sp>
@@ -20158,72 +20006,6 @@
               <a:t>38</a:t>
             </a:r>
             <a:endParaRPr sz="1200">
-              <a:latin typeface="Roboto"/>
-              <a:cs typeface="Roboto"/>
-            </a:endParaRPr>
-          </a:p>
-        </p:txBody>
-      </p:sp>
-      <p:sp>
-        <p:nvSpPr>
-          <p:cNvPr id="14" name="object 14"/>
-          <p:cNvSpPr txBox="1"/>
-          <p:nvPr/>
-        </p:nvSpPr>
-        <p:spPr>
-          <a:xfrm>
-            <a:off x="2336803" y="1778986"/>
-            <a:ext cx="1381125" cy="300355"/>
-          </a:xfrm>
-          <a:prstGeom prst="rect">
-            <a:avLst/>
-          </a:prstGeom>
-        </p:spPr>
-        <p:txBody>
-          <a:bodyPr wrap="square" lIns="0" tIns="12700" rIns="0" bIns="0" rtlCol="0" vert="horz">
-            <a:spAutoFit/>
-          </a:bodyPr>
-          <a:lstStyle/>
-          <a:p>
-            <a:pPr marL="12700">
-              <a:lnSpc>
-                <a:spcPct val="100000"/>
-              </a:lnSpc>
-              <a:spcBef>
-                <a:spcPts val="100"/>
-              </a:spcBef>
-            </a:pPr>
-            <a:r>
-              <a:rPr dirty="0" sz="1800" spc="-15">
-                <a:solidFill>
-                  <a:srgbClr val="585D60"/>
-                </a:solidFill>
-                <a:latin typeface="Roboto"/>
-                <a:cs typeface="Roboto"/>
-              </a:rPr>
-              <a:t>Your</a:t>
-            </a:r>
-            <a:r>
-              <a:rPr dirty="0" sz="1800" spc="-80">
-                <a:solidFill>
-                  <a:srgbClr val="585D60"/>
-                </a:solidFill>
-                <a:latin typeface="Roboto"/>
-                <a:cs typeface="Roboto"/>
-              </a:rPr>
-              <a:t> </a:t>
-            </a:r>
-            <a:r>
-              <a:rPr dirty="0" sz="1800">
-                <a:solidFill>
-                  <a:srgbClr val="585D60"/>
-                </a:solidFill>
-                <a:latin typeface="Roboto"/>
-                <a:cs typeface="Roboto"/>
-              </a:rPr>
-              <a:t>Solution</a:t>
-            </a:r>
-            <a:endParaRPr sz="1800">
               <a:latin typeface="Roboto"/>
               <a:cs typeface="Roboto"/>
             </a:endParaRPr>
@@ -20329,562 +20111,6 @@
         </p:nvSpPr>
         <p:spPr>
           <a:xfrm>
-            <a:off x="9409176" y="182880"/>
-            <a:ext cx="1978660" cy="969644"/>
-          </a:xfrm>
-          <a:custGeom>
-            <a:avLst/>
-            <a:gdLst/>
-            <a:ahLst/>
-            <a:cxnLst/>
-            <a:rect l="l" t="t" r="r" b="b"/>
-            <a:pathLst>
-              <a:path w="1978659" h="969644">
-                <a:moveTo>
-                  <a:pt x="1978152" y="969264"/>
-                </a:moveTo>
-                <a:lnTo>
-                  <a:pt x="0" y="969264"/>
-                </a:lnTo>
-                <a:lnTo>
-                  <a:pt x="0" y="0"/>
-                </a:lnTo>
-                <a:lnTo>
-                  <a:pt x="1978152" y="0"/>
-                </a:lnTo>
-                <a:lnTo>
-                  <a:pt x="1978152" y="103027"/>
-                </a:lnTo>
-                <a:lnTo>
-                  <a:pt x="273555" y="103027"/>
-                </a:lnTo>
-                <a:lnTo>
-                  <a:pt x="260411" y="103662"/>
-                </a:lnTo>
-                <a:lnTo>
-                  <a:pt x="222495" y="113183"/>
-                </a:lnTo>
-                <a:lnTo>
-                  <a:pt x="188951" y="133261"/>
-                </a:lnTo>
-                <a:lnTo>
-                  <a:pt x="162595" y="162310"/>
-                </a:lnTo>
-                <a:lnTo>
-                  <a:pt x="145843" y="197777"/>
-                </a:lnTo>
-                <a:lnTo>
-                  <a:pt x="140131" y="236451"/>
-                </a:lnTo>
-                <a:lnTo>
-                  <a:pt x="140131" y="655781"/>
-                </a:lnTo>
-                <a:lnTo>
-                  <a:pt x="145844" y="694454"/>
-                </a:lnTo>
-                <a:lnTo>
-                  <a:pt x="162595" y="729921"/>
-                </a:lnTo>
-                <a:lnTo>
-                  <a:pt x="188951" y="758971"/>
-                </a:lnTo>
-                <a:lnTo>
-                  <a:pt x="222495" y="779048"/>
-                </a:lnTo>
-                <a:lnTo>
-                  <a:pt x="260411" y="788570"/>
-                </a:lnTo>
-                <a:lnTo>
-                  <a:pt x="273555" y="789205"/>
-                </a:lnTo>
-                <a:lnTo>
-                  <a:pt x="1978152" y="789205"/>
-                </a:lnTo>
-                <a:lnTo>
-                  <a:pt x="1978152" y="969264"/>
-                </a:lnTo>
-                <a:close/>
-              </a:path>
-              <a:path w="1978659" h="969644">
-                <a:moveTo>
-                  <a:pt x="1978152" y="789205"/>
-                </a:moveTo>
-                <a:lnTo>
-                  <a:pt x="1703091" y="789205"/>
-                </a:lnTo>
-                <a:lnTo>
-                  <a:pt x="1716234" y="788570"/>
-                </a:lnTo>
-                <a:lnTo>
-                  <a:pt x="1729125" y="786666"/>
-                </a:lnTo>
-                <a:lnTo>
-                  <a:pt x="1766050" y="773432"/>
-                </a:lnTo>
-                <a:lnTo>
-                  <a:pt x="1797436" y="750126"/>
-                </a:lnTo>
-                <a:lnTo>
-                  <a:pt x="1820741" y="718740"/>
-                </a:lnTo>
-                <a:lnTo>
-                  <a:pt x="1833975" y="681816"/>
-                </a:lnTo>
-                <a:lnTo>
-                  <a:pt x="1836515" y="655781"/>
-                </a:lnTo>
-                <a:lnTo>
-                  <a:pt x="1836515" y="236451"/>
-                </a:lnTo>
-                <a:lnTo>
-                  <a:pt x="1830801" y="197777"/>
-                </a:lnTo>
-                <a:lnTo>
-                  <a:pt x="1814049" y="162310"/>
-                </a:lnTo>
-                <a:lnTo>
-                  <a:pt x="1787692" y="133261"/>
-                </a:lnTo>
-                <a:lnTo>
-                  <a:pt x="1754148" y="113183"/>
-                </a:lnTo>
-                <a:lnTo>
-                  <a:pt x="1716234" y="103662"/>
-                </a:lnTo>
-                <a:lnTo>
-                  <a:pt x="1703091" y="103027"/>
-                </a:lnTo>
-                <a:lnTo>
-                  <a:pt x="1978152" y="103027"/>
-                </a:lnTo>
-                <a:lnTo>
-                  <a:pt x="1978152" y="789205"/>
-                </a:lnTo>
-                <a:close/>
-              </a:path>
-            </a:pathLst>
-          </a:custGeom>
-          <a:solidFill>
-            <a:srgbClr val="323232">
-              <a:alpha val="39999"/>
-            </a:srgbClr>
-          </a:solidFill>
-        </p:spPr>
-        <p:txBody>
-          <a:bodyPr wrap="square" lIns="0" tIns="0" rIns="0" bIns="0" rtlCol="0"/>
-          <a:lstStyle/>
-          <a:p/>
-        </p:txBody>
-      </p:sp>
-      <p:sp>
-        <p:nvSpPr>
-          <p:cNvPr id="4" name="object 4"/>
-          <p:cNvSpPr/>
-          <p:nvPr/>
-        </p:nvSpPr>
-        <p:spPr>
-          <a:xfrm>
-            <a:off x="9554071" y="290672"/>
-            <a:ext cx="1687195" cy="676910"/>
-          </a:xfrm>
-          <a:custGeom>
-            <a:avLst/>
-            <a:gdLst/>
-            <a:ahLst/>
-            <a:cxnLst/>
-            <a:rect l="l" t="t" r="r" b="b"/>
-            <a:pathLst>
-              <a:path w="1687195" h="676910">
-                <a:moveTo>
-                  <a:pt x="1566643" y="676647"/>
-                </a:moveTo>
-                <a:lnTo>
-                  <a:pt x="120210" y="676647"/>
-                </a:lnTo>
-                <a:lnTo>
-                  <a:pt x="111843" y="675823"/>
-                </a:lnTo>
-                <a:lnTo>
-                  <a:pt x="71617" y="663620"/>
-                </a:lnTo>
-                <a:lnTo>
-                  <a:pt x="31709" y="632990"/>
-                </a:lnTo>
-                <a:lnTo>
-                  <a:pt x="6560" y="589419"/>
-                </a:lnTo>
-                <a:lnTo>
-                  <a:pt x="0" y="556437"/>
-                </a:lnTo>
-                <a:lnTo>
-                  <a:pt x="0" y="120210"/>
-                </a:lnTo>
-                <a:lnTo>
-                  <a:pt x="13026" y="71618"/>
-                </a:lnTo>
-                <a:lnTo>
-                  <a:pt x="43656" y="31709"/>
-                </a:lnTo>
-                <a:lnTo>
-                  <a:pt x="87227" y="6560"/>
-                </a:lnTo>
-                <a:lnTo>
-                  <a:pt x="120210" y="0"/>
-                </a:lnTo>
-                <a:lnTo>
-                  <a:pt x="1566643" y="0"/>
-                </a:lnTo>
-                <a:lnTo>
-                  <a:pt x="1615234" y="13026"/>
-                </a:lnTo>
-                <a:lnTo>
-                  <a:pt x="1655143" y="43656"/>
-                </a:lnTo>
-                <a:lnTo>
-                  <a:pt x="1680291" y="87227"/>
-                </a:lnTo>
-                <a:lnTo>
-                  <a:pt x="1686854" y="120210"/>
-                </a:lnTo>
-                <a:lnTo>
-                  <a:pt x="1686854" y="556437"/>
-                </a:lnTo>
-                <a:lnTo>
-                  <a:pt x="1673825" y="605029"/>
-                </a:lnTo>
-                <a:lnTo>
-                  <a:pt x="1643196" y="644937"/>
-                </a:lnTo>
-                <a:lnTo>
-                  <a:pt x="1599624" y="670086"/>
-                </a:lnTo>
-                <a:lnTo>
-                  <a:pt x="1566643" y="676647"/>
-                </a:lnTo>
-                <a:close/>
-              </a:path>
-            </a:pathLst>
-          </a:custGeom>
-          <a:solidFill>
-            <a:srgbClr val="FFFFFF"/>
-          </a:solidFill>
-        </p:spPr>
-        <p:txBody>
-          <a:bodyPr wrap="square" lIns="0" tIns="0" rIns="0" bIns="0" rtlCol="0"/>
-          <a:lstStyle/>
-          <a:p/>
-        </p:txBody>
-      </p:sp>
-      <p:sp>
-        <p:nvSpPr>
-          <p:cNvPr id="5" name="object 5"/>
-          <p:cNvSpPr/>
-          <p:nvPr/>
-        </p:nvSpPr>
-        <p:spPr>
-          <a:xfrm>
-            <a:off x="9554072" y="290672"/>
-            <a:ext cx="1687195" cy="676910"/>
-          </a:xfrm>
-          <a:custGeom>
-            <a:avLst/>
-            <a:gdLst/>
-            <a:ahLst/>
-            <a:cxnLst/>
-            <a:rect l="l" t="t" r="r" b="b"/>
-            <a:pathLst>
-              <a:path w="1687195" h="676910">
-                <a:moveTo>
-                  <a:pt x="0" y="547989"/>
-                </a:moveTo>
-                <a:lnTo>
-                  <a:pt x="0" y="128658"/>
-                </a:lnTo>
-                <a:lnTo>
-                  <a:pt x="0" y="120210"/>
-                </a:lnTo>
-                <a:lnTo>
-                  <a:pt x="824" y="111843"/>
-                </a:lnTo>
-                <a:lnTo>
-                  <a:pt x="2472" y="103558"/>
-                </a:lnTo>
-                <a:lnTo>
-                  <a:pt x="4120" y="95272"/>
-                </a:lnTo>
-                <a:lnTo>
-                  <a:pt x="6560" y="87227"/>
-                </a:lnTo>
-                <a:lnTo>
-                  <a:pt x="9793" y="79422"/>
-                </a:lnTo>
-                <a:lnTo>
-                  <a:pt x="13026" y="71618"/>
-                </a:lnTo>
-                <a:lnTo>
-                  <a:pt x="37682" y="37683"/>
-                </a:lnTo>
-                <a:lnTo>
-                  <a:pt x="43656" y="31709"/>
-                </a:lnTo>
-                <a:lnTo>
-                  <a:pt x="50154" y="26376"/>
-                </a:lnTo>
-                <a:lnTo>
-                  <a:pt x="57179" y="21682"/>
-                </a:lnTo>
-                <a:lnTo>
-                  <a:pt x="64202" y="16989"/>
-                </a:lnTo>
-                <a:lnTo>
-                  <a:pt x="71617" y="13026"/>
-                </a:lnTo>
-                <a:lnTo>
-                  <a:pt x="79422" y="9793"/>
-                </a:lnTo>
-                <a:lnTo>
-                  <a:pt x="87227" y="6560"/>
-                </a:lnTo>
-                <a:lnTo>
-                  <a:pt x="95272" y="4120"/>
-                </a:lnTo>
-                <a:lnTo>
-                  <a:pt x="103558" y="2472"/>
-                </a:lnTo>
-                <a:lnTo>
-                  <a:pt x="111843" y="824"/>
-                </a:lnTo>
-                <a:lnTo>
-                  <a:pt x="120210" y="0"/>
-                </a:lnTo>
-                <a:lnTo>
-                  <a:pt x="128658" y="0"/>
-                </a:lnTo>
-                <a:lnTo>
-                  <a:pt x="1558196" y="0"/>
-                </a:lnTo>
-                <a:lnTo>
-                  <a:pt x="1566643" y="0"/>
-                </a:lnTo>
-                <a:lnTo>
-                  <a:pt x="1575010" y="824"/>
-                </a:lnTo>
-                <a:lnTo>
-                  <a:pt x="1583294" y="2472"/>
-                </a:lnTo>
-                <a:lnTo>
-                  <a:pt x="1591579" y="4120"/>
-                </a:lnTo>
-                <a:lnTo>
-                  <a:pt x="1599624" y="6560"/>
-                </a:lnTo>
-                <a:lnTo>
-                  <a:pt x="1607429" y="9793"/>
-                </a:lnTo>
-                <a:lnTo>
-                  <a:pt x="1615234" y="13026"/>
-                </a:lnTo>
-                <a:lnTo>
-                  <a:pt x="1649170" y="37683"/>
-                </a:lnTo>
-                <a:lnTo>
-                  <a:pt x="1673825" y="71618"/>
-                </a:lnTo>
-                <a:lnTo>
-                  <a:pt x="1686029" y="111843"/>
-                </a:lnTo>
-                <a:lnTo>
-                  <a:pt x="1686854" y="120210"/>
-                </a:lnTo>
-                <a:lnTo>
-                  <a:pt x="1686854" y="128658"/>
-                </a:lnTo>
-                <a:lnTo>
-                  <a:pt x="1686854" y="547989"/>
-                </a:lnTo>
-                <a:lnTo>
-                  <a:pt x="1686854" y="556437"/>
-                </a:lnTo>
-                <a:lnTo>
-                  <a:pt x="1686029" y="564803"/>
-                </a:lnTo>
-                <a:lnTo>
-                  <a:pt x="1673825" y="605029"/>
-                </a:lnTo>
-                <a:lnTo>
-                  <a:pt x="1649170" y="638964"/>
-                </a:lnTo>
-                <a:lnTo>
-                  <a:pt x="1629672" y="654964"/>
-                </a:lnTo>
-                <a:lnTo>
-                  <a:pt x="1622648" y="659657"/>
-                </a:lnTo>
-                <a:lnTo>
-                  <a:pt x="1615234" y="663620"/>
-                </a:lnTo>
-                <a:lnTo>
-                  <a:pt x="1607429" y="666853"/>
-                </a:lnTo>
-                <a:lnTo>
-                  <a:pt x="1599624" y="670086"/>
-                </a:lnTo>
-                <a:lnTo>
-                  <a:pt x="1591579" y="672527"/>
-                </a:lnTo>
-                <a:lnTo>
-                  <a:pt x="1583294" y="674175"/>
-                </a:lnTo>
-                <a:lnTo>
-                  <a:pt x="1575010" y="675823"/>
-                </a:lnTo>
-                <a:lnTo>
-                  <a:pt x="1566643" y="676647"/>
-                </a:lnTo>
-                <a:lnTo>
-                  <a:pt x="1558196" y="676647"/>
-                </a:lnTo>
-                <a:lnTo>
-                  <a:pt x="128658" y="676647"/>
-                </a:lnTo>
-                <a:lnTo>
-                  <a:pt x="120210" y="676647"/>
-                </a:lnTo>
-                <a:lnTo>
-                  <a:pt x="111843" y="675823"/>
-                </a:lnTo>
-                <a:lnTo>
-                  <a:pt x="103558" y="674175"/>
-                </a:lnTo>
-                <a:lnTo>
-                  <a:pt x="95272" y="672527"/>
-                </a:lnTo>
-                <a:lnTo>
-                  <a:pt x="87227" y="670086"/>
-                </a:lnTo>
-                <a:lnTo>
-                  <a:pt x="79422" y="666853"/>
-                </a:lnTo>
-                <a:lnTo>
-                  <a:pt x="71617" y="663620"/>
-                </a:lnTo>
-                <a:lnTo>
-                  <a:pt x="64202" y="659657"/>
-                </a:lnTo>
-                <a:lnTo>
-                  <a:pt x="57179" y="654964"/>
-                </a:lnTo>
-                <a:lnTo>
-                  <a:pt x="50154" y="650271"/>
-                </a:lnTo>
-                <a:lnTo>
-                  <a:pt x="43656" y="644937"/>
-                </a:lnTo>
-                <a:lnTo>
-                  <a:pt x="37682" y="638964"/>
-                </a:lnTo>
-                <a:lnTo>
-                  <a:pt x="31709" y="632990"/>
-                </a:lnTo>
-                <a:lnTo>
-                  <a:pt x="26376" y="626491"/>
-                </a:lnTo>
-                <a:lnTo>
-                  <a:pt x="21682" y="619467"/>
-                </a:lnTo>
-                <a:lnTo>
-                  <a:pt x="16989" y="612443"/>
-                </a:lnTo>
-                <a:lnTo>
-                  <a:pt x="13026" y="605029"/>
-                </a:lnTo>
-                <a:lnTo>
-                  <a:pt x="9793" y="597224"/>
-                </a:lnTo>
-                <a:lnTo>
-                  <a:pt x="6560" y="589419"/>
-                </a:lnTo>
-                <a:lnTo>
-                  <a:pt x="4120" y="581374"/>
-                </a:lnTo>
-                <a:lnTo>
-                  <a:pt x="2472" y="573089"/>
-                </a:lnTo>
-                <a:lnTo>
-                  <a:pt x="824" y="564803"/>
-                </a:lnTo>
-                <a:lnTo>
-                  <a:pt x="0" y="556437"/>
-                </a:lnTo>
-                <a:lnTo>
-                  <a:pt x="0" y="547989"/>
-                </a:lnTo>
-                <a:close/>
-              </a:path>
-            </a:pathLst>
-          </a:custGeom>
-          <a:ln w="28590">
-            <a:solidFill>
-              <a:srgbClr val="DDDDDD"/>
-            </a:solidFill>
-          </a:ln>
-        </p:spPr>
-        <p:txBody>
-          <a:bodyPr wrap="square" lIns="0" tIns="0" rIns="0" bIns="0" rtlCol="0"/>
-          <a:lstStyle/>
-          <a:p/>
-        </p:txBody>
-      </p:sp>
-      <p:sp>
-        <p:nvSpPr>
-          <p:cNvPr id="6" name="object 6"/>
-          <p:cNvSpPr txBox="1">
-            <a:spLocks noGrp="1"/>
-          </p:cNvSpPr>
-          <p:nvPr>
-            <p:ph type="title"/>
-          </p:nvPr>
-        </p:nvSpPr>
-        <p:spPr>
-          <a:prstGeom prst="rect"/>
-        </p:spPr>
-        <p:txBody>
-          <a:bodyPr wrap="square" lIns="0" tIns="12700" rIns="0" bIns="0" rtlCol="0" vert="horz">
-            <a:spAutoFit/>
-          </a:bodyPr>
-          <a:lstStyle/>
-          <a:p>
-            <a:pPr marL="12700">
-              <a:lnSpc>
-                <a:spcPct val="100000"/>
-              </a:lnSpc>
-              <a:spcBef>
-                <a:spcPts val="100"/>
-              </a:spcBef>
-            </a:pPr>
-            <a:r>
-              <a:rPr dirty="0"/>
-              <a:t>0</a:t>
-            </a:r>
-            <a:r>
-              <a:rPr dirty="0" spc="-5"/>
-              <a:t>5:</a:t>
-            </a:r>
-            <a:r>
-              <a:rPr dirty="0"/>
-              <a:t>00</a:t>
-            </a:r>
-          </a:p>
-        </p:txBody>
-      </p:sp>
-      <p:sp>
-        <p:nvSpPr>
-          <p:cNvPr id="7" name="object 7"/>
-          <p:cNvSpPr/>
-          <p:nvPr/>
-        </p:nvSpPr>
-        <p:spPr>
-          <a:xfrm>
             <a:off x="914903" y="2230077"/>
             <a:ext cx="9702165" cy="0"/>
           </a:xfrm>
@@ -20919,7 +20145,7 @@
       </p:sp>
       <p:sp>
         <p:nvSpPr>
-          <p:cNvPr id="8" name="object 8"/>
+          <p:cNvPr id="4" name="object 4"/>
           <p:cNvSpPr/>
           <p:nvPr/>
         </p:nvSpPr>
@@ -20959,7 +20185,7 @@
       </p:sp>
       <p:sp>
         <p:nvSpPr>
-          <p:cNvPr id="9" name="object 9"/>
+          <p:cNvPr id="5" name="object 5"/>
           <p:cNvSpPr/>
           <p:nvPr/>
         </p:nvSpPr>
@@ -20999,7 +20225,7 @@
       </p:sp>
       <p:sp>
         <p:nvSpPr>
-          <p:cNvPr id="10" name="object 10"/>
+          <p:cNvPr id="6" name="object 6"/>
           <p:cNvSpPr txBox="1"/>
           <p:nvPr/>
         </p:nvSpPr>
@@ -21242,6 +20468,562 @@
               <a:latin typeface="Roboto"/>
               <a:cs typeface="Roboto"/>
             </a:endParaRPr>
+          </a:p>
+        </p:txBody>
+      </p:sp>
+      <p:sp>
+        <p:nvSpPr>
+          <p:cNvPr id="7" name="object 7"/>
+          <p:cNvSpPr/>
+          <p:nvPr/>
+        </p:nvSpPr>
+        <p:spPr>
+          <a:xfrm>
+            <a:off x="9409176" y="182880"/>
+            <a:ext cx="1978660" cy="969644"/>
+          </a:xfrm>
+          <a:custGeom>
+            <a:avLst/>
+            <a:gdLst/>
+            <a:ahLst/>
+            <a:cxnLst/>
+            <a:rect l="l" t="t" r="r" b="b"/>
+            <a:pathLst>
+              <a:path w="1978659" h="969644">
+                <a:moveTo>
+                  <a:pt x="1978152" y="969264"/>
+                </a:moveTo>
+                <a:lnTo>
+                  <a:pt x="0" y="969264"/>
+                </a:lnTo>
+                <a:lnTo>
+                  <a:pt x="0" y="0"/>
+                </a:lnTo>
+                <a:lnTo>
+                  <a:pt x="1978152" y="0"/>
+                </a:lnTo>
+                <a:lnTo>
+                  <a:pt x="1978152" y="103027"/>
+                </a:lnTo>
+                <a:lnTo>
+                  <a:pt x="273555" y="103027"/>
+                </a:lnTo>
+                <a:lnTo>
+                  <a:pt x="260411" y="103662"/>
+                </a:lnTo>
+                <a:lnTo>
+                  <a:pt x="222495" y="113183"/>
+                </a:lnTo>
+                <a:lnTo>
+                  <a:pt x="188951" y="133261"/>
+                </a:lnTo>
+                <a:lnTo>
+                  <a:pt x="162595" y="162310"/>
+                </a:lnTo>
+                <a:lnTo>
+                  <a:pt x="145843" y="197777"/>
+                </a:lnTo>
+                <a:lnTo>
+                  <a:pt x="140131" y="236451"/>
+                </a:lnTo>
+                <a:lnTo>
+                  <a:pt x="140131" y="655781"/>
+                </a:lnTo>
+                <a:lnTo>
+                  <a:pt x="145844" y="694454"/>
+                </a:lnTo>
+                <a:lnTo>
+                  <a:pt x="162595" y="729921"/>
+                </a:lnTo>
+                <a:lnTo>
+                  <a:pt x="188951" y="758971"/>
+                </a:lnTo>
+                <a:lnTo>
+                  <a:pt x="222495" y="779048"/>
+                </a:lnTo>
+                <a:lnTo>
+                  <a:pt x="260411" y="788570"/>
+                </a:lnTo>
+                <a:lnTo>
+                  <a:pt x="273555" y="789205"/>
+                </a:lnTo>
+                <a:lnTo>
+                  <a:pt x="1978152" y="789205"/>
+                </a:lnTo>
+                <a:lnTo>
+                  <a:pt x="1978152" y="969264"/>
+                </a:lnTo>
+                <a:close/>
+              </a:path>
+              <a:path w="1978659" h="969644">
+                <a:moveTo>
+                  <a:pt x="1978152" y="789205"/>
+                </a:moveTo>
+                <a:lnTo>
+                  <a:pt x="1703091" y="789205"/>
+                </a:lnTo>
+                <a:lnTo>
+                  <a:pt x="1716234" y="788570"/>
+                </a:lnTo>
+                <a:lnTo>
+                  <a:pt x="1729125" y="786666"/>
+                </a:lnTo>
+                <a:lnTo>
+                  <a:pt x="1766050" y="773432"/>
+                </a:lnTo>
+                <a:lnTo>
+                  <a:pt x="1797436" y="750126"/>
+                </a:lnTo>
+                <a:lnTo>
+                  <a:pt x="1820741" y="718740"/>
+                </a:lnTo>
+                <a:lnTo>
+                  <a:pt x="1833975" y="681816"/>
+                </a:lnTo>
+                <a:lnTo>
+                  <a:pt x="1836515" y="655781"/>
+                </a:lnTo>
+                <a:lnTo>
+                  <a:pt x="1836515" y="236451"/>
+                </a:lnTo>
+                <a:lnTo>
+                  <a:pt x="1830801" y="197777"/>
+                </a:lnTo>
+                <a:lnTo>
+                  <a:pt x="1814049" y="162310"/>
+                </a:lnTo>
+                <a:lnTo>
+                  <a:pt x="1787692" y="133261"/>
+                </a:lnTo>
+                <a:lnTo>
+                  <a:pt x="1754148" y="113183"/>
+                </a:lnTo>
+                <a:lnTo>
+                  <a:pt x="1716234" y="103662"/>
+                </a:lnTo>
+                <a:lnTo>
+                  <a:pt x="1703091" y="103027"/>
+                </a:lnTo>
+                <a:lnTo>
+                  <a:pt x="1978152" y="103027"/>
+                </a:lnTo>
+                <a:lnTo>
+                  <a:pt x="1978152" y="789205"/>
+                </a:lnTo>
+                <a:close/>
+              </a:path>
+            </a:pathLst>
+          </a:custGeom>
+          <a:solidFill>
+            <a:srgbClr val="323232">
+              <a:alpha val="39999"/>
+            </a:srgbClr>
+          </a:solidFill>
+        </p:spPr>
+        <p:txBody>
+          <a:bodyPr wrap="square" lIns="0" tIns="0" rIns="0" bIns="0" rtlCol="0"/>
+          <a:lstStyle/>
+          <a:p/>
+        </p:txBody>
+      </p:sp>
+      <p:sp>
+        <p:nvSpPr>
+          <p:cNvPr id="8" name="object 8"/>
+          <p:cNvSpPr/>
+          <p:nvPr/>
+        </p:nvSpPr>
+        <p:spPr>
+          <a:xfrm>
+            <a:off x="9554071" y="290672"/>
+            <a:ext cx="1687195" cy="676910"/>
+          </a:xfrm>
+          <a:custGeom>
+            <a:avLst/>
+            <a:gdLst/>
+            <a:ahLst/>
+            <a:cxnLst/>
+            <a:rect l="l" t="t" r="r" b="b"/>
+            <a:pathLst>
+              <a:path w="1687195" h="676910">
+                <a:moveTo>
+                  <a:pt x="1566643" y="676647"/>
+                </a:moveTo>
+                <a:lnTo>
+                  <a:pt x="120210" y="676647"/>
+                </a:lnTo>
+                <a:lnTo>
+                  <a:pt x="111843" y="675823"/>
+                </a:lnTo>
+                <a:lnTo>
+                  <a:pt x="71617" y="663620"/>
+                </a:lnTo>
+                <a:lnTo>
+                  <a:pt x="31709" y="632990"/>
+                </a:lnTo>
+                <a:lnTo>
+                  <a:pt x="6560" y="589419"/>
+                </a:lnTo>
+                <a:lnTo>
+                  <a:pt x="0" y="556437"/>
+                </a:lnTo>
+                <a:lnTo>
+                  <a:pt x="0" y="120210"/>
+                </a:lnTo>
+                <a:lnTo>
+                  <a:pt x="13026" y="71618"/>
+                </a:lnTo>
+                <a:lnTo>
+                  <a:pt x="43656" y="31709"/>
+                </a:lnTo>
+                <a:lnTo>
+                  <a:pt x="87227" y="6560"/>
+                </a:lnTo>
+                <a:lnTo>
+                  <a:pt x="120210" y="0"/>
+                </a:lnTo>
+                <a:lnTo>
+                  <a:pt x="1566643" y="0"/>
+                </a:lnTo>
+                <a:lnTo>
+                  <a:pt x="1615234" y="13026"/>
+                </a:lnTo>
+                <a:lnTo>
+                  <a:pt x="1655143" y="43656"/>
+                </a:lnTo>
+                <a:lnTo>
+                  <a:pt x="1680291" y="87227"/>
+                </a:lnTo>
+                <a:lnTo>
+                  <a:pt x="1686854" y="120210"/>
+                </a:lnTo>
+                <a:lnTo>
+                  <a:pt x="1686854" y="556437"/>
+                </a:lnTo>
+                <a:lnTo>
+                  <a:pt x="1673825" y="605029"/>
+                </a:lnTo>
+                <a:lnTo>
+                  <a:pt x="1643196" y="644937"/>
+                </a:lnTo>
+                <a:lnTo>
+                  <a:pt x="1599624" y="670086"/>
+                </a:lnTo>
+                <a:lnTo>
+                  <a:pt x="1566643" y="676647"/>
+                </a:lnTo>
+                <a:close/>
+              </a:path>
+            </a:pathLst>
+          </a:custGeom>
+          <a:solidFill>
+            <a:srgbClr val="FFFFFF"/>
+          </a:solidFill>
+        </p:spPr>
+        <p:txBody>
+          <a:bodyPr wrap="square" lIns="0" tIns="0" rIns="0" bIns="0" rtlCol="0"/>
+          <a:lstStyle/>
+          <a:p/>
+        </p:txBody>
+      </p:sp>
+      <p:sp>
+        <p:nvSpPr>
+          <p:cNvPr id="9" name="object 9"/>
+          <p:cNvSpPr/>
+          <p:nvPr/>
+        </p:nvSpPr>
+        <p:spPr>
+          <a:xfrm>
+            <a:off x="9554072" y="290672"/>
+            <a:ext cx="1687195" cy="676910"/>
+          </a:xfrm>
+          <a:custGeom>
+            <a:avLst/>
+            <a:gdLst/>
+            <a:ahLst/>
+            <a:cxnLst/>
+            <a:rect l="l" t="t" r="r" b="b"/>
+            <a:pathLst>
+              <a:path w="1687195" h="676910">
+                <a:moveTo>
+                  <a:pt x="0" y="547989"/>
+                </a:moveTo>
+                <a:lnTo>
+                  <a:pt x="0" y="128658"/>
+                </a:lnTo>
+                <a:lnTo>
+                  <a:pt x="0" y="120210"/>
+                </a:lnTo>
+                <a:lnTo>
+                  <a:pt x="824" y="111843"/>
+                </a:lnTo>
+                <a:lnTo>
+                  <a:pt x="2472" y="103558"/>
+                </a:lnTo>
+                <a:lnTo>
+                  <a:pt x="4120" y="95272"/>
+                </a:lnTo>
+                <a:lnTo>
+                  <a:pt x="6560" y="87227"/>
+                </a:lnTo>
+                <a:lnTo>
+                  <a:pt x="9793" y="79422"/>
+                </a:lnTo>
+                <a:lnTo>
+                  <a:pt x="13026" y="71618"/>
+                </a:lnTo>
+                <a:lnTo>
+                  <a:pt x="37682" y="37683"/>
+                </a:lnTo>
+                <a:lnTo>
+                  <a:pt x="43656" y="31709"/>
+                </a:lnTo>
+                <a:lnTo>
+                  <a:pt x="50154" y="26376"/>
+                </a:lnTo>
+                <a:lnTo>
+                  <a:pt x="57179" y="21682"/>
+                </a:lnTo>
+                <a:lnTo>
+                  <a:pt x="64202" y="16989"/>
+                </a:lnTo>
+                <a:lnTo>
+                  <a:pt x="71617" y="13026"/>
+                </a:lnTo>
+                <a:lnTo>
+                  <a:pt x="79422" y="9793"/>
+                </a:lnTo>
+                <a:lnTo>
+                  <a:pt x="87227" y="6560"/>
+                </a:lnTo>
+                <a:lnTo>
+                  <a:pt x="95272" y="4120"/>
+                </a:lnTo>
+                <a:lnTo>
+                  <a:pt x="103558" y="2472"/>
+                </a:lnTo>
+                <a:lnTo>
+                  <a:pt x="111843" y="824"/>
+                </a:lnTo>
+                <a:lnTo>
+                  <a:pt x="120210" y="0"/>
+                </a:lnTo>
+                <a:lnTo>
+                  <a:pt x="128658" y="0"/>
+                </a:lnTo>
+                <a:lnTo>
+                  <a:pt x="1558196" y="0"/>
+                </a:lnTo>
+                <a:lnTo>
+                  <a:pt x="1566643" y="0"/>
+                </a:lnTo>
+                <a:lnTo>
+                  <a:pt x="1575010" y="824"/>
+                </a:lnTo>
+                <a:lnTo>
+                  <a:pt x="1583294" y="2472"/>
+                </a:lnTo>
+                <a:lnTo>
+                  <a:pt x="1591579" y="4120"/>
+                </a:lnTo>
+                <a:lnTo>
+                  <a:pt x="1599624" y="6560"/>
+                </a:lnTo>
+                <a:lnTo>
+                  <a:pt x="1607429" y="9793"/>
+                </a:lnTo>
+                <a:lnTo>
+                  <a:pt x="1615234" y="13026"/>
+                </a:lnTo>
+                <a:lnTo>
+                  <a:pt x="1649170" y="37683"/>
+                </a:lnTo>
+                <a:lnTo>
+                  <a:pt x="1673825" y="71618"/>
+                </a:lnTo>
+                <a:lnTo>
+                  <a:pt x="1686029" y="111843"/>
+                </a:lnTo>
+                <a:lnTo>
+                  <a:pt x="1686854" y="120210"/>
+                </a:lnTo>
+                <a:lnTo>
+                  <a:pt x="1686854" y="128658"/>
+                </a:lnTo>
+                <a:lnTo>
+                  <a:pt x="1686854" y="547989"/>
+                </a:lnTo>
+                <a:lnTo>
+                  <a:pt x="1686854" y="556437"/>
+                </a:lnTo>
+                <a:lnTo>
+                  <a:pt x="1686029" y="564803"/>
+                </a:lnTo>
+                <a:lnTo>
+                  <a:pt x="1673825" y="605029"/>
+                </a:lnTo>
+                <a:lnTo>
+                  <a:pt x="1649170" y="638964"/>
+                </a:lnTo>
+                <a:lnTo>
+                  <a:pt x="1629672" y="654964"/>
+                </a:lnTo>
+                <a:lnTo>
+                  <a:pt x="1622648" y="659657"/>
+                </a:lnTo>
+                <a:lnTo>
+                  <a:pt x="1615234" y="663620"/>
+                </a:lnTo>
+                <a:lnTo>
+                  <a:pt x="1607429" y="666853"/>
+                </a:lnTo>
+                <a:lnTo>
+                  <a:pt x="1599624" y="670086"/>
+                </a:lnTo>
+                <a:lnTo>
+                  <a:pt x="1591579" y="672527"/>
+                </a:lnTo>
+                <a:lnTo>
+                  <a:pt x="1583294" y="674175"/>
+                </a:lnTo>
+                <a:lnTo>
+                  <a:pt x="1575010" y="675823"/>
+                </a:lnTo>
+                <a:lnTo>
+                  <a:pt x="1566643" y="676647"/>
+                </a:lnTo>
+                <a:lnTo>
+                  <a:pt x="1558196" y="676647"/>
+                </a:lnTo>
+                <a:lnTo>
+                  <a:pt x="128658" y="676647"/>
+                </a:lnTo>
+                <a:lnTo>
+                  <a:pt x="120210" y="676647"/>
+                </a:lnTo>
+                <a:lnTo>
+                  <a:pt x="111843" y="675823"/>
+                </a:lnTo>
+                <a:lnTo>
+                  <a:pt x="103558" y="674175"/>
+                </a:lnTo>
+                <a:lnTo>
+                  <a:pt x="95272" y="672527"/>
+                </a:lnTo>
+                <a:lnTo>
+                  <a:pt x="87227" y="670086"/>
+                </a:lnTo>
+                <a:lnTo>
+                  <a:pt x="79422" y="666853"/>
+                </a:lnTo>
+                <a:lnTo>
+                  <a:pt x="71617" y="663620"/>
+                </a:lnTo>
+                <a:lnTo>
+                  <a:pt x="64202" y="659657"/>
+                </a:lnTo>
+                <a:lnTo>
+                  <a:pt x="57179" y="654964"/>
+                </a:lnTo>
+                <a:lnTo>
+                  <a:pt x="50154" y="650271"/>
+                </a:lnTo>
+                <a:lnTo>
+                  <a:pt x="43656" y="644937"/>
+                </a:lnTo>
+                <a:lnTo>
+                  <a:pt x="37682" y="638964"/>
+                </a:lnTo>
+                <a:lnTo>
+                  <a:pt x="31709" y="632990"/>
+                </a:lnTo>
+                <a:lnTo>
+                  <a:pt x="26376" y="626491"/>
+                </a:lnTo>
+                <a:lnTo>
+                  <a:pt x="21682" y="619467"/>
+                </a:lnTo>
+                <a:lnTo>
+                  <a:pt x="16989" y="612443"/>
+                </a:lnTo>
+                <a:lnTo>
+                  <a:pt x="13026" y="605029"/>
+                </a:lnTo>
+                <a:lnTo>
+                  <a:pt x="9793" y="597224"/>
+                </a:lnTo>
+                <a:lnTo>
+                  <a:pt x="6560" y="589419"/>
+                </a:lnTo>
+                <a:lnTo>
+                  <a:pt x="4120" y="581374"/>
+                </a:lnTo>
+                <a:lnTo>
+                  <a:pt x="2472" y="573089"/>
+                </a:lnTo>
+                <a:lnTo>
+                  <a:pt x="824" y="564803"/>
+                </a:lnTo>
+                <a:lnTo>
+                  <a:pt x="0" y="556437"/>
+                </a:lnTo>
+                <a:lnTo>
+                  <a:pt x="0" y="547989"/>
+                </a:lnTo>
+                <a:close/>
+              </a:path>
+            </a:pathLst>
+          </a:custGeom>
+          <a:ln w="28590">
+            <a:solidFill>
+              <a:srgbClr val="DDDDDD"/>
+            </a:solidFill>
+          </a:ln>
+        </p:spPr>
+        <p:txBody>
+          <a:bodyPr wrap="square" lIns="0" tIns="0" rIns="0" bIns="0" rtlCol="0"/>
+          <a:lstStyle/>
+          <a:p/>
+        </p:txBody>
+      </p:sp>
+      <p:sp>
+        <p:nvSpPr>
+          <p:cNvPr id="10" name="object 10"/>
+          <p:cNvSpPr txBox="1">
+            <a:spLocks noGrp="1"/>
+          </p:cNvSpPr>
+          <p:nvPr>
+            <p:ph type="title"/>
+          </p:nvPr>
+        </p:nvSpPr>
+        <p:spPr>
+          <a:prstGeom prst="rect"/>
+        </p:spPr>
+        <p:txBody>
+          <a:bodyPr wrap="square" lIns="0" tIns="12700" rIns="0" bIns="0" rtlCol="0" vert="horz">
+            <a:spAutoFit/>
+          </a:bodyPr>
+          <a:lstStyle/>
+          <a:p>
+            <a:pPr marL="12700">
+              <a:lnSpc>
+                <a:spcPct val="100000"/>
+              </a:lnSpc>
+              <a:spcBef>
+                <a:spcPts val="100"/>
+              </a:spcBef>
+            </a:pPr>
+            <a:r>
+              <a:rPr dirty="0"/>
+              <a:t>0</a:t>
+            </a:r>
+            <a:r>
+              <a:rPr dirty="0" spc="-5"/>
+              <a:t>5:</a:t>
+            </a:r>
+            <a:r>
+              <a:rPr dirty="0"/>
+              <a:t>00</a:t>
+            </a:r>
           </a:p>
         </p:txBody>
       </p:sp>
@@ -27373,562 +27155,6 @@
         </p:nvSpPr>
         <p:spPr>
           <a:xfrm>
-            <a:off x="9409176" y="182880"/>
-            <a:ext cx="1978660" cy="969644"/>
-          </a:xfrm>
-          <a:custGeom>
-            <a:avLst/>
-            <a:gdLst/>
-            <a:ahLst/>
-            <a:cxnLst/>
-            <a:rect l="l" t="t" r="r" b="b"/>
-            <a:pathLst>
-              <a:path w="1978659" h="969644">
-                <a:moveTo>
-                  <a:pt x="1978152" y="969264"/>
-                </a:moveTo>
-                <a:lnTo>
-                  <a:pt x="0" y="969264"/>
-                </a:lnTo>
-                <a:lnTo>
-                  <a:pt x="0" y="0"/>
-                </a:lnTo>
-                <a:lnTo>
-                  <a:pt x="1978152" y="0"/>
-                </a:lnTo>
-                <a:lnTo>
-                  <a:pt x="1978152" y="103027"/>
-                </a:lnTo>
-                <a:lnTo>
-                  <a:pt x="273555" y="103027"/>
-                </a:lnTo>
-                <a:lnTo>
-                  <a:pt x="260411" y="103662"/>
-                </a:lnTo>
-                <a:lnTo>
-                  <a:pt x="222495" y="113183"/>
-                </a:lnTo>
-                <a:lnTo>
-                  <a:pt x="188951" y="133261"/>
-                </a:lnTo>
-                <a:lnTo>
-                  <a:pt x="162595" y="162310"/>
-                </a:lnTo>
-                <a:lnTo>
-                  <a:pt x="145843" y="197777"/>
-                </a:lnTo>
-                <a:lnTo>
-                  <a:pt x="140131" y="236451"/>
-                </a:lnTo>
-                <a:lnTo>
-                  <a:pt x="140131" y="655781"/>
-                </a:lnTo>
-                <a:lnTo>
-                  <a:pt x="145844" y="694454"/>
-                </a:lnTo>
-                <a:lnTo>
-                  <a:pt x="162595" y="729921"/>
-                </a:lnTo>
-                <a:lnTo>
-                  <a:pt x="188951" y="758971"/>
-                </a:lnTo>
-                <a:lnTo>
-                  <a:pt x="222495" y="779048"/>
-                </a:lnTo>
-                <a:lnTo>
-                  <a:pt x="260411" y="788570"/>
-                </a:lnTo>
-                <a:lnTo>
-                  <a:pt x="273555" y="789205"/>
-                </a:lnTo>
-                <a:lnTo>
-                  <a:pt x="1978152" y="789205"/>
-                </a:lnTo>
-                <a:lnTo>
-                  <a:pt x="1978152" y="969264"/>
-                </a:lnTo>
-                <a:close/>
-              </a:path>
-              <a:path w="1978659" h="969644">
-                <a:moveTo>
-                  <a:pt x="1978152" y="789205"/>
-                </a:moveTo>
-                <a:lnTo>
-                  <a:pt x="1703091" y="789205"/>
-                </a:lnTo>
-                <a:lnTo>
-                  <a:pt x="1716234" y="788570"/>
-                </a:lnTo>
-                <a:lnTo>
-                  <a:pt x="1729125" y="786666"/>
-                </a:lnTo>
-                <a:lnTo>
-                  <a:pt x="1766050" y="773432"/>
-                </a:lnTo>
-                <a:lnTo>
-                  <a:pt x="1797436" y="750126"/>
-                </a:lnTo>
-                <a:lnTo>
-                  <a:pt x="1820741" y="718740"/>
-                </a:lnTo>
-                <a:lnTo>
-                  <a:pt x="1833975" y="681816"/>
-                </a:lnTo>
-                <a:lnTo>
-                  <a:pt x="1836515" y="655781"/>
-                </a:lnTo>
-                <a:lnTo>
-                  <a:pt x="1836515" y="236451"/>
-                </a:lnTo>
-                <a:lnTo>
-                  <a:pt x="1830801" y="197777"/>
-                </a:lnTo>
-                <a:lnTo>
-                  <a:pt x="1814049" y="162310"/>
-                </a:lnTo>
-                <a:lnTo>
-                  <a:pt x="1787692" y="133261"/>
-                </a:lnTo>
-                <a:lnTo>
-                  <a:pt x="1754148" y="113183"/>
-                </a:lnTo>
-                <a:lnTo>
-                  <a:pt x="1716234" y="103662"/>
-                </a:lnTo>
-                <a:lnTo>
-                  <a:pt x="1703091" y="103027"/>
-                </a:lnTo>
-                <a:lnTo>
-                  <a:pt x="1978152" y="103027"/>
-                </a:lnTo>
-                <a:lnTo>
-                  <a:pt x="1978152" y="789205"/>
-                </a:lnTo>
-                <a:close/>
-              </a:path>
-            </a:pathLst>
-          </a:custGeom>
-          <a:solidFill>
-            <a:srgbClr val="323232">
-              <a:alpha val="39999"/>
-            </a:srgbClr>
-          </a:solidFill>
-        </p:spPr>
-        <p:txBody>
-          <a:bodyPr wrap="square" lIns="0" tIns="0" rIns="0" bIns="0" rtlCol="0"/>
-          <a:lstStyle/>
-          <a:p/>
-        </p:txBody>
-      </p:sp>
-      <p:sp>
-        <p:nvSpPr>
-          <p:cNvPr id="6" name="object 6"/>
-          <p:cNvSpPr/>
-          <p:nvPr/>
-        </p:nvSpPr>
-        <p:spPr>
-          <a:xfrm>
-            <a:off x="9554071" y="290672"/>
-            <a:ext cx="1687195" cy="676910"/>
-          </a:xfrm>
-          <a:custGeom>
-            <a:avLst/>
-            <a:gdLst/>
-            <a:ahLst/>
-            <a:cxnLst/>
-            <a:rect l="l" t="t" r="r" b="b"/>
-            <a:pathLst>
-              <a:path w="1687195" h="676910">
-                <a:moveTo>
-                  <a:pt x="1566643" y="676647"/>
-                </a:moveTo>
-                <a:lnTo>
-                  <a:pt x="120210" y="676647"/>
-                </a:lnTo>
-                <a:lnTo>
-                  <a:pt x="111843" y="675823"/>
-                </a:lnTo>
-                <a:lnTo>
-                  <a:pt x="71617" y="663620"/>
-                </a:lnTo>
-                <a:lnTo>
-                  <a:pt x="31709" y="632990"/>
-                </a:lnTo>
-                <a:lnTo>
-                  <a:pt x="6560" y="589419"/>
-                </a:lnTo>
-                <a:lnTo>
-                  <a:pt x="0" y="556437"/>
-                </a:lnTo>
-                <a:lnTo>
-                  <a:pt x="0" y="120210"/>
-                </a:lnTo>
-                <a:lnTo>
-                  <a:pt x="13026" y="71618"/>
-                </a:lnTo>
-                <a:lnTo>
-                  <a:pt x="43656" y="31709"/>
-                </a:lnTo>
-                <a:lnTo>
-                  <a:pt x="87227" y="6560"/>
-                </a:lnTo>
-                <a:lnTo>
-                  <a:pt x="120210" y="0"/>
-                </a:lnTo>
-                <a:lnTo>
-                  <a:pt x="1566643" y="0"/>
-                </a:lnTo>
-                <a:lnTo>
-                  <a:pt x="1615234" y="13026"/>
-                </a:lnTo>
-                <a:lnTo>
-                  <a:pt x="1655143" y="43656"/>
-                </a:lnTo>
-                <a:lnTo>
-                  <a:pt x="1680291" y="87227"/>
-                </a:lnTo>
-                <a:lnTo>
-                  <a:pt x="1686854" y="120210"/>
-                </a:lnTo>
-                <a:lnTo>
-                  <a:pt x="1686854" y="556437"/>
-                </a:lnTo>
-                <a:lnTo>
-                  <a:pt x="1673825" y="605029"/>
-                </a:lnTo>
-                <a:lnTo>
-                  <a:pt x="1643196" y="644937"/>
-                </a:lnTo>
-                <a:lnTo>
-                  <a:pt x="1599624" y="670086"/>
-                </a:lnTo>
-                <a:lnTo>
-                  <a:pt x="1566643" y="676647"/>
-                </a:lnTo>
-                <a:close/>
-              </a:path>
-            </a:pathLst>
-          </a:custGeom>
-          <a:solidFill>
-            <a:srgbClr val="FFFFFF"/>
-          </a:solidFill>
-        </p:spPr>
-        <p:txBody>
-          <a:bodyPr wrap="square" lIns="0" tIns="0" rIns="0" bIns="0" rtlCol="0"/>
-          <a:lstStyle/>
-          <a:p/>
-        </p:txBody>
-      </p:sp>
-      <p:sp>
-        <p:nvSpPr>
-          <p:cNvPr id="7" name="object 7"/>
-          <p:cNvSpPr/>
-          <p:nvPr/>
-        </p:nvSpPr>
-        <p:spPr>
-          <a:xfrm>
-            <a:off x="9554072" y="290672"/>
-            <a:ext cx="1687195" cy="676910"/>
-          </a:xfrm>
-          <a:custGeom>
-            <a:avLst/>
-            <a:gdLst/>
-            <a:ahLst/>
-            <a:cxnLst/>
-            <a:rect l="l" t="t" r="r" b="b"/>
-            <a:pathLst>
-              <a:path w="1687195" h="676910">
-                <a:moveTo>
-                  <a:pt x="0" y="547989"/>
-                </a:moveTo>
-                <a:lnTo>
-                  <a:pt x="0" y="128658"/>
-                </a:lnTo>
-                <a:lnTo>
-                  <a:pt x="0" y="120210"/>
-                </a:lnTo>
-                <a:lnTo>
-                  <a:pt x="824" y="111843"/>
-                </a:lnTo>
-                <a:lnTo>
-                  <a:pt x="2472" y="103558"/>
-                </a:lnTo>
-                <a:lnTo>
-                  <a:pt x="4120" y="95272"/>
-                </a:lnTo>
-                <a:lnTo>
-                  <a:pt x="6560" y="87227"/>
-                </a:lnTo>
-                <a:lnTo>
-                  <a:pt x="9793" y="79422"/>
-                </a:lnTo>
-                <a:lnTo>
-                  <a:pt x="13026" y="71618"/>
-                </a:lnTo>
-                <a:lnTo>
-                  <a:pt x="37682" y="37683"/>
-                </a:lnTo>
-                <a:lnTo>
-                  <a:pt x="43656" y="31709"/>
-                </a:lnTo>
-                <a:lnTo>
-                  <a:pt x="50154" y="26376"/>
-                </a:lnTo>
-                <a:lnTo>
-                  <a:pt x="57179" y="21682"/>
-                </a:lnTo>
-                <a:lnTo>
-                  <a:pt x="64202" y="16989"/>
-                </a:lnTo>
-                <a:lnTo>
-                  <a:pt x="71617" y="13026"/>
-                </a:lnTo>
-                <a:lnTo>
-                  <a:pt x="79422" y="9793"/>
-                </a:lnTo>
-                <a:lnTo>
-                  <a:pt x="87227" y="6560"/>
-                </a:lnTo>
-                <a:lnTo>
-                  <a:pt x="95272" y="4120"/>
-                </a:lnTo>
-                <a:lnTo>
-                  <a:pt x="103558" y="2472"/>
-                </a:lnTo>
-                <a:lnTo>
-                  <a:pt x="111843" y="824"/>
-                </a:lnTo>
-                <a:lnTo>
-                  <a:pt x="120210" y="0"/>
-                </a:lnTo>
-                <a:lnTo>
-                  <a:pt x="128658" y="0"/>
-                </a:lnTo>
-                <a:lnTo>
-                  <a:pt x="1558196" y="0"/>
-                </a:lnTo>
-                <a:lnTo>
-                  <a:pt x="1566643" y="0"/>
-                </a:lnTo>
-                <a:lnTo>
-                  <a:pt x="1575010" y="824"/>
-                </a:lnTo>
-                <a:lnTo>
-                  <a:pt x="1583294" y="2472"/>
-                </a:lnTo>
-                <a:lnTo>
-                  <a:pt x="1591579" y="4120"/>
-                </a:lnTo>
-                <a:lnTo>
-                  <a:pt x="1599624" y="6560"/>
-                </a:lnTo>
-                <a:lnTo>
-                  <a:pt x="1607429" y="9793"/>
-                </a:lnTo>
-                <a:lnTo>
-                  <a:pt x="1615234" y="13026"/>
-                </a:lnTo>
-                <a:lnTo>
-                  <a:pt x="1649170" y="37683"/>
-                </a:lnTo>
-                <a:lnTo>
-                  <a:pt x="1673825" y="71618"/>
-                </a:lnTo>
-                <a:lnTo>
-                  <a:pt x="1686029" y="111843"/>
-                </a:lnTo>
-                <a:lnTo>
-                  <a:pt x="1686854" y="120210"/>
-                </a:lnTo>
-                <a:lnTo>
-                  <a:pt x="1686854" y="128658"/>
-                </a:lnTo>
-                <a:lnTo>
-                  <a:pt x="1686854" y="547989"/>
-                </a:lnTo>
-                <a:lnTo>
-                  <a:pt x="1686854" y="556437"/>
-                </a:lnTo>
-                <a:lnTo>
-                  <a:pt x="1686029" y="564803"/>
-                </a:lnTo>
-                <a:lnTo>
-                  <a:pt x="1673825" y="605029"/>
-                </a:lnTo>
-                <a:lnTo>
-                  <a:pt x="1649170" y="638964"/>
-                </a:lnTo>
-                <a:lnTo>
-                  <a:pt x="1629672" y="654964"/>
-                </a:lnTo>
-                <a:lnTo>
-                  <a:pt x="1622648" y="659657"/>
-                </a:lnTo>
-                <a:lnTo>
-                  <a:pt x="1615234" y="663620"/>
-                </a:lnTo>
-                <a:lnTo>
-                  <a:pt x="1607429" y="666853"/>
-                </a:lnTo>
-                <a:lnTo>
-                  <a:pt x="1599624" y="670086"/>
-                </a:lnTo>
-                <a:lnTo>
-                  <a:pt x="1591579" y="672527"/>
-                </a:lnTo>
-                <a:lnTo>
-                  <a:pt x="1583294" y="674175"/>
-                </a:lnTo>
-                <a:lnTo>
-                  <a:pt x="1575010" y="675823"/>
-                </a:lnTo>
-                <a:lnTo>
-                  <a:pt x="1566643" y="676647"/>
-                </a:lnTo>
-                <a:lnTo>
-                  <a:pt x="1558196" y="676647"/>
-                </a:lnTo>
-                <a:lnTo>
-                  <a:pt x="128658" y="676647"/>
-                </a:lnTo>
-                <a:lnTo>
-                  <a:pt x="120210" y="676647"/>
-                </a:lnTo>
-                <a:lnTo>
-                  <a:pt x="111843" y="675823"/>
-                </a:lnTo>
-                <a:lnTo>
-                  <a:pt x="103558" y="674175"/>
-                </a:lnTo>
-                <a:lnTo>
-                  <a:pt x="95272" y="672527"/>
-                </a:lnTo>
-                <a:lnTo>
-                  <a:pt x="87227" y="670086"/>
-                </a:lnTo>
-                <a:lnTo>
-                  <a:pt x="79422" y="666853"/>
-                </a:lnTo>
-                <a:lnTo>
-                  <a:pt x="71617" y="663620"/>
-                </a:lnTo>
-                <a:lnTo>
-                  <a:pt x="64202" y="659657"/>
-                </a:lnTo>
-                <a:lnTo>
-                  <a:pt x="57179" y="654964"/>
-                </a:lnTo>
-                <a:lnTo>
-                  <a:pt x="50154" y="650271"/>
-                </a:lnTo>
-                <a:lnTo>
-                  <a:pt x="43656" y="644937"/>
-                </a:lnTo>
-                <a:lnTo>
-                  <a:pt x="37682" y="638964"/>
-                </a:lnTo>
-                <a:lnTo>
-                  <a:pt x="31709" y="632990"/>
-                </a:lnTo>
-                <a:lnTo>
-                  <a:pt x="26376" y="626491"/>
-                </a:lnTo>
-                <a:lnTo>
-                  <a:pt x="21682" y="619467"/>
-                </a:lnTo>
-                <a:lnTo>
-                  <a:pt x="16989" y="612443"/>
-                </a:lnTo>
-                <a:lnTo>
-                  <a:pt x="13026" y="605029"/>
-                </a:lnTo>
-                <a:lnTo>
-                  <a:pt x="9793" y="597224"/>
-                </a:lnTo>
-                <a:lnTo>
-                  <a:pt x="6560" y="589419"/>
-                </a:lnTo>
-                <a:lnTo>
-                  <a:pt x="4120" y="581374"/>
-                </a:lnTo>
-                <a:lnTo>
-                  <a:pt x="2472" y="573089"/>
-                </a:lnTo>
-                <a:lnTo>
-                  <a:pt x="824" y="564803"/>
-                </a:lnTo>
-                <a:lnTo>
-                  <a:pt x="0" y="556437"/>
-                </a:lnTo>
-                <a:lnTo>
-                  <a:pt x="0" y="547989"/>
-                </a:lnTo>
-                <a:close/>
-              </a:path>
-            </a:pathLst>
-          </a:custGeom>
-          <a:ln w="28590">
-            <a:solidFill>
-              <a:srgbClr val="DDDDDD"/>
-            </a:solidFill>
-          </a:ln>
-        </p:spPr>
-        <p:txBody>
-          <a:bodyPr wrap="square" lIns="0" tIns="0" rIns="0" bIns="0" rtlCol="0"/>
-          <a:lstStyle/>
-          <a:p/>
-        </p:txBody>
-      </p:sp>
-      <p:sp>
-        <p:nvSpPr>
-          <p:cNvPr id="8" name="object 8"/>
-          <p:cNvSpPr txBox="1">
-            <a:spLocks noGrp="1"/>
-          </p:cNvSpPr>
-          <p:nvPr>
-            <p:ph type="title"/>
-          </p:nvPr>
-        </p:nvSpPr>
-        <p:spPr>
-          <a:prstGeom prst="rect"/>
-        </p:spPr>
-        <p:txBody>
-          <a:bodyPr wrap="square" lIns="0" tIns="12700" rIns="0" bIns="0" rtlCol="0" vert="horz">
-            <a:spAutoFit/>
-          </a:bodyPr>
-          <a:lstStyle/>
-          <a:p>
-            <a:pPr marL="12700">
-              <a:lnSpc>
-                <a:spcPct val="100000"/>
-              </a:lnSpc>
-              <a:spcBef>
-                <a:spcPts val="100"/>
-              </a:spcBef>
-            </a:pPr>
-            <a:r>
-              <a:rPr dirty="0"/>
-              <a:t>0</a:t>
-            </a:r>
-            <a:r>
-              <a:rPr dirty="0" spc="-5"/>
-              <a:t>5:</a:t>
-            </a:r>
-            <a:r>
-              <a:rPr dirty="0"/>
-              <a:t>00</a:t>
-            </a:r>
-          </a:p>
-        </p:txBody>
-      </p:sp>
-      <p:sp>
-        <p:nvSpPr>
-          <p:cNvPr id="9" name="object 9"/>
-          <p:cNvSpPr/>
-          <p:nvPr/>
-        </p:nvSpPr>
-        <p:spPr>
-          <a:xfrm>
             <a:off x="914903" y="3488070"/>
             <a:ext cx="9702165" cy="0"/>
           </a:xfrm>
@@ -27963,7 +27189,7 @@
       </p:sp>
       <p:sp>
         <p:nvSpPr>
-          <p:cNvPr id="10" name="object 10"/>
+          <p:cNvPr id="6" name="object 6"/>
           <p:cNvSpPr/>
           <p:nvPr/>
         </p:nvSpPr>
@@ -28003,7 +27229,7 @@
       </p:sp>
       <p:sp>
         <p:nvSpPr>
-          <p:cNvPr id="11" name="object 11"/>
+          <p:cNvPr id="7" name="object 7"/>
           <p:cNvSpPr/>
           <p:nvPr/>
         </p:nvSpPr>
@@ -28043,7 +27269,7 @@
       </p:sp>
       <p:sp>
         <p:nvSpPr>
-          <p:cNvPr id="12" name="object 12"/>
+          <p:cNvPr id="8" name="object 8"/>
           <p:cNvSpPr txBox="1"/>
           <p:nvPr/>
         </p:nvSpPr>
@@ -28506,6 +27732,562 @@
               <a:latin typeface="Roboto"/>
               <a:cs typeface="Roboto"/>
             </a:endParaRPr>
+          </a:p>
+        </p:txBody>
+      </p:sp>
+      <p:sp>
+        <p:nvSpPr>
+          <p:cNvPr id="9" name="object 9"/>
+          <p:cNvSpPr/>
+          <p:nvPr/>
+        </p:nvSpPr>
+        <p:spPr>
+          <a:xfrm>
+            <a:off x="9409176" y="182880"/>
+            <a:ext cx="1978660" cy="969644"/>
+          </a:xfrm>
+          <a:custGeom>
+            <a:avLst/>
+            <a:gdLst/>
+            <a:ahLst/>
+            <a:cxnLst/>
+            <a:rect l="l" t="t" r="r" b="b"/>
+            <a:pathLst>
+              <a:path w="1978659" h="969644">
+                <a:moveTo>
+                  <a:pt x="1978152" y="969264"/>
+                </a:moveTo>
+                <a:lnTo>
+                  <a:pt x="0" y="969264"/>
+                </a:lnTo>
+                <a:lnTo>
+                  <a:pt x="0" y="0"/>
+                </a:lnTo>
+                <a:lnTo>
+                  <a:pt x="1978152" y="0"/>
+                </a:lnTo>
+                <a:lnTo>
+                  <a:pt x="1978152" y="103027"/>
+                </a:lnTo>
+                <a:lnTo>
+                  <a:pt x="273555" y="103027"/>
+                </a:lnTo>
+                <a:lnTo>
+                  <a:pt x="260411" y="103662"/>
+                </a:lnTo>
+                <a:lnTo>
+                  <a:pt x="222495" y="113183"/>
+                </a:lnTo>
+                <a:lnTo>
+                  <a:pt x="188951" y="133261"/>
+                </a:lnTo>
+                <a:lnTo>
+                  <a:pt x="162595" y="162310"/>
+                </a:lnTo>
+                <a:lnTo>
+                  <a:pt x="145843" y="197777"/>
+                </a:lnTo>
+                <a:lnTo>
+                  <a:pt x="140131" y="236451"/>
+                </a:lnTo>
+                <a:lnTo>
+                  <a:pt x="140131" y="655781"/>
+                </a:lnTo>
+                <a:lnTo>
+                  <a:pt x="145844" y="694454"/>
+                </a:lnTo>
+                <a:lnTo>
+                  <a:pt x="162595" y="729921"/>
+                </a:lnTo>
+                <a:lnTo>
+                  <a:pt x="188951" y="758971"/>
+                </a:lnTo>
+                <a:lnTo>
+                  <a:pt x="222495" y="779048"/>
+                </a:lnTo>
+                <a:lnTo>
+                  <a:pt x="260411" y="788570"/>
+                </a:lnTo>
+                <a:lnTo>
+                  <a:pt x="273555" y="789205"/>
+                </a:lnTo>
+                <a:lnTo>
+                  <a:pt x="1978152" y="789205"/>
+                </a:lnTo>
+                <a:lnTo>
+                  <a:pt x="1978152" y="969264"/>
+                </a:lnTo>
+                <a:close/>
+              </a:path>
+              <a:path w="1978659" h="969644">
+                <a:moveTo>
+                  <a:pt x="1978152" y="789205"/>
+                </a:moveTo>
+                <a:lnTo>
+                  <a:pt x="1703091" y="789205"/>
+                </a:lnTo>
+                <a:lnTo>
+                  <a:pt x="1716234" y="788570"/>
+                </a:lnTo>
+                <a:lnTo>
+                  <a:pt x="1729125" y="786666"/>
+                </a:lnTo>
+                <a:lnTo>
+                  <a:pt x="1766050" y="773432"/>
+                </a:lnTo>
+                <a:lnTo>
+                  <a:pt x="1797436" y="750126"/>
+                </a:lnTo>
+                <a:lnTo>
+                  <a:pt x="1820741" y="718740"/>
+                </a:lnTo>
+                <a:lnTo>
+                  <a:pt x="1833975" y="681816"/>
+                </a:lnTo>
+                <a:lnTo>
+                  <a:pt x="1836515" y="655781"/>
+                </a:lnTo>
+                <a:lnTo>
+                  <a:pt x="1836515" y="236451"/>
+                </a:lnTo>
+                <a:lnTo>
+                  <a:pt x="1830801" y="197777"/>
+                </a:lnTo>
+                <a:lnTo>
+                  <a:pt x="1814049" y="162310"/>
+                </a:lnTo>
+                <a:lnTo>
+                  <a:pt x="1787692" y="133261"/>
+                </a:lnTo>
+                <a:lnTo>
+                  <a:pt x="1754148" y="113183"/>
+                </a:lnTo>
+                <a:lnTo>
+                  <a:pt x="1716234" y="103662"/>
+                </a:lnTo>
+                <a:lnTo>
+                  <a:pt x="1703091" y="103027"/>
+                </a:lnTo>
+                <a:lnTo>
+                  <a:pt x="1978152" y="103027"/>
+                </a:lnTo>
+                <a:lnTo>
+                  <a:pt x="1978152" y="789205"/>
+                </a:lnTo>
+                <a:close/>
+              </a:path>
+            </a:pathLst>
+          </a:custGeom>
+          <a:solidFill>
+            <a:srgbClr val="323232">
+              <a:alpha val="39999"/>
+            </a:srgbClr>
+          </a:solidFill>
+        </p:spPr>
+        <p:txBody>
+          <a:bodyPr wrap="square" lIns="0" tIns="0" rIns="0" bIns="0" rtlCol="0"/>
+          <a:lstStyle/>
+          <a:p/>
+        </p:txBody>
+      </p:sp>
+      <p:sp>
+        <p:nvSpPr>
+          <p:cNvPr id="10" name="object 10"/>
+          <p:cNvSpPr/>
+          <p:nvPr/>
+        </p:nvSpPr>
+        <p:spPr>
+          <a:xfrm>
+            <a:off x="9554071" y="290672"/>
+            <a:ext cx="1687195" cy="676910"/>
+          </a:xfrm>
+          <a:custGeom>
+            <a:avLst/>
+            <a:gdLst/>
+            <a:ahLst/>
+            <a:cxnLst/>
+            <a:rect l="l" t="t" r="r" b="b"/>
+            <a:pathLst>
+              <a:path w="1687195" h="676910">
+                <a:moveTo>
+                  <a:pt x="1566643" y="676647"/>
+                </a:moveTo>
+                <a:lnTo>
+                  <a:pt x="120210" y="676647"/>
+                </a:lnTo>
+                <a:lnTo>
+                  <a:pt x="111843" y="675823"/>
+                </a:lnTo>
+                <a:lnTo>
+                  <a:pt x="71617" y="663620"/>
+                </a:lnTo>
+                <a:lnTo>
+                  <a:pt x="31709" y="632990"/>
+                </a:lnTo>
+                <a:lnTo>
+                  <a:pt x="6560" y="589419"/>
+                </a:lnTo>
+                <a:lnTo>
+                  <a:pt x="0" y="556437"/>
+                </a:lnTo>
+                <a:lnTo>
+                  <a:pt x="0" y="120210"/>
+                </a:lnTo>
+                <a:lnTo>
+                  <a:pt x="13026" y="71618"/>
+                </a:lnTo>
+                <a:lnTo>
+                  <a:pt x="43656" y="31709"/>
+                </a:lnTo>
+                <a:lnTo>
+                  <a:pt x="87227" y="6560"/>
+                </a:lnTo>
+                <a:lnTo>
+                  <a:pt x="120210" y="0"/>
+                </a:lnTo>
+                <a:lnTo>
+                  <a:pt x="1566643" y="0"/>
+                </a:lnTo>
+                <a:lnTo>
+                  <a:pt x="1615234" y="13026"/>
+                </a:lnTo>
+                <a:lnTo>
+                  <a:pt x="1655143" y="43656"/>
+                </a:lnTo>
+                <a:lnTo>
+                  <a:pt x="1680291" y="87227"/>
+                </a:lnTo>
+                <a:lnTo>
+                  <a:pt x="1686854" y="120210"/>
+                </a:lnTo>
+                <a:lnTo>
+                  <a:pt x="1686854" y="556437"/>
+                </a:lnTo>
+                <a:lnTo>
+                  <a:pt x="1673825" y="605029"/>
+                </a:lnTo>
+                <a:lnTo>
+                  <a:pt x="1643196" y="644937"/>
+                </a:lnTo>
+                <a:lnTo>
+                  <a:pt x="1599624" y="670086"/>
+                </a:lnTo>
+                <a:lnTo>
+                  <a:pt x="1566643" y="676647"/>
+                </a:lnTo>
+                <a:close/>
+              </a:path>
+            </a:pathLst>
+          </a:custGeom>
+          <a:solidFill>
+            <a:srgbClr val="FFFFFF"/>
+          </a:solidFill>
+        </p:spPr>
+        <p:txBody>
+          <a:bodyPr wrap="square" lIns="0" tIns="0" rIns="0" bIns="0" rtlCol="0"/>
+          <a:lstStyle/>
+          <a:p/>
+        </p:txBody>
+      </p:sp>
+      <p:sp>
+        <p:nvSpPr>
+          <p:cNvPr id="11" name="object 11"/>
+          <p:cNvSpPr/>
+          <p:nvPr/>
+        </p:nvSpPr>
+        <p:spPr>
+          <a:xfrm>
+            <a:off x="9554072" y="290672"/>
+            <a:ext cx="1687195" cy="676910"/>
+          </a:xfrm>
+          <a:custGeom>
+            <a:avLst/>
+            <a:gdLst/>
+            <a:ahLst/>
+            <a:cxnLst/>
+            <a:rect l="l" t="t" r="r" b="b"/>
+            <a:pathLst>
+              <a:path w="1687195" h="676910">
+                <a:moveTo>
+                  <a:pt x="0" y="547989"/>
+                </a:moveTo>
+                <a:lnTo>
+                  <a:pt x="0" y="128658"/>
+                </a:lnTo>
+                <a:lnTo>
+                  <a:pt x="0" y="120210"/>
+                </a:lnTo>
+                <a:lnTo>
+                  <a:pt x="824" y="111843"/>
+                </a:lnTo>
+                <a:lnTo>
+                  <a:pt x="2472" y="103558"/>
+                </a:lnTo>
+                <a:lnTo>
+                  <a:pt x="4120" y="95272"/>
+                </a:lnTo>
+                <a:lnTo>
+                  <a:pt x="6560" y="87227"/>
+                </a:lnTo>
+                <a:lnTo>
+                  <a:pt x="9793" y="79422"/>
+                </a:lnTo>
+                <a:lnTo>
+                  <a:pt x="13026" y="71618"/>
+                </a:lnTo>
+                <a:lnTo>
+                  <a:pt x="37682" y="37683"/>
+                </a:lnTo>
+                <a:lnTo>
+                  <a:pt x="43656" y="31709"/>
+                </a:lnTo>
+                <a:lnTo>
+                  <a:pt x="50154" y="26376"/>
+                </a:lnTo>
+                <a:lnTo>
+                  <a:pt x="57179" y="21682"/>
+                </a:lnTo>
+                <a:lnTo>
+                  <a:pt x="64202" y="16989"/>
+                </a:lnTo>
+                <a:lnTo>
+                  <a:pt x="71617" y="13026"/>
+                </a:lnTo>
+                <a:lnTo>
+                  <a:pt x="79422" y="9793"/>
+                </a:lnTo>
+                <a:lnTo>
+                  <a:pt x="87227" y="6560"/>
+                </a:lnTo>
+                <a:lnTo>
+                  <a:pt x="95272" y="4120"/>
+                </a:lnTo>
+                <a:lnTo>
+                  <a:pt x="103558" y="2472"/>
+                </a:lnTo>
+                <a:lnTo>
+                  <a:pt x="111843" y="824"/>
+                </a:lnTo>
+                <a:lnTo>
+                  <a:pt x="120210" y="0"/>
+                </a:lnTo>
+                <a:lnTo>
+                  <a:pt x="128658" y="0"/>
+                </a:lnTo>
+                <a:lnTo>
+                  <a:pt x="1558196" y="0"/>
+                </a:lnTo>
+                <a:lnTo>
+                  <a:pt x="1566643" y="0"/>
+                </a:lnTo>
+                <a:lnTo>
+                  <a:pt x="1575010" y="824"/>
+                </a:lnTo>
+                <a:lnTo>
+                  <a:pt x="1583294" y="2472"/>
+                </a:lnTo>
+                <a:lnTo>
+                  <a:pt x="1591579" y="4120"/>
+                </a:lnTo>
+                <a:lnTo>
+                  <a:pt x="1599624" y="6560"/>
+                </a:lnTo>
+                <a:lnTo>
+                  <a:pt x="1607429" y="9793"/>
+                </a:lnTo>
+                <a:lnTo>
+                  <a:pt x="1615234" y="13026"/>
+                </a:lnTo>
+                <a:lnTo>
+                  <a:pt x="1649170" y="37683"/>
+                </a:lnTo>
+                <a:lnTo>
+                  <a:pt x="1673825" y="71618"/>
+                </a:lnTo>
+                <a:lnTo>
+                  <a:pt x="1686029" y="111843"/>
+                </a:lnTo>
+                <a:lnTo>
+                  <a:pt x="1686854" y="120210"/>
+                </a:lnTo>
+                <a:lnTo>
+                  <a:pt x="1686854" y="128658"/>
+                </a:lnTo>
+                <a:lnTo>
+                  <a:pt x="1686854" y="547989"/>
+                </a:lnTo>
+                <a:lnTo>
+                  <a:pt x="1686854" y="556437"/>
+                </a:lnTo>
+                <a:lnTo>
+                  <a:pt x="1686029" y="564803"/>
+                </a:lnTo>
+                <a:lnTo>
+                  <a:pt x="1673825" y="605029"/>
+                </a:lnTo>
+                <a:lnTo>
+                  <a:pt x="1649170" y="638964"/>
+                </a:lnTo>
+                <a:lnTo>
+                  <a:pt x="1629672" y="654964"/>
+                </a:lnTo>
+                <a:lnTo>
+                  <a:pt x="1622648" y="659657"/>
+                </a:lnTo>
+                <a:lnTo>
+                  <a:pt x="1615234" y="663620"/>
+                </a:lnTo>
+                <a:lnTo>
+                  <a:pt x="1607429" y="666853"/>
+                </a:lnTo>
+                <a:lnTo>
+                  <a:pt x="1599624" y="670086"/>
+                </a:lnTo>
+                <a:lnTo>
+                  <a:pt x="1591579" y="672527"/>
+                </a:lnTo>
+                <a:lnTo>
+                  <a:pt x="1583294" y="674175"/>
+                </a:lnTo>
+                <a:lnTo>
+                  <a:pt x="1575010" y="675823"/>
+                </a:lnTo>
+                <a:lnTo>
+                  <a:pt x="1566643" y="676647"/>
+                </a:lnTo>
+                <a:lnTo>
+                  <a:pt x="1558196" y="676647"/>
+                </a:lnTo>
+                <a:lnTo>
+                  <a:pt x="128658" y="676647"/>
+                </a:lnTo>
+                <a:lnTo>
+                  <a:pt x="120210" y="676647"/>
+                </a:lnTo>
+                <a:lnTo>
+                  <a:pt x="111843" y="675823"/>
+                </a:lnTo>
+                <a:lnTo>
+                  <a:pt x="103558" y="674175"/>
+                </a:lnTo>
+                <a:lnTo>
+                  <a:pt x="95272" y="672527"/>
+                </a:lnTo>
+                <a:lnTo>
+                  <a:pt x="87227" y="670086"/>
+                </a:lnTo>
+                <a:lnTo>
+                  <a:pt x="79422" y="666853"/>
+                </a:lnTo>
+                <a:lnTo>
+                  <a:pt x="71617" y="663620"/>
+                </a:lnTo>
+                <a:lnTo>
+                  <a:pt x="64202" y="659657"/>
+                </a:lnTo>
+                <a:lnTo>
+                  <a:pt x="57179" y="654964"/>
+                </a:lnTo>
+                <a:lnTo>
+                  <a:pt x="50154" y="650271"/>
+                </a:lnTo>
+                <a:lnTo>
+                  <a:pt x="43656" y="644937"/>
+                </a:lnTo>
+                <a:lnTo>
+                  <a:pt x="37682" y="638964"/>
+                </a:lnTo>
+                <a:lnTo>
+                  <a:pt x="31709" y="632990"/>
+                </a:lnTo>
+                <a:lnTo>
+                  <a:pt x="26376" y="626491"/>
+                </a:lnTo>
+                <a:lnTo>
+                  <a:pt x="21682" y="619467"/>
+                </a:lnTo>
+                <a:lnTo>
+                  <a:pt x="16989" y="612443"/>
+                </a:lnTo>
+                <a:lnTo>
+                  <a:pt x="13026" y="605029"/>
+                </a:lnTo>
+                <a:lnTo>
+                  <a:pt x="9793" y="597224"/>
+                </a:lnTo>
+                <a:lnTo>
+                  <a:pt x="6560" y="589419"/>
+                </a:lnTo>
+                <a:lnTo>
+                  <a:pt x="4120" y="581374"/>
+                </a:lnTo>
+                <a:lnTo>
+                  <a:pt x="2472" y="573089"/>
+                </a:lnTo>
+                <a:lnTo>
+                  <a:pt x="824" y="564803"/>
+                </a:lnTo>
+                <a:lnTo>
+                  <a:pt x="0" y="556437"/>
+                </a:lnTo>
+                <a:lnTo>
+                  <a:pt x="0" y="547989"/>
+                </a:lnTo>
+                <a:close/>
+              </a:path>
+            </a:pathLst>
+          </a:custGeom>
+          <a:ln w="28590">
+            <a:solidFill>
+              <a:srgbClr val="DDDDDD"/>
+            </a:solidFill>
+          </a:ln>
+        </p:spPr>
+        <p:txBody>
+          <a:bodyPr wrap="square" lIns="0" tIns="0" rIns="0" bIns="0" rtlCol="0"/>
+          <a:lstStyle/>
+          <a:p/>
+        </p:txBody>
+      </p:sp>
+      <p:sp>
+        <p:nvSpPr>
+          <p:cNvPr id="12" name="object 12"/>
+          <p:cNvSpPr txBox="1">
+            <a:spLocks noGrp="1"/>
+          </p:cNvSpPr>
+          <p:nvPr>
+            <p:ph type="title"/>
+          </p:nvPr>
+        </p:nvSpPr>
+        <p:spPr>
+          <a:prstGeom prst="rect"/>
+        </p:spPr>
+        <p:txBody>
+          <a:bodyPr wrap="square" lIns="0" tIns="12700" rIns="0" bIns="0" rtlCol="0" vert="horz">
+            <a:spAutoFit/>
+          </a:bodyPr>
+          <a:lstStyle/>
+          <a:p>
+            <a:pPr marL="12700">
+              <a:lnSpc>
+                <a:spcPct val="100000"/>
+              </a:lnSpc>
+              <a:spcBef>
+                <a:spcPts val="100"/>
+              </a:spcBef>
+            </a:pPr>
+            <a:r>
+              <a:rPr dirty="0"/>
+              <a:t>0</a:t>
+            </a:r>
+            <a:r>
+              <a:rPr dirty="0" spc="-5"/>
+              <a:t>5:</a:t>
+            </a:r>
+            <a:r>
+              <a:rPr dirty="0"/>
+              <a:t>00</a:t>
+            </a:r>
           </a:p>
         </p:txBody>
       </p:sp>
@@ -28977,562 +28759,6 @@
         </p:nvSpPr>
         <p:spPr>
           <a:xfrm>
-            <a:off x="9409176" y="182880"/>
-            <a:ext cx="1978660" cy="969644"/>
-          </a:xfrm>
-          <a:custGeom>
-            <a:avLst/>
-            <a:gdLst/>
-            <a:ahLst/>
-            <a:cxnLst/>
-            <a:rect l="l" t="t" r="r" b="b"/>
-            <a:pathLst>
-              <a:path w="1978659" h="969644">
-                <a:moveTo>
-                  <a:pt x="1978152" y="969264"/>
-                </a:moveTo>
-                <a:lnTo>
-                  <a:pt x="0" y="969264"/>
-                </a:lnTo>
-                <a:lnTo>
-                  <a:pt x="0" y="0"/>
-                </a:lnTo>
-                <a:lnTo>
-                  <a:pt x="1978152" y="0"/>
-                </a:lnTo>
-                <a:lnTo>
-                  <a:pt x="1978152" y="103027"/>
-                </a:lnTo>
-                <a:lnTo>
-                  <a:pt x="273555" y="103027"/>
-                </a:lnTo>
-                <a:lnTo>
-                  <a:pt x="260411" y="103662"/>
-                </a:lnTo>
-                <a:lnTo>
-                  <a:pt x="222495" y="113183"/>
-                </a:lnTo>
-                <a:lnTo>
-                  <a:pt x="188951" y="133261"/>
-                </a:lnTo>
-                <a:lnTo>
-                  <a:pt x="162595" y="162310"/>
-                </a:lnTo>
-                <a:lnTo>
-                  <a:pt x="145843" y="197777"/>
-                </a:lnTo>
-                <a:lnTo>
-                  <a:pt x="140131" y="236451"/>
-                </a:lnTo>
-                <a:lnTo>
-                  <a:pt x="140131" y="655781"/>
-                </a:lnTo>
-                <a:lnTo>
-                  <a:pt x="145844" y="694454"/>
-                </a:lnTo>
-                <a:lnTo>
-                  <a:pt x="162595" y="729921"/>
-                </a:lnTo>
-                <a:lnTo>
-                  <a:pt x="188951" y="758971"/>
-                </a:lnTo>
-                <a:lnTo>
-                  <a:pt x="222495" y="779048"/>
-                </a:lnTo>
-                <a:lnTo>
-                  <a:pt x="260411" y="788570"/>
-                </a:lnTo>
-                <a:lnTo>
-                  <a:pt x="273555" y="789205"/>
-                </a:lnTo>
-                <a:lnTo>
-                  <a:pt x="1978152" y="789205"/>
-                </a:lnTo>
-                <a:lnTo>
-                  <a:pt x="1978152" y="969264"/>
-                </a:lnTo>
-                <a:close/>
-              </a:path>
-              <a:path w="1978659" h="969644">
-                <a:moveTo>
-                  <a:pt x="1978152" y="789205"/>
-                </a:moveTo>
-                <a:lnTo>
-                  <a:pt x="1703091" y="789205"/>
-                </a:lnTo>
-                <a:lnTo>
-                  <a:pt x="1716234" y="788570"/>
-                </a:lnTo>
-                <a:lnTo>
-                  <a:pt x="1729125" y="786666"/>
-                </a:lnTo>
-                <a:lnTo>
-                  <a:pt x="1766050" y="773432"/>
-                </a:lnTo>
-                <a:lnTo>
-                  <a:pt x="1797436" y="750126"/>
-                </a:lnTo>
-                <a:lnTo>
-                  <a:pt x="1820741" y="718740"/>
-                </a:lnTo>
-                <a:lnTo>
-                  <a:pt x="1833975" y="681816"/>
-                </a:lnTo>
-                <a:lnTo>
-                  <a:pt x="1836515" y="655781"/>
-                </a:lnTo>
-                <a:lnTo>
-                  <a:pt x="1836515" y="236451"/>
-                </a:lnTo>
-                <a:lnTo>
-                  <a:pt x="1830801" y="197777"/>
-                </a:lnTo>
-                <a:lnTo>
-                  <a:pt x="1814049" y="162310"/>
-                </a:lnTo>
-                <a:lnTo>
-                  <a:pt x="1787692" y="133261"/>
-                </a:lnTo>
-                <a:lnTo>
-                  <a:pt x="1754148" y="113183"/>
-                </a:lnTo>
-                <a:lnTo>
-                  <a:pt x="1716234" y="103662"/>
-                </a:lnTo>
-                <a:lnTo>
-                  <a:pt x="1703091" y="103027"/>
-                </a:lnTo>
-                <a:lnTo>
-                  <a:pt x="1978152" y="103027"/>
-                </a:lnTo>
-                <a:lnTo>
-                  <a:pt x="1978152" y="789205"/>
-                </a:lnTo>
-                <a:close/>
-              </a:path>
-            </a:pathLst>
-          </a:custGeom>
-          <a:solidFill>
-            <a:srgbClr val="323232">
-              <a:alpha val="39999"/>
-            </a:srgbClr>
-          </a:solidFill>
-        </p:spPr>
-        <p:txBody>
-          <a:bodyPr wrap="square" lIns="0" tIns="0" rIns="0" bIns="0" rtlCol="0"/>
-          <a:lstStyle/>
-          <a:p/>
-        </p:txBody>
-      </p:sp>
-      <p:sp>
-        <p:nvSpPr>
-          <p:cNvPr id="6" name="object 6"/>
-          <p:cNvSpPr/>
-          <p:nvPr/>
-        </p:nvSpPr>
-        <p:spPr>
-          <a:xfrm>
-            <a:off x="9554071" y="290672"/>
-            <a:ext cx="1687195" cy="676910"/>
-          </a:xfrm>
-          <a:custGeom>
-            <a:avLst/>
-            <a:gdLst/>
-            <a:ahLst/>
-            <a:cxnLst/>
-            <a:rect l="l" t="t" r="r" b="b"/>
-            <a:pathLst>
-              <a:path w="1687195" h="676910">
-                <a:moveTo>
-                  <a:pt x="1566643" y="676647"/>
-                </a:moveTo>
-                <a:lnTo>
-                  <a:pt x="120210" y="676647"/>
-                </a:lnTo>
-                <a:lnTo>
-                  <a:pt x="111843" y="675823"/>
-                </a:lnTo>
-                <a:lnTo>
-                  <a:pt x="71617" y="663620"/>
-                </a:lnTo>
-                <a:lnTo>
-                  <a:pt x="31709" y="632990"/>
-                </a:lnTo>
-                <a:lnTo>
-                  <a:pt x="6560" y="589419"/>
-                </a:lnTo>
-                <a:lnTo>
-                  <a:pt x="0" y="556437"/>
-                </a:lnTo>
-                <a:lnTo>
-                  <a:pt x="0" y="120210"/>
-                </a:lnTo>
-                <a:lnTo>
-                  <a:pt x="13026" y="71618"/>
-                </a:lnTo>
-                <a:lnTo>
-                  <a:pt x="43656" y="31709"/>
-                </a:lnTo>
-                <a:lnTo>
-                  <a:pt x="87227" y="6560"/>
-                </a:lnTo>
-                <a:lnTo>
-                  <a:pt x="120210" y="0"/>
-                </a:lnTo>
-                <a:lnTo>
-                  <a:pt x="1566643" y="0"/>
-                </a:lnTo>
-                <a:lnTo>
-                  <a:pt x="1615234" y="13026"/>
-                </a:lnTo>
-                <a:lnTo>
-                  <a:pt x="1655143" y="43656"/>
-                </a:lnTo>
-                <a:lnTo>
-                  <a:pt x="1680291" y="87227"/>
-                </a:lnTo>
-                <a:lnTo>
-                  <a:pt x="1686854" y="120210"/>
-                </a:lnTo>
-                <a:lnTo>
-                  <a:pt x="1686854" y="556437"/>
-                </a:lnTo>
-                <a:lnTo>
-                  <a:pt x="1673825" y="605029"/>
-                </a:lnTo>
-                <a:lnTo>
-                  <a:pt x="1643196" y="644937"/>
-                </a:lnTo>
-                <a:lnTo>
-                  <a:pt x="1599624" y="670086"/>
-                </a:lnTo>
-                <a:lnTo>
-                  <a:pt x="1566643" y="676647"/>
-                </a:lnTo>
-                <a:close/>
-              </a:path>
-            </a:pathLst>
-          </a:custGeom>
-          <a:solidFill>
-            <a:srgbClr val="FFFFFF"/>
-          </a:solidFill>
-        </p:spPr>
-        <p:txBody>
-          <a:bodyPr wrap="square" lIns="0" tIns="0" rIns="0" bIns="0" rtlCol="0"/>
-          <a:lstStyle/>
-          <a:p/>
-        </p:txBody>
-      </p:sp>
-      <p:sp>
-        <p:nvSpPr>
-          <p:cNvPr id="7" name="object 7"/>
-          <p:cNvSpPr/>
-          <p:nvPr/>
-        </p:nvSpPr>
-        <p:spPr>
-          <a:xfrm>
-            <a:off x="9554072" y="290672"/>
-            <a:ext cx="1687195" cy="676910"/>
-          </a:xfrm>
-          <a:custGeom>
-            <a:avLst/>
-            <a:gdLst/>
-            <a:ahLst/>
-            <a:cxnLst/>
-            <a:rect l="l" t="t" r="r" b="b"/>
-            <a:pathLst>
-              <a:path w="1687195" h="676910">
-                <a:moveTo>
-                  <a:pt x="0" y="547989"/>
-                </a:moveTo>
-                <a:lnTo>
-                  <a:pt x="0" y="128658"/>
-                </a:lnTo>
-                <a:lnTo>
-                  <a:pt x="0" y="120210"/>
-                </a:lnTo>
-                <a:lnTo>
-                  <a:pt x="824" y="111843"/>
-                </a:lnTo>
-                <a:lnTo>
-                  <a:pt x="2472" y="103558"/>
-                </a:lnTo>
-                <a:lnTo>
-                  <a:pt x="4120" y="95272"/>
-                </a:lnTo>
-                <a:lnTo>
-                  <a:pt x="6560" y="87227"/>
-                </a:lnTo>
-                <a:lnTo>
-                  <a:pt x="9793" y="79422"/>
-                </a:lnTo>
-                <a:lnTo>
-                  <a:pt x="13026" y="71618"/>
-                </a:lnTo>
-                <a:lnTo>
-                  <a:pt x="37682" y="37683"/>
-                </a:lnTo>
-                <a:lnTo>
-                  <a:pt x="43656" y="31709"/>
-                </a:lnTo>
-                <a:lnTo>
-                  <a:pt x="50154" y="26376"/>
-                </a:lnTo>
-                <a:lnTo>
-                  <a:pt x="57179" y="21682"/>
-                </a:lnTo>
-                <a:lnTo>
-                  <a:pt x="64202" y="16989"/>
-                </a:lnTo>
-                <a:lnTo>
-                  <a:pt x="71617" y="13026"/>
-                </a:lnTo>
-                <a:lnTo>
-                  <a:pt x="79422" y="9793"/>
-                </a:lnTo>
-                <a:lnTo>
-                  <a:pt x="87227" y="6560"/>
-                </a:lnTo>
-                <a:lnTo>
-                  <a:pt x="95272" y="4120"/>
-                </a:lnTo>
-                <a:lnTo>
-                  <a:pt x="103558" y="2472"/>
-                </a:lnTo>
-                <a:lnTo>
-                  <a:pt x="111843" y="824"/>
-                </a:lnTo>
-                <a:lnTo>
-                  <a:pt x="120210" y="0"/>
-                </a:lnTo>
-                <a:lnTo>
-                  <a:pt x="128658" y="0"/>
-                </a:lnTo>
-                <a:lnTo>
-                  <a:pt x="1558196" y="0"/>
-                </a:lnTo>
-                <a:lnTo>
-                  <a:pt x="1566643" y="0"/>
-                </a:lnTo>
-                <a:lnTo>
-                  <a:pt x="1575010" y="824"/>
-                </a:lnTo>
-                <a:lnTo>
-                  <a:pt x="1583294" y="2472"/>
-                </a:lnTo>
-                <a:lnTo>
-                  <a:pt x="1591579" y="4120"/>
-                </a:lnTo>
-                <a:lnTo>
-                  <a:pt x="1599624" y="6560"/>
-                </a:lnTo>
-                <a:lnTo>
-                  <a:pt x="1607429" y="9793"/>
-                </a:lnTo>
-                <a:lnTo>
-                  <a:pt x="1615234" y="13026"/>
-                </a:lnTo>
-                <a:lnTo>
-                  <a:pt x="1649170" y="37683"/>
-                </a:lnTo>
-                <a:lnTo>
-                  <a:pt x="1673825" y="71618"/>
-                </a:lnTo>
-                <a:lnTo>
-                  <a:pt x="1686029" y="111843"/>
-                </a:lnTo>
-                <a:lnTo>
-                  <a:pt x="1686854" y="120210"/>
-                </a:lnTo>
-                <a:lnTo>
-                  <a:pt x="1686854" y="128658"/>
-                </a:lnTo>
-                <a:lnTo>
-                  <a:pt x="1686854" y="547989"/>
-                </a:lnTo>
-                <a:lnTo>
-                  <a:pt x="1686854" y="556437"/>
-                </a:lnTo>
-                <a:lnTo>
-                  <a:pt x="1686029" y="564803"/>
-                </a:lnTo>
-                <a:lnTo>
-                  <a:pt x="1673825" y="605029"/>
-                </a:lnTo>
-                <a:lnTo>
-                  <a:pt x="1649170" y="638964"/>
-                </a:lnTo>
-                <a:lnTo>
-                  <a:pt x="1629672" y="654964"/>
-                </a:lnTo>
-                <a:lnTo>
-                  <a:pt x="1622648" y="659657"/>
-                </a:lnTo>
-                <a:lnTo>
-                  <a:pt x="1615234" y="663620"/>
-                </a:lnTo>
-                <a:lnTo>
-                  <a:pt x="1607429" y="666853"/>
-                </a:lnTo>
-                <a:lnTo>
-                  <a:pt x="1599624" y="670086"/>
-                </a:lnTo>
-                <a:lnTo>
-                  <a:pt x="1591579" y="672527"/>
-                </a:lnTo>
-                <a:lnTo>
-                  <a:pt x="1583294" y="674175"/>
-                </a:lnTo>
-                <a:lnTo>
-                  <a:pt x="1575010" y="675823"/>
-                </a:lnTo>
-                <a:lnTo>
-                  <a:pt x="1566643" y="676647"/>
-                </a:lnTo>
-                <a:lnTo>
-                  <a:pt x="1558196" y="676647"/>
-                </a:lnTo>
-                <a:lnTo>
-                  <a:pt x="128658" y="676647"/>
-                </a:lnTo>
-                <a:lnTo>
-                  <a:pt x="120210" y="676647"/>
-                </a:lnTo>
-                <a:lnTo>
-                  <a:pt x="111843" y="675823"/>
-                </a:lnTo>
-                <a:lnTo>
-                  <a:pt x="103558" y="674175"/>
-                </a:lnTo>
-                <a:lnTo>
-                  <a:pt x="95272" y="672527"/>
-                </a:lnTo>
-                <a:lnTo>
-                  <a:pt x="87227" y="670086"/>
-                </a:lnTo>
-                <a:lnTo>
-                  <a:pt x="79422" y="666853"/>
-                </a:lnTo>
-                <a:lnTo>
-                  <a:pt x="71617" y="663620"/>
-                </a:lnTo>
-                <a:lnTo>
-                  <a:pt x="64202" y="659657"/>
-                </a:lnTo>
-                <a:lnTo>
-                  <a:pt x="57179" y="654964"/>
-                </a:lnTo>
-                <a:lnTo>
-                  <a:pt x="50154" y="650271"/>
-                </a:lnTo>
-                <a:lnTo>
-                  <a:pt x="43656" y="644937"/>
-                </a:lnTo>
-                <a:lnTo>
-                  <a:pt x="37682" y="638964"/>
-                </a:lnTo>
-                <a:lnTo>
-                  <a:pt x="31709" y="632990"/>
-                </a:lnTo>
-                <a:lnTo>
-                  <a:pt x="26376" y="626491"/>
-                </a:lnTo>
-                <a:lnTo>
-                  <a:pt x="21682" y="619467"/>
-                </a:lnTo>
-                <a:lnTo>
-                  <a:pt x="16989" y="612443"/>
-                </a:lnTo>
-                <a:lnTo>
-                  <a:pt x="13026" y="605029"/>
-                </a:lnTo>
-                <a:lnTo>
-                  <a:pt x="9793" y="597224"/>
-                </a:lnTo>
-                <a:lnTo>
-                  <a:pt x="6560" y="589419"/>
-                </a:lnTo>
-                <a:lnTo>
-                  <a:pt x="4120" y="581374"/>
-                </a:lnTo>
-                <a:lnTo>
-                  <a:pt x="2472" y="573089"/>
-                </a:lnTo>
-                <a:lnTo>
-                  <a:pt x="824" y="564803"/>
-                </a:lnTo>
-                <a:lnTo>
-                  <a:pt x="0" y="556437"/>
-                </a:lnTo>
-                <a:lnTo>
-                  <a:pt x="0" y="547989"/>
-                </a:lnTo>
-                <a:close/>
-              </a:path>
-            </a:pathLst>
-          </a:custGeom>
-          <a:ln w="28590">
-            <a:solidFill>
-              <a:srgbClr val="DDDDDD"/>
-            </a:solidFill>
-          </a:ln>
-        </p:spPr>
-        <p:txBody>
-          <a:bodyPr wrap="square" lIns="0" tIns="0" rIns="0" bIns="0" rtlCol="0"/>
-          <a:lstStyle/>
-          <a:p/>
-        </p:txBody>
-      </p:sp>
-      <p:sp>
-        <p:nvSpPr>
-          <p:cNvPr id="8" name="object 8"/>
-          <p:cNvSpPr txBox="1">
-            <a:spLocks noGrp="1"/>
-          </p:cNvSpPr>
-          <p:nvPr>
-            <p:ph type="title"/>
-          </p:nvPr>
-        </p:nvSpPr>
-        <p:spPr>
-          <a:prstGeom prst="rect"/>
-        </p:spPr>
-        <p:txBody>
-          <a:bodyPr wrap="square" lIns="0" tIns="12700" rIns="0" bIns="0" rtlCol="0" vert="horz">
-            <a:spAutoFit/>
-          </a:bodyPr>
-          <a:lstStyle/>
-          <a:p>
-            <a:pPr marL="12700">
-              <a:lnSpc>
-                <a:spcPct val="100000"/>
-              </a:lnSpc>
-              <a:spcBef>
-                <a:spcPts val="100"/>
-              </a:spcBef>
-            </a:pPr>
-            <a:r>
-              <a:rPr dirty="0"/>
-              <a:t>0</a:t>
-            </a:r>
-            <a:r>
-              <a:rPr dirty="0" spc="-5"/>
-              <a:t>5:</a:t>
-            </a:r>
-            <a:r>
-              <a:rPr dirty="0"/>
-              <a:t>00</a:t>
-            </a:r>
-          </a:p>
-        </p:txBody>
-      </p:sp>
-      <p:sp>
-        <p:nvSpPr>
-          <p:cNvPr id="9" name="object 9"/>
-          <p:cNvSpPr/>
-          <p:nvPr/>
-        </p:nvSpPr>
-        <p:spPr>
-          <a:xfrm>
             <a:off x="914903" y="3488070"/>
             <a:ext cx="9702165" cy="0"/>
           </a:xfrm>
@@ -29567,7 +28793,7 @@
       </p:sp>
       <p:sp>
         <p:nvSpPr>
-          <p:cNvPr id="10" name="object 10"/>
+          <p:cNvPr id="6" name="object 6"/>
           <p:cNvSpPr/>
           <p:nvPr/>
         </p:nvSpPr>
@@ -29607,7 +28833,7 @@
       </p:sp>
       <p:sp>
         <p:nvSpPr>
-          <p:cNvPr id="11" name="object 11"/>
+          <p:cNvPr id="7" name="object 7"/>
           <p:cNvSpPr/>
           <p:nvPr/>
         </p:nvSpPr>
@@ -29647,7 +28873,7 @@
       </p:sp>
       <p:sp>
         <p:nvSpPr>
-          <p:cNvPr id="12" name="object 12"/>
+          <p:cNvPr id="8" name="object 8"/>
           <p:cNvSpPr txBox="1"/>
           <p:nvPr/>
         </p:nvSpPr>
@@ -29934,6 +29160,562 @@
               <a:latin typeface="Roboto"/>
               <a:cs typeface="Roboto"/>
             </a:endParaRPr>
+          </a:p>
+        </p:txBody>
+      </p:sp>
+      <p:sp>
+        <p:nvSpPr>
+          <p:cNvPr id="9" name="object 9"/>
+          <p:cNvSpPr/>
+          <p:nvPr/>
+        </p:nvSpPr>
+        <p:spPr>
+          <a:xfrm>
+            <a:off x="9409176" y="182880"/>
+            <a:ext cx="1978660" cy="969644"/>
+          </a:xfrm>
+          <a:custGeom>
+            <a:avLst/>
+            <a:gdLst/>
+            <a:ahLst/>
+            <a:cxnLst/>
+            <a:rect l="l" t="t" r="r" b="b"/>
+            <a:pathLst>
+              <a:path w="1978659" h="969644">
+                <a:moveTo>
+                  <a:pt x="1978152" y="969264"/>
+                </a:moveTo>
+                <a:lnTo>
+                  <a:pt x="0" y="969264"/>
+                </a:lnTo>
+                <a:lnTo>
+                  <a:pt x="0" y="0"/>
+                </a:lnTo>
+                <a:lnTo>
+                  <a:pt x="1978152" y="0"/>
+                </a:lnTo>
+                <a:lnTo>
+                  <a:pt x="1978152" y="103027"/>
+                </a:lnTo>
+                <a:lnTo>
+                  <a:pt x="273555" y="103027"/>
+                </a:lnTo>
+                <a:lnTo>
+                  <a:pt x="260411" y="103662"/>
+                </a:lnTo>
+                <a:lnTo>
+                  <a:pt x="222495" y="113183"/>
+                </a:lnTo>
+                <a:lnTo>
+                  <a:pt x="188951" y="133261"/>
+                </a:lnTo>
+                <a:lnTo>
+                  <a:pt x="162595" y="162310"/>
+                </a:lnTo>
+                <a:lnTo>
+                  <a:pt x="145843" y="197777"/>
+                </a:lnTo>
+                <a:lnTo>
+                  <a:pt x="140131" y="236451"/>
+                </a:lnTo>
+                <a:lnTo>
+                  <a:pt x="140131" y="655781"/>
+                </a:lnTo>
+                <a:lnTo>
+                  <a:pt x="145844" y="694454"/>
+                </a:lnTo>
+                <a:lnTo>
+                  <a:pt x="162595" y="729921"/>
+                </a:lnTo>
+                <a:lnTo>
+                  <a:pt x="188951" y="758971"/>
+                </a:lnTo>
+                <a:lnTo>
+                  <a:pt x="222495" y="779048"/>
+                </a:lnTo>
+                <a:lnTo>
+                  <a:pt x="260411" y="788570"/>
+                </a:lnTo>
+                <a:lnTo>
+                  <a:pt x="273555" y="789205"/>
+                </a:lnTo>
+                <a:lnTo>
+                  <a:pt x="1978152" y="789205"/>
+                </a:lnTo>
+                <a:lnTo>
+                  <a:pt x="1978152" y="969264"/>
+                </a:lnTo>
+                <a:close/>
+              </a:path>
+              <a:path w="1978659" h="969644">
+                <a:moveTo>
+                  <a:pt x="1978152" y="789205"/>
+                </a:moveTo>
+                <a:lnTo>
+                  <a:pt x="1703091" y="789205"/>
+                </a:lnTo>
+                <a:lnTo>
+                  <a:pt x="1716234" y="788570"/>
+                </a:lnTo>
+                <a:lnTo>
+                  <a:pt x="1729125" y="786666"/>
+                </a:lnTo>
+                <a:lnTo>
+                  <a:pt x="1766050" y="773432"/>
+                </a:lnTo>
+                <a:lnTo>
+                  <a:pt x="1797436" y="750126"/>
+                </a:lnTo>
+                <a:lnTo>
+                  <a:pt x="1820741" y="718740"/>
+                </a:lnTo>
+                <a:lnTo>
+                  <a:pt x="1833975" y="681816"/>
+                </a:lnTo>
+                <a:lnTo>
+                  <a:pt x="1836515" y="655781"/>
+                </a:lnTo>
+                <a:lnTo>
+                  <a:pt x="1836515" y="236451"/>
+                </a:lnTo>
+                <a:lnTo>
+                  <a:pt x="1830801" y="197777"/>
+                </a:lnTo>
+                <a:lnTo>
+                  <a:pt x="1814049" y="162310"/>
+                </a:lnTo>
+                <a:lnTo>
+                  <a:pt x="1787692" y="133261"/>
+                </a:lnTo>
+                <a:lnTo>
+                  <a:pt x="1754148" y="113183"/>
+                </a:lnTo>
+                <a:lnTo>
+                  <a:pt x="1716234" y="103662"/>
+                </a:lnTo>
+                <a:lnTo>
+                  <a:pt x="1703091" y="103027"/>
+                </a:lnTo>
+                <a:lnTo>
+                  <a:pt x="1978152" y="103027"/>
+                </a:lnTo>
+                <a:lnTo>
+                  <a:pt x="1978152" y="789205"/>
+                </a:lnTo>
+                <a:close/>
+              </a:path>
+            </a:pathLst>
+          </a:custGeom>
+          <a:solidFill>
+            <a:srgbClr val="323232">
+              <a:alpha val="39999"/>
+            </a:srgbClr>
+          </a:solidFill>
+        </p:spPr>
+        <p:txBody>
+          <a:bodyPr wrap="square" lIns="0" tIns="0" rIns="0" bIns="0" rtlCol="0"/>
+          <a:lstStyle/>
+          <a:p/>
+        </p:txBody>
+      </p:sp>
+      <p:sp>
+        <p:nvSpPr>
+          <p:cNvPr id="10" name="object 10"/>
+          <p:cNvSpPr/>
+          <p:nvPr/>
+        </p:nvSpPr>
+        <p:spPr>
+          <a:xfrm>
+            <a:off x="9554071" y="290672"/>
+            <a:ext cx="1687195" cy="676910"/>
+          </a:xfrm>
+          <a:custGeom>
+            <a:avLst/>
+            <a:gdLst/>
+            <a:ahLst/>
+            <a:cxnLst/>
+            <a:rect l="l" t="t" r="r" b="b"/>
+            <a:pathLst>
+              <a:path w="1687195" h="676910">
+                <a:moveTo>
+                  <a:pt x="1566643" y="676647"/>
+                </a:moveTo>
+                <a:lnTo>
+                  <a:pt x="120210" y="676647"/>
+                </a:lnTo>
+                <a:lnTo>
+                  <a:pt x="111843" y="675823"/>
+                </a:lnTo>
+                <a:lnTo>
+                  <a:pt x="71617" y="663620"/>
+                </a:lnTo>
+                <a:lnTo>
+                  <a:pt x="31709" y="632990"/>
+                </a:lnTo>
+                <a:lnTo>
+                  <a:pt x="6560" y="589419"/>
+                </a:lnTo>
+                <a:lnTo>
+                  <a:pt x="0" y="556437"/>
+                </a:lnTo>
+                <a:lnTo>
+                  <a:pt x="0" y="120210"/>
+                </a:lnTo>
+                <a:lnTo>
+                  <a:pt x="13026" y="71618"/>
+                </a:lnTo>
+                <a:lnTo>
+                  <a:pt x="43656" y="31709"/>
+                </a:lnTo>
+                <a:lnTo>
+                  <a:pt x="87227" y="6560"/>
+                </a:lnTo>
+                <a:lnTo>
+                  <a:pt x="120210" y="0"/>
+                </a:lnTo>
+                <a:lnTo>
+                  <a:pt x="1566643" y="0"/>
+                </a:lnTo>
+                <a:lnTo>
+                  <a:pt x="1615234" y="13026"/>
+                </a:lnTo>
+                <a:lnTo>
+                  <a:pt x="1655143" y="43656"/>
+                </a:lnTo>
+                <a:lnTo>
+                  <a:pt x="1680291" y="87227"/>
+                </a:lnTo>
+                <a:lnTo>
+                  <a:pt x="1686854" y="120210"/>
+                </a:lnTo>
+                <a:lnTo>
+                  <a:pt x="1686854" y="556437"/>
+                </a:lnTo>
+                <a:lnTo>
+                  <a:pt x="1673825" y="605029"/>
+                </a:lnTo>
+                <a:lnTo>
+                  <a:pt x="1643196" y="644937"/>
+                </a:lnTo>
+                <a:lnTo>
+                  <a:pt x="1599624" y="670086"/>
+                </a:lnTo>
+                <a:lnTo>
+                  <a:pt x="1566643" y="676647"/>
+                </a:lnTo>
+                <a:close/>
+              </a:path>
+            </a:pathLst>
+          </a:custGeom>
+          <a:solidFill>
+            <a:srgbClr val="FFFFFF"/>
+          </a:solidFill>
+        </p:spPr>
+        <p:txBody>
+          <a:bodyPr wrap="square" lIns="0" tIns="0" rIns="0" bIns="0" rtlCol="0"/>
+          <a:lstStyle/>
+          <a:p/>
+        </p:txBody>
+      </p:sp>
+      <p:sp>
+        <p:nvSpPr>
+          <p:cNvPr id="11" name="object 11"/>
+          <p:cNvSpPr/>
+          <p:nvPr/>
+        </p:nvSpPr>
+        <p:spPr>
+          <a:xfrm>
+            <a:off x="9554072" y="290672"/>
+            <a:ext cx="1687195" cy="676910"/>
+          </a:xfrm>
+          <a:custGeom>
+            <a:avLst/>
+            <a:gdLst/>
+            <a:ahLst/>
+            <a:cxnLst/>
+            <a:rect l="l" t="t" r="r" b="b"/>
+            <a:pathLst>
+              <a:path w="1687195" h="676910">
+                <a:moveTo>
+                  <a:pt x="0" y="547989"/>
+                </a:moveTo>
+                <a:lnTo>
+                  <a:pt x="0" y="128658"/>
+                </a:lnTo>
+                <a:lnTo>
+                  <a:pt x="0" y="120210"/>
+                </a:lnTo>
+                <a:lnTo>
+                  <a:pt x="824" y="111843"/>
+                </a:lnTo>
+                <a:lnTo>
+                  <a:pt x="2472" y="103558"/>
+                </a:lnTo>
+                <a:lnTo>
+                  <a:pt x="4120" y="95272"/>
+                </a:lnTo>
+                <a:lnTo>
+                  <a:pt x="6560" y="87227"/>
+                </a:lnTo>
+                <a:lnTo>
+                  <a:pt x="9793" y="79422"/>
+                </a:lnTo>
+                <a:lnTo>
+                  <a:pt x="13026" y="71618"/>
+                </a:lnTo>
+                <a:lnTo>
+                  <a:pt x="37682" y="37683"/>
+                </a:lnTo>
+                <a:lnTo>
+                  <a:pt x="43656" y="31709"/>
+                </a:lnTo>
+                <a:lnTo>
+                  <a:pt x="50154" y="26376"/>
+                </a:lnTo>
+                <a:lnTo>
+                  <a:pt x="57179" y="21682"/>
+                </a:lnTo>
+                <a:lnTo>
+                  <a:pt x="64202" y="16989"/>
+                </a:lnTo>
+                <a:lnTo>
+                  <a:pt x="71617" y="13026"/>
+                </a:lnTo>
+                <a:lnTo>
+                  <a:pt x="79422" y="9793"/>
+                </a:lnTo>
+                <a:lnTo>
+                  <a:pt x="87227" y="6560"/>
+                </a:lnTo>
+                <a:lnTo>
+                  <a:pt x="95272" y="4120"/>
+                </a:lnTo>
+                <a:lnTo>
+                  <a:pt x="103558" y="2472"/>
+                </a:lnTo>
+                <a:lnTo>
+                  <a:pt x="111843" y="824"/>
+                </a:lnTo>
+                <a:lnTo>
+                  <a:pt x="120210" y="0"/>
+                </a:lnTo>
+                <a:lnTo>
+                  <a:pt x="128658" y="0"/>
+                </a:lnTo>
+                <a:lnTo>
+                  <a:pt x="1558196" y="0"/>
+                </a:lnTo>
+                <a:lnTo>
+                  <a:pt x="1566643" y="0"/>
+                </a:lnTo>
+                <a:lnTo>
+                  <a:pt x="1575010" y="824"/>
+                </a:lnTo>
+                <a:lnTo>
+                  <a:pt x="1583294" y="2472"/>
+                </a:lnTo>
+                <a:lnTo>
+                  <a:pt x="1591579" y="4120"/>
+                </a:lnTo>
+                <a:lnTo>
+                  <a:pt x="1599624" y="6560"/>
+                </a:lnTo>
+                <a:lnTo>
+                  <a:pt x="1607429" y="9793"/>
+                </a:lnTo>
+                <a:lnTo>
+                  <a:pt x="1615234" y="13026"/>
+                </a:lnTo>
+                <a:lnTo>
+                  <a:pt x="1649170" y="37683"/>
+                </a:lnTo>
+                <a:lnTo>
+                  <a:pt x="1673825" y="71618"/>
+                </a:lnTo>
+                <a:lnTo>
+                  <a:pt x="1686029" y="111843"/>
+                </a:lnTo>
+                <a:lnTo>
+                  <a:pt x="1686854" y="120210"/>
+                </a:lnTo>
+                <a:lnTo>
+                  <a:pt x="1686854" y="128658"/>
+                </a:lnTo>
+                <a:lnTo>
+                  <a:pt x="1686854" y="547989"/>
+                </a:lnTo>
+                <a:lnTo>
+                  <a:pt x="1686854" y="556437"/>
+                </a:lnTo>
+                <a:lnTo>
+                  <a:pt x="1686029" y="564803"/>
+                </a:lnTo>
+                <a:lnTo>
+                  <a:pt x="1673825" y="605029"/>
+                </a:lnTo>
+                <a:lnTo>
+                  <a:pt x="1649170" y="638964"/>
+                </a:lnTo>
+                <a:lnTo>
+                  <a:pt x="1629672" y="654964"/>
+                </a:lnTo>
+                <a:lnTo>
+                  <a:pt x="1622648" y="659657"/>
+                </a:lnTo>
+                <a:lnTo>
+                  <a:pt x="1615234" y="663620"/>
+                </a:lnTo>
+                <a:lnTo>
+                  <a:pt x="1607429" y="666853"/>
+                </a:lnTo>
+                <a:lnTo>
+                  <a:pt x="1599624" y="670086"/>
+                </a:lnTo>
+                <a:lnTo>
+                  <a:pt x="1591579" y="672527"/>
+                </a:lnTo>
+                <a:lnTo>
+                  <a:pt x="1583294" y="674175"/>
+                </a:lnTo>
+                <a:lnTo>
+                  <a:pt x="1575010" y="675823"/>
+                </a:lnTo>
+                <a:lnTo>
+                  <a:pt x="1566643" y="676647"/>
+                </a:lnTo>
+                <a:lnTo>
+                  <a:pt x="1558196" y="676647"/>
+                </a:lnTo>
+                <a:lnTo>
+                  <a:pt x="128658" y="676647"/>
+                </a:lnTo>
+                <a:lnTo>
+                  <a:pt x="120210" y="676647"/>
+                </a:lnTo>
+                <a:lnTo>
+                  <a:pt x="111843" y="675823"/>
+                </a:lnTo>
+                <a:lnTo>
+                  <a:pt x="103558" y="674175"/>
+                </a:lnTo>
+                <a:lnTo>
+                  <a:pt x="95272" y="672527"/>
+                </a:lnTo>
+                <a:lnTo>
+                  <a:pt x="87227" y="670086"/>
+                </a:lnTo>
+                <a:lnTo>
+                  <a:pt x="79422" y="666853"/>
+                </a:lnTo>
+                <a:lnTo>
+                  <a:pt x="71617" y="663620"/>
+                </a:lnTo>
+                <a:lnTo>
+                  <a:pt x="64202" y="659657"/>
+                </a:lnTo>
+                <a:lnTo>
+                  <a:pt x="57179" y="654964"/>
+                </a:lnTo>
+                <a:lnTo>
+                  <a:pt x="50154" y="650271"/>
+                </a:lnTo>
+                <a:lnTo>
+                  <a:pt x="43656" y="644937"/>
+                </a:lnTo>
+                <a:lnTo>
+                  <a:pt x="37682" y="638964"/>
+                </a:lnTo>
+                <a:lnTo>
+                  <a:pt x="31709" y="632990"/>
+                </a:lnTo>
+                <a:lnTo>
+                  <a:pt x="26376" y="626491"/>
+                </a:lnTo>
+                <a:lnTo>
+                  <a:pt x="21682" y="619467"/>
+                </a:lnTo>
+                <a:lnTo>
+                  <a:pt x="16989" y="612443"/>
+                </a:lnTo>
+                <a:lnTo>
+                  <a:pt x="13026" y="605029"/>
+                </a:lnTo>
+                <a:lnTo>
+                  <a:pt x="9793" y="597224"/>
+                </a:lnTo>
+                <a:lnTo>
+                  <a:pt x="6560" y="589419"/>
+                </a:lnTo>
+                <a:lnTo>
+                  <a:pt x="4120" y="581374"/>
+                </a:lnTo>
+                <a:lnTo>
+                  <a:pt x="2472" y="573089"/>
+                </a:lnTo>
+                <a:lnTo>
+                  <a:pt x="824" y="564803"/>
+                </a:lnTo>
+                <a:lnTo>
+                  <a:pt x="0" y="556437"/>
+                </a:lnTo>
+                <a:lnTo>
+                  <a:pt x="0" y="547989"/>
+                </a:lnTo>
+                <a:close/>
+              </a:path>
+            </a:pathLst>
+          </a:custGeom>
+          <a:ln w="28590">
+            <a:solidFill>
+              <a:srgbClr val="DDDDDD"/>
+            </a:solidFill>
+          </a:ln>
+        </p:spPr>
+        <p:txBody>
+          <a:bodyPr wrap="square" lIns="0" tIns="0" rIns="0" bIns="0" rtlCol="0"/>
+          <a:lstStyle/>
+          <a:p/>
+        </p:txBody>
+      </p:sp>
+      <p:sp>
+        <p:nvSpPr>
+          <p:cNvPr id="12" name="object 12"/>
+          <p:cNvSpPr txBox="1">
+            <a:spLocks noGrp="1"/>
+          </p:cNvSpPr>
+          <p:nvPr>
+            <p:ph type="title"/>
+          </p:nvPr>
+        </p:nvSpPr>
+        <p:spPr>
+          <a:prstGeom prst="rect"/>
+        </p:spPr>
+        <p:txBody>
+          <a:bodyPr wrap="square" lIns="0" tIns="12700" rIns="0" bIns="0" rtlCol="0" vert="horz">
+            <a:spAutoFit/>
+          </a:bodyPr>
+          <a:lstStyle/>
+          <a:p>
+            <a:pPr marL="12700">
+              <a:lnSpc>
+                <a:spcPct val="100000"/>
+              </a:lnSpc>
+              <a:spcBef>
+                <a:spcPts val="100"/>
+              </a:spcBef>
+            </a:pPr>
+            <a:r>
+              <a:rPr dirty="0"/>
+              <a:t>0</a:t>
+            </a:r>
+            <a:r>
+              <a:rPr dirty="0" spc="-5"/>
+              <a:t>5:</a:t>
+            </a:r>
+            <a:r>
+              <a:rPr dirty="0"/>
+              <a:t>00</a:t>
+            </a:r>
           </a:p>
         </p:txBody>
       </p:sp>
@@ -30405,562 +30187,6 @@
         </p:nvSpPr>
         <p:spPr>
           <a:xfrm>
-            <a:off x="9409176" y="182880"/>
-            <a:ext cx="1978660" cy="969644"/>
-          </a:xfrm>
-          <a:custGeom>
-            <a:avLst/>
-            <a:gdLst/>
-            <a:ahLst/>
-            <a:cxnLst/>
-            <a:rect l="l" t="t" r="r" b="b"/>
-            <a:pathLst>
-              <a:path w="1978659" h="969644">
-                <a:moveTo>
-                  <a:pt x="1978152" y="969264"/>
-                </a:moveTo>
-                <a:lnTo>
-                  <a:pt x="0" y="969264"/>
-                </a:lnTo>
-                <a:lnTo>
-                  <a:pt x="0" y="0"/>
-                </a:lnTo>
-                <a:lnTo>
-                  <a:pt x="1978152" y="0"/>
-                </a:lnTo>
-                <a:lnTo>
-                  <a:pt x="1978152" y="103027"/>
-                </a:lnTo>
-                <a:lnTo>
-                  <a:pt x="273555" y="103027"/>
-                </a:lnTo>
-                <a:lnTo>
-                  <a:pt x="260411" y="103662"/>
-                </a:lnTo>
-                <a:lnTo>
-                  <a:pt x="222495" y="113183"/>
-                </a:lnTo>
-                <a:lnTo>
-                  <a:pt x="188951" y="133261"/>
-                </a:lnTo>
-                <a:lnTo>
-                  <a:pt x="162595" y="162310"/>
-                </a:lnTo>
-                <a:lnTo>
-                  <a:pt x="145843" y="197777"/>
-                </a:lnTo>
-                <a:lnTo>
-                  <a:pt x="140131" y="236451"/>
-                </a:lnTo>
-                <a:lnTo>
-                  <a:pt x="140131" y="655781"/>
-                </a:lnTo>
-                <a:lnTo>
-                  <a:pt x="145844" y="694454"/>
-                </a:lnTo>
-                <a:lnTo>
-                  <a:pt x="162595" y="729921"/>
-                </a:lnTo>
-                <a:lnTo>
-                  <a:pt x="188951" y="758971"/>
-                </a:lnTo>
-                <a:lnTo>
-                  <a:pt x="222495" y="779048"/>
-                </a:lnTo>
-                <a:lnTo>
-                  <a:pt x="260411" y="788570"/>
-                </a:lnTo>
-                <a:lnTo>
-                  <a:pt x="273555" y="789205"/>
-                </a:lnTo>
-                <a:lnTo>
-                  <a:pt x="1978152" y="789205"/>
-                </a:lnTo>
-                <a:lnTo>
-                  <a:pt x="1978152" y="969264"/>
-                </a:lnTo>
-                <a:close/>
-              </a:path>
-              <a:path w="1978659" h="969644">
-                <a:moveTo>
-                  <a:pt x="1978152" y="789205"/>
-                </a:moveTo>
-                <a:lnTo>
-                  <a:pt x="1703091" y="789205"/>
-                </a:lnTo>
-                <a:lnTo>
-                  <a:pt x="1716234" y="788570"/>
-                </a:lnTo>
-                <a:lnTo>
-                  <a:pt x="1729125" y="786666"/>
-                </a:lnTo>
-                <a:lnTo>
-                  <a:pt x="1766050" y="773432"/>
-                </a:lnTo>
-                <a:lnTo>
-                  <a:pt x="1797436" y="750126"/>
-                </a:lnTo>
-                <a:lnTo>
-                  <a:pt x="1820741" y="718740"/>
-                </a:lnTo>
-                <a:lnTo>
-                  <a:pt x="1833975" y="681816"/>
-                </a:lnTo>
-                <a:lnTo>
-                  <a:pt x="1836515" y="655781"/>
-                </a:lnTo>
-                <a:lnTo>
-                  <a:pt x="1836515" y="236451"/>
-                </a:lnTo>
-                <a:lnTo>
-                  <a:pt x="1830801" y="197777"/>
-                </a:lnTo>
-                <a:lnTo>
-                  <a:pt x="1814049" y="162310"/>
-                </a:lnTo>
-                <a:lnTo>
-                  <a:pt x="1787692" y="133261"/>
-                </a:lnTo>
-                <a:lnTo>
-                  <a:pt x="1754148" y="113183"/>
-                </a:lnTo>
-                <a:lnTo>
-                  <a:pt x="1716234" y="103662"/>
-                </a:lnTo>
-                <a:lnTo>
-                  <a:pt x="1703091" y="103027"/>
-                </a:lnTo>
-                <a:lnTo>
-                  <a:pt x="1978152" y="103027"/>
-                </a:lnTo>
-                <a:lnTo>
-                  <a:pt x="1978152" y="789205"/>
-                </a:lnTo>
-                <a:close/>
-              </a:path>
-            </a:pathLst>
-          </a:custGeom>
-          <a:solidFill>
-            <a:srgbClr val="323232">
-              <a:alpha val="39999"/>
-            </a:srgbClr>
-          </a:solidFill>
-        </p:spPr>
-        <p:txBody>
-          <a:bodyPr wrap="square" lIns="0" tIns="0" rIns="0" bIns="0" rtlCol="0"/>
-          <a:lstStyle/>
-          <a:p/>
-        </p:txBody>
-      </p:sp>
-      <p:sp>
-        <p:nvSpPr>
-          <p:cNvPr id="6" name="object 6"/>
-          <p:cNvSpPr/>
-          <p:nvPr/>
-        </p:nvSpPr>
-        <p:spPr>
-          <a:xfrm>
-            <a:off x="9554071" y="290672"/>
-            <a:ext cx="1687195" cy="676910"/>
-          </a:xfrm>
-          <a:custGeom>
-            <a:avLst/>
-            <a:gdLst/>
-            <a:ahLst/>
-            <a:cxnLst/>
-            <a:rect l="l" t="t" r="r" b="b"/>
-            <a:pathLst>
-              <a:path w="1687195" h="676910">
-                <a:moveTo>
-                  <a:pt x="1566643" y="676647"/>
-                </a:moveTo>
-                <a:lnTo>
-                  <a:pt x="120210" y="676647"/>
-                </a:lnTo>
-                <a:lnTo>
-                  <a:pt x="111843" y="675823"/>
-                </a:lnTo>
-                <a:lnTo>
-                  <a:pt x="71617" y="663620"/>
-                </a:lnTo>
-                <a:lnTo>
-                  <a:pt x="31709" y="632990"/>
-                </a:lnTo>
-                <a:lnTo>
-                  <a:pt x="6560" y="589419"/>
-                </a:lnTo>
-                <a:lnTo>
-                  <a:pt x="0" y="556437"/>
-                </a:lnTo>
-                <a:lnTo>
-                  <a:pt x="0" y="120210"/>
-                </a:lnTo>
-                <a:lnTo>
-                  <a:pt x="13026" y="71618"/>
-                </a:lnTo>
-                <a:lnTo>
-                  <a:pt x="43656" y="31709"/>
-                </a:lnTo>
-                <a:lnTo>
-                  <a:pt x="87227" y="6560"/>
-                </a:lnTo>
-                <a:lnTo>
-                  <a:pt x="120210" y="0"/>
-                </a:lnTo>
-                <a:lnTo>
-                  <a:pt x="1566643" y="0"/>
-                </a:lnTo>
-                <a:lnTo>
-                  <a:pt x="1615234" y="13026"/>
-                </a:lnTo>
-                <a:lnTo>
-                  <a:pt x="1655143" y="43656"/>
-                </a:lnTo>
-                <a:lnTo>
-                  <a:pt x="1680291" y="87227"/>
-                </a:lnTo>
-                <a:lnTo>
-                  <a:pt x="1686854" y="120210"/>
-                </a:lnTo>
-                <a:lnTo>
-                  <a:pt x="1686854" y="556437"/>
-                </a:lnTo>
-                <a:lnTo>
-                  <a:pt x="1673825" y="605029"/>
-                </a:lnTo>
-                <a:lnTo>
-                  <a:pt x="1643196" y="644937"/>
-                </a:lnTo>
-                <a:lnTo>
-                  <a:pt x="1599624" y="670086"/>
-                </a:lnTo>
-                <a:lnTo>
-                  <a:pt x="1566643" y="676647"/>
-                </a:lnTo>
-                <a:close/>
-              </a:path>
-            </a:pathLst>
-          </a:custGeom>
-          <a:solidFill>
-            <a:srgbClr val="FFFFFF"/>
-          </a:solidFill>
-        </p:spPr>
-        <p:txBody>
-          <a:bodyPr wrap="square" lIns="0" tIns="0" rIns="0" bIns="0" rtlCol="0"/>
-          <a:lstStyle/>
-          <a:p/>
-        </p:txBody>
-      </p:sp>
-      <p:sp>
-        <p:nvSpPr>
-          <p:cNvPr id="7" name="object 7"/>
-          <p:cNvSpPr/>
-          <p:nvPr/>
-        </p:nvSpPr>
-        <p:spPr>
-          <a:xfrm>
-            <a:off x="9554072" y="290672"/>
-            <a:ext cx="1687195" cy="676910"/>
-          </a:xfrm>
-          <a:custGeom>
-            <a:avLst/>
-            <a:gdLst/>
-            <a:ahLst/>
-            <a:cxnLst/>
-            <a:rect l="l" t="t" r="r" b="b"/>
-            <a:pathLst>
-              <a:path w="1687195" h="676910">
-                <a:moveTo>
-                  <a:pt x="0" y="547989"/>
-                </a:moveTo>
-                <a:lnTo>
-                  <a:pt x="0" y="128658"/>
-                </a:lnTo>
-                <a:lnTo>
-                  <a:pt x="0" y="120210"/>
-                </a:lnTo>
-                <a:lnTo>
-                  <a:pt x="824" y="111843"/>
-                </a:lnTo>
-                <a:lnTo>
-                  <a:pt x="2472" y="103558"/>
-                </a:lnTo>
-                <a:lnTo>
-                  <a:pt x="4120" y="95272"/>
-                </a:lnTo>
-                <a:lnTo>
-                  <a:pt x="6560" y="87227"/>
-                </a:lnTo>
-                <a:lnTo>
-                  <a:pt x="9793" y="79422"/>
-                </a:lnTo>
-                <a:lnTo>
-                  <a:pt x="13026" y="71618"/>
-                </a:lnTo>
-                <a:lnTo>
-                  <a:pt x="37682" y="37683"/>
-                </a:lnTo>
-                <a:lnTo>
-                  <a:pt x="43656" y="31709"/>
-                </a:lnTo>
-                <a:lnTo>
-                  <a:pt x="50154" y="26376"/>
-                </a:lnTo>
-                <a:lnTo>
-                  <a:pt x="57179" y="21682"/>
-                </a:lnTo>
-                <a:lnTo>
-                  <a:pt x="64202" y="16989"/>
-                </a:lnTo>
-                <a:lnTo>
-                  <a:pt x="71617" y="13026"/>
-                </a:lnTo>
-                <a:lnTo>
-                  <a:pt x="79422" y="9793"/>
-                </a:lnTo>
-                <a:lnTo>
-                  <a:pt x="87227" y="6560"/>
-                </a:lnTo>
-                <a:lnTo>
-                  <a:pt x="95272" y="4120"/>
-                </a:lnTo>
-                <a:lnTo>
-                  <a:pt x="103558" y="2472"/>
-                </a:lnTo>
-                <a:lnTo>
-                  <a:pt x="111843" y="824"/>
-                </a:lnTo>
-                <a:lnTo>
-                  <a:pt x="120210" y="0"/>
-                </a:lnTo>
-                <a:lnTo>
-                  <a:pt x="128658" y="0"/>
-                </a:lnTo>
-                <a:lnTo>
-                  <a:pt x="1558196" y="0"/>
-                </a:lnTo>
-                <a:lnTo>
-                  <a:pt x="1566643" y="0"/>
-                </a:lnTo>
-                <a:lnTo>
-                  <a:pt x="1575010" y="824"/>
-                </a:lnTo>
-                <a:lnTo>
-                  <a:pt x="1583294" y="2472"/>
-                </a:lnTo>
-                <a:lnTo>
-                  <a:pt x="1591579" y="4120"/>
-                </a:lnTo>
-                <a:lnTo>
-                  <a:pt x="1599624" y="6560"/>
-                </a:lnTo>
-                <a:lnTo>
-                  <a:pt x="1607429" y="9793"/>
-                </a:lnTo>
-                <a:lnTo>
-                  <a:pt x="1615234" y="13026"/>
-                </a:lnTo>
-                <a:lnTo>
-                  <a:pt x="1649170" y="37683"/>
-                </a:lnTo>
-                <a:lnTo>
-                  <a:pt x="1673825" y="71618"/>
-                </a:lnTo>
-                <a:lnTo>
-                  <a:pt x="1686029" y="111843"/>
-                </a:lnTo>
-                <a:lnTo>
-                  <a:pt x="1686854" y="120210"/>
-                </a:lnTo>
-                <a:lnTo>
-                  <a:pt x="1686854" y="128658"/>
-                </a:lnTo>
-                <a:lnTo>
-                  <a:pt x="1686854" y="547989"/>
-                </a:lnTo>
-                <a:lnTo>
-                  <a:pt x="1686854" y="556437"/>
-                </a:lnTo>
-                <a:lnTo>
-                  <a:pt x="1686029" y="564803"/>
-                </a:lnTo>
-                <a:lnTo>
-                  <a:pt x="1673825" y="605029"/>
-                </a:lnTo>
-                <a:lnTo>
-                  <a:pt x="1649170" y="638964"/>
-                </a:lnTo>
-                <a:lnTo>
-                  <a:pt x="1629672" y="654964"/>
-                </a:lnTo>
-                <a:lnTo>
-                  <a:pt x="1622648" y="659657"/>
-                </a:lnTo>
-                <a:lnTo>
-                  <a:pt x="1615234" y="663620"/>
-                </a:lnTo>
-                <a:lnTo>
-                  <a:pt x="1607429" y="666853"/>
-                </a:lnTo>
-                <a:lnTo>
-                  <a:pt x="1599624" y="670086"/>
-                </a:lnTo>
-                <a:lnTo>
-                  <a:pt x="1591579" y="672527"/>
-                </a:lnTo>
-                <a:lnTo>
-                  <a:pt x="1583294" y="674175"/>
-                </a:lnTo>
-                <a:lnTo>
-                  <a:pt x="1575010" y="675823"/>
-                </a:lnTo>
-                <a:lnTo>
-                  <a:pt x="1566643" y="676647"/>
-                </a:lnTo>
-                <a:lnTo>
-                  <a:pt x="1558196" y="676647"/>
-                </a:lnTo>
-                <a:lnTo>
-                  <a:pt x="128658" y="676647"/>
-                </a:lnTo>
-                <a:lnTo>
-                  <a:pt x="120210" y="676647"/>
-                </a:lnTo>
-                <a:lnTo>
-                  <a:pt x="111843" y="675823"/>
-                </a:lnTo>
-                <a:lnTo>
-                  <a:pt x="103558" y="674175"/>
-                </a:lnTo>
-                <a:lnTo>
-                  <a:pt x="95272" y="672527"/>
-                </a:lnTo>
-                <a:lnTo>
-                  <a:pt x="87227" y="670086"/>
-                </a:lnTo>
-                <a:lnTo>
-                  <a:pt x="79422" y="666853"/>
-                </a:lnTo>
-                <a:lnTo>
-                  <a:pt x="71617" y="663620"/>
-                </a:lnTo>
-                <a:lnTo>
-                  <a:pt x="64202" y="659657"/>
-                </a:lnTo>
-                <a:lnTo>
-                  <a:pt x="57179" y="654964"/>
-                </a:lnTo>
-                <a:lnTo>
-                  <a:pt x="50154" y="650271"/>
-                </a:lnTo>
-                <a:lnTo>
-                  <a:pt x="43656" y="644937"/>
-                </a:lnTo>
-                <a:lnTo>
-                  <a:pt x="37682" y="638964"/>
-                </a:lnTo>
-                <a:lnTo>
-                  <a:pt x="31709" y="632990"/>
-                </a:lnTo>
-                <a:lnTo>
-                  <a:pt x="26376" y="626491"/>
-                </a:lnTo>
-                <a:lnTo>
-                  <a:pt x="21682" y="619467"/>
-                </a:lnTo>
-                <a:lnTo>
-                  <a:pt x="16989" y="612443"/>
-                </a:lnTo>
-                <a:lnTo>
-                  <a:pt x="13026" y="605029"/>
-                </a:lnTo>
-                <a:lnTo>
-                  <a:pt x="9793" y="597224"/>
-                </a:lnTo>
-                <a:lnTo>
-                  <a:pt x="6560" y="589419"/>
-                </a:lnTo>
-                <a:lnTo>
-                  <a:pt x="4120" y="581374"/>
-                </a:lnTo>
-                <a:lnTo>
-                  <a:pt x="2472" y="573089"/>
-                </a:lnTo>
-                <a:lnTo>
-                  <a:pt x="824" y="564803"/>
-                </a:lnTo>
-                <a:lnTo>
-                  <a:pt x="0" y="556437"/>
-                </a:lnTo>
-                <a:lnTo>
-                  <a:pt x="0" y="547989"/>
-                </a:lnTo>
-                <a:close/>
-              </a:path>
-            </a:pathLst>
-          </a:custGeom>
-          <a:ln w="28590">
-            <a:solidFill>
-              <a:srgbClr val="DDDDDD"/>
-            </a:solidFill>
-          </a:ln>
-        </p:spPr>
-        <p:txBody>
-          <a:bodyPr wrap="square" lIns="0" tIns="0" rIns="0" bIns="0" rtlCol="0"/>
-          <a:lstStyle/>
-          <a:p/>
-        </p:txBody>
-      </p:sp>
-      <p:sp>
-        <p:nvSpPr>
-          <p:cNvPr id="8" name="object 8"/>
-          <p:cNvSpPr txBox="1">
-            <a:spLocks noGrp="1"/>
-          </p:cNvSpPr>
-          <p:nvPr>
-            <p:ph type="title"/>
-          </p:nvPr>
-        </p:nvSpPr>
-        <p:spPr>
-          <a:prstGeom prst="rect"/>
-        </p:spPr>
-        <p:txBody>
-          <a:bodyPr wrap="square" lIns="0" tIns="12700" rIns="0" bIns="0" rtlCol="0" vert="horz">
-            <a:spAutoFit/>
-          </a:bodyPr>
-          <a:lstStyle/>
-          <a:p>
-            <a:pPr marL="12700">
-              <a:lnSpc>
-                <a:spcPct val="100000"/>
-              </a:lnSpc>
-              <a:spcBef>
-                <a:spcPts val="100"/>
-              </a:spcBef>
-            </a:pPr>
-            <a:r>
-              <a:rPr dirty="0"/>
-              <a:t>0</a:t>
-            </a:r>
-            <a:r>
-              <a:rPr dirty="0" spc="-5"/>
-              <a:t>5:</a:t>
-            </a:r>
-            <a:r>
-              <a:rPr dirty="0"/>
-              <a:t>00</a:t>
-            </a:r>
-          </a:p>
-        </p:txBody>
-      </p:sp>
-      <p:sp>
-        <p:nvSpPr>
-          <p:cNvPr id="9" name="object 9"/>
-          <p:cNvSpPr/>
-          <p:nvPr/>
-        </p:nvSpPr>
-        <p:spPr>
-          <a:xfrm>
             <a:off x="914903" y="3488070"/>
             <a:ext cx="9702165" cy="0"/>
           </a:xfrm>
@@ -30995,7 +30221,7 @@
       </p:sp>
       <p:sp>
         <p:nvSpPr>
-          <p:cNvPr id="10" name="object 10"/>
+          <p:cNvPr id="6" name="object 6"/>
           <p:cNvSpPr/>
           <p:nvPr/>
         </p:nvSpPr>
@@ -31043,7 +30269,7 @@
       </p:sp>
       <p:sp>
         <p:nvSpPr>
-          <p:cNvPr id="11" name="object 11"/>
+          <p:cNvPr id="7" name="object 7"/>
           <p:cNvSpPr/>
           <p:nvPr/>
         </p:nvSpPr>
@@ -31083,7 +30309,7 @@
       </p:sp>
       <p:sp>
         <p:nvSpPr>
-          <p:cNvPr id="12" name="object 12"/>
+          <p:cNvPr id="8" name="object 8"/>
           <p:cNvSpPr/>
           <p:nvPr/>
         </p:nvSpPr>
@@ -31123,7 +30349,7 @@
       </p:sp>
       <p:sp>
         <p:nvSpPr>
-          <p:cNvPr id="13" name="object 13"/>
+          <p:cNvPr id="9" name="object 9"/>
           <p:cNvSpPr/>
           <p:nvPr/>
         </p:nvSpPr>
@@ -31163,7 +30389,7 @@
       </p:sp>
       <p:sp>
         <p:nvSpPr>
-          <p:cNvPr id="14" name="object 14"/>
+          <p:cNvPr id="10" name="object 10"/>
           <p:cNvSpPr txBox="1"/>
           <p:nvPr/>
         </p:nvSpPr>
@@ -31371,7 +30597,7 @@
       </p:sp>
       <p:sp>
         <p:nvSpPr>
-          <p:cNvPr id="15" name="object 15"/>
+          <p:cNvPr id="11" name="object 11"/>
           <p:cNvSpPr txBox="1"/>
           <p:nvPr/>
         </p:nvSpPr>
@@ -31608,7 +30834,7 @@
       </p:sp>
       <p:sp>
         <p:nvSpPr>
-          <p:cNvPr id="16" name="object 16"/>
+          <p:cNvPr id="12" name="object 12"/>
           <p:cNvSpPr txBox="1"/>
           <p:nvPr/>
         </p:nvSpPr>
@@ -31674,7 +30900,7 @@
       </p:sp>
       <p:sp>
         <p:nvSpPr>
-          <p:cNvPr id="17" name="object 17"/>
+          <p:cNvPr id="13" name="object 13"/>
           <p:cNvSpPr txBox="1"/>
           <p:nvPr/>
         </p:nvSpPr>
@@ -31720,7 +30946,7 @@
       </p:sp>
       <p:sp>
         <p:nvSpPr>
-          <p:cNvPr id="18" name="object 18"/>
+          <p:cNvPr id="14" name="object 14"/>
           <p:cNvSpPr txBox="1"/>
           <p:nvPr/>
         </p:nvSpPr>
@@ -31786,7 +31012,7 @@
       </p:sp>
       <p:sp>
         <p:nvSpPr>
-          <p:cNvPr id="19" name="object 19"/>
+          <p:cNvPr id="15" name="object 15"/>
           <p:cNvSpPr/>
           <p:nvPr/>
         </p:nvSpPr>
@@ -31826,7 +31052,7 @@
       </p:sp>
       <p:sp>
         <p:nvSpPr>
-          <p:cNvPr id="20" name="object 20"/>
+          <p:cNvPr id="16" name="object 16"/>
           <p:cNvSpPr/>
           <p:nvPr/>
         </p:nvSpPr>
@@ -31866,7 +31092,7 @@
       </p:sp>
       <p:sp>
         <p:nvSpPr>
-          <p:cNvPr id="21" name="object 21"/>
+          <p:cNvPr id="17" name="object 17"/>
           <p:cNvSpPr txBox="1"/>
           <p:nvPr/>
         </p:nvSpPr>
@@ -31947,6 +31173,562 @@
               <a:latin typeface="Roboto"/>
               <a:cs typeface="Roboto"/>
             </a:endParaRPr>
+          </a:p>
+        </p:txBody>
+      </p:sp>
+      <p:sp>
+        <p:nvSpPr>
+          <p:cNvPr id="18" name="object 18"/>
+          <p:cNvSpPr/>
+          <p:nvPr/>
+        </p:nvSpPr>
+        <p:spPr>
+          <a:xfrm>
+            <a:off x="9409176" y="182880"/>
+            <a:ext cx="1978660" cy="969644"/>
+          </a:xfrm>
+          <a:custGeom>
+            <a:avLst/>
+            <a:gdLst/>
+            <a:ahLst/>
+            <a:cxnLst/>
+            <a:rect l="l" t="t" r="r" b="b"/>
+            <a:pathLst>
+              <a:path w="1978659" h="969644">
+                <a:moveTo>
+                  <a:pt x="1978152" y="969264"/>
+                </a:moveTo>
+                <a:lnTo>
+                  <a:pt x="0" y="969264"/>
+                </a:lnTo>
+                <a:lnTo>
+                  <a:pt x="0" y="0"/>
+                </a:lnTo>
+                <a:lnTo>
+                  <a:pt x="1978152" y="0"/>
+                </a:lnTo>
+                <a:lnTo>
+                  <a:pt x="1978152" y="103027"/>
+                </a:lnTo>
+                <a:lnTo>
+                  <a:pt x="273555" y="103027"/>
+                </a:lnTo>
+                <a:lnTo>
+                  <a:pt x="260411" y="103662"/>
+                </a:lnTo>
+                <a:lnTo>
+                  <a:pt x="222495" y="113183"/>
+                </a:lnTo>
+                <a:lnTo>
+                  <a:pt x="188951" y="133261"/>
+                </a:lnTo>
+                <a:lnTo>
+                  <a:pt x="162595" y="162310"/>
+                </a:lnTo>
+                <a:lnTo>
+                  <a:pt x="145843" y="197777"/>
+                </a:lnTo>
+                <a:lnTo>
+                  <a:pt x="140131" y="236451"/>
+                </a:lnTo>
+                <a:lnTo>
+                  <a:pt x="140131" y="655781"/>
+                </a:lnTo>
+                <a:lnTo>
+                  <a:pt x="145844" y="694454"/>
+                </a:lnTo>
+                <a:lnTo>
+                  <a:pt x="162595" y="729921"/>
+                </a:lnTo>
+                <a:lnTo>
+                  <a:pt x="188951" y="758971"/>
+                </a:lnTo>
+                <a:lnTo>
+                  <a:pt x="222495" y="779048"/>
+                </a:lnTo>
+                <a:lnTo>
+                  <a:pt x="260411" y="788570"/>
+                </a:lnTo>
+                <a:lnTo>
+                  <a:pt x="273555" y="789205"/>
+                </a:lnTo>
+                <a:lnTo>
+                  <a:pt x="1978152" y="789205"/>
+                </a:lnTo>
+                <a:lnTo>
+                  <a:pt x="1978152" y="969264"/>
+                </a:lnTo>
+                <a:close/>
+              </a:path>
+              <a:path w="1978659" h="969644">
+                <a:moveTo>
+                  <a:pt x="1978152" y="789205"/>
+                </a:moveTo>
+                <a:lnTo>
+                  <a:pt x="1703091" y="789205"/>
+                </a:lnTo>
+                <a:lnTo>
+                  <a:pt x="1716234" y="788570"/>
+                </a:lnTo>
+                <a:lnTo>
+                  <a:pt x="1729125" y="786666"/>
+                </a:lnTo>
+                <a:lnTo>
+                  <a:pt x="1766050" y="773432"/>
+                </a:lnTo>
+                <a:lnTo>
+                  <a:pt x="1797436" y="750126"/>
+                </a:lnTo>
+                <a:lnTo>
+                  <a:pt x="1820741" y="718740"/>
+                </a:lnTo>
+                <a:lnTo>
+                  <a:pt x="1833975" y="681816"/>
+                </a:lnTo>
+                <a:lnTo>
+                  <a:pt x="1836515" y="655781"/>
+                </a:lnTo>
+                <a:lnTo>
+                  <a:pt x="1836515" y="236451"/>
+                </a:lnTo>
+                <a:lnTo>
+                  <a:pt x="1830801" y="197777"/>
+                </a:lnTo>
+                <a:lnTo>
+                  <a:pt x="1814049" y="162310"/>
+                </a:lnTo>
+                <a:lnTo>
+                  <a:pt x="1787692" y="133261"/>
+                </a:lnTo>
+                <a:lnTo>
+                  <a:pt x="1754148" y="113183"/>
+                </a:lnTo>
+                <a:lnTo>
+                  <a:pt x="1716234" y="103662"/>
+                </a:lnTo>
+                <a:lnTo>
+                  <a:pt x="1703091" y="103027"/>
+                </a:lnTo>
+                <a:lnTo>
+                  <a:pt x="1978152" y="103027"/>
+                </a:lnTo>
+                <a:lnTo>
+                  <a:pt x="1978152" y="789205"/>
+                </a:lnTo>
+                <a:close/>
+              </a:path>
+            </a:pathLst>
+          </a:custGeom>
+          <a:solidFill>
+            <a:srgbClr val="323232">
+              <a:alpha val="39999"/>
+            </a:srgbClr>
+          </a:solidFill>
+        </p:spPr>
+        <p:txBody>
+          <a:bodyPr wrap="square" lIns="0" tIns="0" rIns="0" bIns="0" rtlCol="0"/>
+          <a:lstStyle/>
+          <a:p/>
+        </p:txBody>
+      </p:sp>
+      <p:sp>
+        <p:nvSpPr>
+          <p:cNvPr id="19" name="object 19"/>
+          <p:cNvSpPr/>
+          <p:nvPr/>
+        </p:nvSpPr>
+        <p:spPr>
+          <a:xfrm>
+            <a:off x="9554071" y="290672"/>
+            <a:ext cx="1687195" cy="676910"/>
+          </a:xfrm>
+          <a:custGeom>
+            <a:avLst/>
+            <a:gdLst/>
+            <a:ahLst/>
+            <a:cxnLst/>
+            <a:rect l="l" t="t" r="r" b="b"/>
+            <a:pathLst>
+              <a:path w="1687195" h="676910">
+                <a:moveTo>
+                  <a:pt x="1566643" y="676647"/>
+                </a:moveTo>
+                <a:lnTo>
+                  <a:pt x="120210" y="676647"/>
+                </a:lnTo>
+                <a:lnTo>
+                  <a:pt x="111843" y="675823"/>
+                </a:lnTo>
+                <a:lnTo>
+                  <a:pt x="71617" y="663620"/>
+                </a:lnTo>
+                <a:lnTo>
+                  <a:pt x="31709" y="632990"/>
+                </a:lnTo>
+                <a:lnTo>
+                  <a:pt x="6560" y="589419"/>
+                </a:lnTo>
+                <a:lnTo>
+                  <a:pt x="0" y="556437"/>
+                </a:lnTo>
+                <a:lnTo>
+                  <a:pt x="0" y="120210"/>
+                </a:lnTo>
+                <a:lnTo>
+                  <a:pt x="13026" y="71618"/>
+                </a:lnTo>
+                <a:lnTo>
+                  <a:pt x="43656" y="31709"/>
+                </a:lnTo>
+                <a:lnTo>
+                  <a:pt x="87227" y="6560"/>
+                </a:lnTo>
+                <a:lnTo>
+                  <a:pt x="120210" y="0"/>
+                </a:lnTo>
+                <a:lnTo>
+                  <a:pt x="1566643" y="0"/>
+                </a:lnTo>
+                <a:lnTo>
+                  <a:pt x="1615234" y="13026"/>
+                </a:lnTo>
+                <a:lnTo>
+                  <a:pt x="1655143" y="43656"/>
+                </a:lnTo>
+                <a:lnTo>
+                  <a:pt x="1680291" y="87227"/>
+                </a:lnTo>
+                <a:lnTo>
+                  <a:pt x="1686854" y="120210"/>
+                </a:lnTo>
+                <a:lnTo>
+                  <a:pt x="1686854" y="556437"/>
+                </a:lnTo>
+                <a:lnTo>
+                  <a:pt x="1673825" y="605029"/>
+                </a:lnTo>
+                <a:lnTo>
+                  <a:pt x="1643196" y="644937"/>
+                </a:lnTo>
+                <a:lnTo>
+                  <a:pt x="1599624" y="670086"/>
+                </a:lnTo>
+                <a:lnTo>
+                  <a:pt x="1566643" y="676647"/>
+                </a:lnTo>
+                <a:close/>
+              </a:path>
+            </a:pathLst>
+          </a:custGeom>
+          <a:solidFill>
+            <a:srgbClr val="FFFFFF"/>
+          </a:solidFill>
+        </p:spPr>
+        <p:txBody>
+          <a:bodyPr wrap="square" lIns="0" tIns="0" rIns="0" bIns="0" rtlCol="0"/>
+          <a:lstStyle/>
+          <a:p/>
+        </p:txBody>
+      </p:sp>
+      <p:sp>
+        <p:nvSpPr>
+          <p:cNvPr id="20" name="object 20"/>
+          <p:cNvSpPr/>
+          <p:nvPr/>
+        </p:nvSpPr>
+        <p:spPr>
+          <a:xfrm>
+            <a:off x="9554072" y="290672"/>
+            <a:ext cx="1687195" cy="676910"/>
+          </a:xfrm>
+          <a:custGeom>
+            <a:avLst/>
+            <a:gdLst/>
+            <a:ahLst/>
+            <a:cxnLst/>
+            <a:rect l="l" t="t" r="r" b="b"/>
+            <a:pathLst>
+              <a:path w="1687195" h="676910">
+                <a:moveTo>
+                  <a:pt x="0" y="547989"/>
+                </a:moveTo>
+                <a:lnTo>
+                  <a:pt x="0" y="128658"/>
+                </a:lnTo>
+                <a:lnTo>
+                  <a:pt x="0" y="120210"/>
+                </a:lnTo>
+                <a:lnTo>
+                  <a:pt x="824" y="111843"/>
+                </a:lnTo>
+                <a:lnTo>
+                  <a:pt x="2472" y="103558"/>
+                </a:lnTo>
+                <a:lnTo>
+                  <a:pt x="4120" y="95272"/>
+                </a:lnTo>
+                <a:lnTo>
+                  <a:pt x="6560" y="87227"/>
+                </a:lnTo>
+                <a:lnTo>
+                  <a:pt x="9793" y="79422"/>
+                </a:lnTo>
+                <a:lnTo>
+                  <a:pt x="13026" y="71618"/>
+                </a:lnTo>
+                <a:lnTo>
+                  <a:pt x="37682" y="37683"/>
+                </a:lnTo>
+                <a:lnTo>
+                  <a:pt x="43656" y="31709"/>
+                </a:lnTo>
+                <a:lnTo>
+                  <a:pt x="50154" y="26376"/>
+                </a:lnTo>
+                <a:lnTo>
+                  <a:pt x="57179" y="21682"/>
+                </a:lnTo>
+                <a:lnTo>
+                  <a:pt x="64202" y="16989"/>
+                </a:lnTo>
+                <a:lnTo>
+                  <a:pt x="71617" y="13026"/>
+                </a:lnTo>
+                <a:lnTo>
+                  <a:pt x="79422" y="9793"/>
+                </a:lnTo>
+                <a:lnTo>
+                  <a:pt x="87227" y="6560"/>
+                </a:lnTo>
+                <a:lnTo>
+                  <a:pt x="95272" y="4120"/>
+                </a:lnTo>
+                <a:lnTo>
+                  <a:pt x="103558" y="2472"/>
+                </a:lnTo>
+                <a:lnTo>
+                  <a:pt x="111843" y="824"/>
+                </a:lnTo>
+                <a:lnTo>
+                  <a:pt x="120210" y="0"/>
+                </a:lnTo>
+                <a:lnTo>
+                  <a:pt x="128658" y="0"/>
+                </a:lnTo>
+                <a:lnTo>
+                  <a:pt x="1558196" y="0"/>
+                </a:lnTo>
+                <a:lnTo>
+                  <a:pt x="1566643" y="0"/>
+                </a:lnTo>
+                <a:lnTo>
+                  <a:pt x="1575010" y="824"/>
+                </a:lnTo>
+                <a:lnTo>
+                  <a:pt x="1583294" y="2472"/>
+                </a:lnTo>
+                <a:lnTo>
+                  <a:pt x="1591579" y="4120"/>
+                </a:lnTo>
+                <a:lnTo>
+                  <a:pt x="1599624" y="6560"/>
+                </a:lnTo>
+                <a:lnTo>
+                  <a:pt x="1607429" y="9793"/>
+                </a:lnTo>
+                <a:lnTo>
+                  <a:pt x="1615234" y="13026"/>
+                </a:lnTo>
+                <a:lnTo>
+                  <a:pt x="1649170" y="37683"/>
+                </a:lnTo>
+                <a:lnTo>
+                  <a:pt x="1673825" y="71618"/>
+                </a:lnTo>
+                <a:lnTo>
+                  <a:pt x="1686029" y="111843"/>
+                </a:lnTo>
+                <a:lnTo>
+                  <a:pt x="1686854" y="120210"/>
+                </a:lnTo>
+                <a:lnTo>
+                  <a:pt x="1686854" y="128658"/>
+                </a:lnTo>
+                <a:lnTo>
+                  <a:pt x="1686854" y="547989"/>
+                </a:lnTo>
+                <a:lnTo>
+                  <a:pt x="1686854" y="556437"/>
+                </a:lnTo>
+                <a:lnTo>
+                  <a:pt x="1686029" y="564803"/>
+                </a:lnTo>
+                <a:lnTo>
+                  <a:pt x="1673825" y="605029"/>
+                </a:lnTo>
+                <a:lnTo>
+                  <a:pt x="1649170" y="638964"/>
+                </a:lnTo>
+                <a:lnTo>
+                  <a:pt x="1629672" y="654964"/>
+                </a:lnTo>
+                <a:lnTo>
+                  <a:pt x="1622648" y="659657"/>
+                </a:lnTo>
+                <a:lnTo>
+                  <a:pt x="1615234" y="663620"/>
+                </a:lnTo>
+                <a:lnTo>
+                  <a:pt x="1607429" y="666853"/>
+                </a:lnTo>
+                <a:lnTo>
+                  <a:pt x="1599624" y="670086"/>
+                </a:lnTo>
+                <a:lnTo>
+                  <a:pt x="1591579" y="672527"/>
+                </a:lnTo>
+                <a:lnTo>
+                  <a:pt x="1583294" y="674175"/>
+                </a:lnTo>
+                <a:lnTo>
+                  <a:pt x="1575010" y="675823"/>
+                </a:lnTo>
+                <a:lnTo>
+                  <a:pt x="1566643" y="676647"/>
+                </a:lnTo>
+                <a:lnTo>
+                  <a:pt x="1558196" y="676647"/>
+                </a:lnTo>
+                <a:lnTo>
+                  <a:pt x="128658" y="676647"/>
+                </a:lnTo>
+                <a:lnTo>
+                  <a:pt x="120210" y="676647"/>
+                </a:lnTo>
+                <a:lnTo>
+                  <a:pt x="111843" y="675823"/>
+                </a:lnTo>
+                <a:lnTo>
+                  <a:pt x="103558" y="674175"/>
+                </a:lnTo>
+                <a:lnTo>
+                  <a:pt x="95272" y="672527"/>
+                </a:lnTo>
+                <a:lnTo>
+                  <a:pt x="87227" y="670086"/>
+                </a:lnTo>
+                <a:lnTo>
+                  <a:pt x="79422" y="666853"/>
+                </a:lnTo>
+                <a:lnTo>
+                  <a:pt x="71617" y="663620"/>
+                </a:lnTo>
+                <a:lnTo>
+                  <a:pt x="64202" y="659657"/>
+                </a:lnTo>
+                <a:lnTo>
+                  <a:pt x="57179" y="654964"/>
+                </a:lnTo>
+                <a:lnTo>
+                  <a:pt x="50154" y="650271"/>
+                </a:lnTo>
+                <a:lnTo>
+                  <a:pt x="43656" y="644937"/>
+                </a:lnTo>
+                <a:lnTo>
+                  <a:pt x="37682" y="638964"/>
+                </a:lnTo>
+                <a:lnTo>
+                  <a:pt x="31709" y="632990"/>
+                </a:lnTo>
+                <a:lnTo>
+                  <a:pt x="26376" y="626491"/>
+                </a:lnTo>
+                <a:lnTo>
+                  <a:pt x="21682" y="619467"/>
+                </a:lnTo>
+                <a:lnTo>
+                  <a:pt x="16989" y="612443"/>
+                </a:lnTo>
+                <a:lnTo>
+                  <a:pt x="13026" y="605029"/>
+                </a:lnTo>
+                <a:lnTo>
+                  <a:pt x="9793" y="597224"/>
+                </a:lnTo>
+                <a:lnTo>
+                  <a:pt x="6560" y="589419"/>
+                </a:lnTo>
+                <a:lnTo>
+                  <a:pt x="4120" y="581374"/>
+                </a:lnTo>
+                <a:lnTo>
+                  <a:pt x="2472" y="573089"/>
+                </a:lnTo>
+                <a:lnTo>
+                  <a:pt x="824" y="564803"/>
+                </a:lnTo>
+                <a:lnTo>
+                  <a:pt x="0" y="556437"/>
+                </a:lnTo>
+                <a:lnTo>
+                  <a:pt x="0" y="547989"/>
+                </a:lnTo>
+                <a:close/>
+              </a:path>
+            </a:pathLst>
+          </a:custGeom>
+          <a:ln w="28590">
+            <a:solidFill>
+              <a:srgbClr val="DDDDDD"/>
+            </a:solidFill>
+          </a:ln>
+        </p:spPr>
+        <p:txBody>
+          <a:bodyPr wrap="square" lIns="0" tIns="0" rIns="0" bIns="0" rtlCol="0"/>
+          <a:lstStyle/>
+          <a:p/>
+        </p:txBody>
+      </p:sp>
+      <p:sp>
+        <p:nvSpPr>
+          <p:cNvPr id="21" name="object 21"/>
+          <p:cNvSpPr txBox="1">
+            <a:spLocks noGrp="1"/>
+          </p:cNvSpPr>
+          <p:nvPr>
+            <p:ph type="title"/>
+          </p:nvPr>
+        </p:nvSpPr>
+        <p:spPr>
+          <a:prstGeom prst="rect"/>
+        </p:spPr>
+        <p:txBody>
+          <a:bodyPr wrap="square" lIns="0" tIns="12700" rIns="0" bIns="0" rtlCol="0" vert="horz">
+            <a:spAutoFit/>
+          </a:bodyPr>
+          <a:lstStyle/>
+          <a:p>
+            <a:pPr marL="12700">
+              <a:lnSpc>
+                <a:spcPct val="100000"/>
+              </a:lnSpc>
+              <a:spcBef>
+                <a:spcPts val="100"/>
+              </a:spcBef>
+            </a:pPr>
+            <a:r>
+              <a:rPr dirty="0"/>
+              <a:t>0</a:t>
+            </a:r>
+            <a:r>
+              <a:rPr dirty="0" spc="-5"/>
+              <a:t>5:</a:t>
+            </a:r>
+            <a:r>
+              <a:rPr dirty="0"/>
+              <a:t>00</a:t>
+            </a:r>
           </a:p>
         </p:txBody>
       </p:sp>
@@ -32418,7 +32200,7 @@
                 <a:latin typeface="Courier New"/>
                 <a:cs typeface="Courier New"/>
               </a:rPr>
-              <a:t>THU  ## 5038 3735 4198 4093 4267 3301</a:t>
+              <a:t>THU  ## 5038 3734 4198 4093 4267 3301</a:t>
             </a:r>
             <a:r>
               <a:rPr dirty="0" sz="1150" spc="-90">
@@ -33072,7 +32854,7 @@
                           <a:latin typeface="Courier New"/>
                           <a:cs typeface="Courier New"/>
                         </a:rPr>
-                        <a:t>19910</a:t>
+                        <a:t>19909</a:t>
                       </a:r>
                       <a:endParaRPr sz="1150">
                         <a:latin typeface="Courier New"/>
